--- a/CN LTHD/Sermina/HTML5.pptx
+++ b/CN LTHD/Sermina/HTML5.pptx
@@ -8063,7 +8063,6 @@
               <a:rPr lang="en-US" smtClean="0"/>
               <a:t>Fifth level</a:t>
             </a:r>
-            <a:endParaRPr lang="en-US" smtClean="0"/>
           </a:p>
         </p:txBody>
       </p:sp>
@@ -8246,7 +8245,6 @@
               <a:rPr lang="en-US" smtClean="0"/>
               <a:t>Click to edit Master title style</a:t>
             </a:r>
-            <a:endParaRPr lang="en-US" smtClean="0"/>
           </a:p>
         </p:txBody>
       </p:sp>
@@ -8875,25 +8873,8 @@
                 <a:latin typeface="Arial" pitchFamily="34" charset="0"/>
                 <a:cs typeface="Arial" pitchFamily="34" charset="0"/>
               </a:rPr>
-              <a:t> </a:t>
-            </a:r>
-            <a:r>
-              <a:rPr lang="en-US" i="1" spc="-150" smtClean="0">
-                <a:solidFill>
-                  <a:srgbClr val="002060"/>
-                </a:solidFill>
-                <a:latin typeface="Arial" pitchFamily="34" charset="0"/>
-                <a:cs typeface="Arial" pitchFamily="34" charset="0"/>
-              </a:rPr>
-              <a:t>Trình Hiện Đại</a:t>
-            </a:r>
-            <a:endParaRPr lang="en-US" i="1" spc="-150" smtClean="0">
-              <a:solidFill>
-                <a:srgbClr val="002060"/>
-              </a:solidFill>
-              <a:latin typeface="Arial" pitchFamily="34" charset="0"/>
-              <a:cs typeface="Arial" pitchFamily="34" charset="0"/>
-            </a:endParaRPr>
+              <a:t> Trình Hiện Đại</a:t>
+            </a:r>
           </a:p>
         </p:txBody>
       </p:sp>

--- a/CN LTHD/Sermina/HTML5.pptx
+++ b/CN LTHD/Sermina/HTML5.pptx
@@ -8941,6 +8941,9 @@
   <p:clrMapOvr>
     <a:masterClrMapping/>
   </p:clrMapOvr>
+  <p:transition spd="med">
+    <p:wedge/>
+  </p:transition>
   <p:timing>
     <p:tnLst>
       <p:par>
@@ -9599,9 +9602,697 @@
   <p:timing>
     <p:tnLst>
       <p:par>
-        <p:cTn id="1" dur="indefinite" restart="never" nodeType="tmRoot"/>
+        <p:cTn id="1" dur="indefinite" restart="never" nodeType="tmRoot">
+          <p:childTnLst>
+            <p:seq concurrent="1" nextAc="seek">
+              <p:cTn id="2" dur="indefinite" nodeType="mainSeq">
+                <p:childTnLst>
+                  <p:par>
+                    <p:cTn id="3" fill="hold">
+                      <p:stCondLst>
+                        <p:cond delay="indefinite"/>
+                      </p:stCondLst>
+                      <p:childTnLst>
+                        <p:par>
+                          <p:cTn id="4" fill="hold">
+                            <p:stCondLst>
+                              <p:cond delay="0"/>
+                            </p:stCondLst>
+                            <p:childTnLst>
+                              <p:par>
+                                <p:cTn id="5" presetID="12" presetClass="entr" presetSubtype="4" fill="hold" grpId="0" nodeType="clickEffect">
+                                  <p:stCondLst>
+                                    <p:cond delay="0"/>
+                                  </p:stCondLst>
+                                  <p:childTnLst>
+                                    <p:set>
+                                      <p:cBhvr>
+                                        <p:cTn id="6" dur="1" fill="hold">
+                                          <p:stCondLst>
+                                            <p:cond delay="0"/>
+                                          </p:stCondLst>
+                                        </p:cTn>
+                                        <p:tgtEl>
+                                          <p:spTgt spid="13">
+                                            <p:bg/>
+                                          </p:spTgt>
+                                        </p:tgtEl>
+                                        <p:attrNameLst>
+                                          <p:attrName>style.visibility</p:attrName>
+                                        </p:attrNameLst>
+                                      </p:cBhvr>
+                                      <p:to>
+                                        <p:strVal val="visible"/>
+                                      </p:to>
+                                    </p:set>
+                                    <p:animEffect transition="in" filter="slide(fromBottom)">
+                                      <p:cBhvr>
+                                        <p:cTn id="7" dur="500"/>
+                                        <p:tgtEl>
+                                          <p:spTgt spid="13">
+                                            <p:bg/>
+                                          </p:spTgt>
+                                        </p:tgtEl>
+                                      </p:cBhvr>
+                                    </p:animEffect>
+                                  </p:childTnLst>
+                                </p:cTn>
+                              </p:par>
+                            </p:childTnLst>
+                          </p:cTn>
+                        </p:par>
+                        <p:par>
+                          <p:cTn id="8" fill="hold">
+                            <p:stCondLst>
+                              <p:cond delay="500"/>
+                            </p:stCondLst>
+                            <p:childTnLst>
+                              <p:par>
+                                <p:cTn id="9" presetID="12" presetClass="entr" presetSubtype="4" fill="hold" grpId="0" nodeType="afterEffect">
+                                  <p:stCondLst>
+                                    <p:cond delay="0"/>
+                                  </p:stCondLst>
+                                  <p:childTnLst>
+                                    <p:set>
+                                      <p:cBhvr>
+                                        <p:cTn id="10" dur="1" fill="hold">
+                                          <p:stCondLst>
+                                            <p:cond delay="0"/>
+                                          </p:stCondLst>
+                                        </p:cTn>
+                                        <p:tgtEl>
+                                          <p:spTgt spid="13">
+                                            <p:txEl>
+                                              <p:pRg st="0" end="0"/>
+                                            </p:txEl>
+                                          </p:spTgt>
+                                        </p:tgtEl>
+                                        <p:attrNameLst>
+                                          <p:attrName>style.visibility</p:attrName>
+                                        </p:attrNameLst>
+                                      </p:cBhvr>
+                                      <p:to>
+                                        <p:strVal val="visible"/>
+                                      </p:to>
+                                    </p:set>
+                                    <p:animEffect transition="in" filter="slide(fromBottom)">
+                                      <p:cBhvr>
+                                        <p:cTn id="11" dur="500"/>
+                                        <p:tgtEl>
+                                          <p:spTgt spid="13">
+                                            <p:txEl>
+                                              <p:pRg st="0" end="0"/>
+                                            </p:txEl>
+                                          </p:spTgt>
+                                        </p:tgtEl>
+                                      </p:cBhvr>
+                                    </p:animEffect>
+                                  </p:childTnLst>
+                                </p:cTn>
+                              </p:par>
+                            </p:childTnLst>
+                          </p:cTn>
+                        </p:par>
+                      </p:childTnLst>
+                    </p:cTn>
+                  </p:par>
+                  <p:par>
+                    <p:cTn id="12" fill="hold">
+                      <p:stCondLst>
+                        <p:cond delay="indefinite"/>
+                      </p:stCondLst>
+                      <p:childTnLst>
+                        <p:par>
+                          <p:cTn id="13" fill="hold">
+                            <p:stCondLst>
+                              <p:cond delay="0"/>
+                            </p:stCondLst>
+                            <p:childTnLst>
+                              <p:par>
+                                <p:cTn id="14" presetID="42" presetClass="entr" presetSubtype="0" fill="hold" grpId="0" nodeType="clickEffect">
+                                  <p:stCondLst>
+                                    <p:cond delay="0"/>
+                                  </p:stCondLst>
+                                  <p:childTnLst>
+                                    <p:set>
+                                      <p:cBhvr>
+                                        <p:cTn id="15" dur="1" fill="hold">
+                                          <p:stCondLst>
+                                            <p:cond delay="0"/>
+                                          </p:stCondLst>
+                                        </p:cTn>
+                                        <p:tgtEl>
+                                          <p:spTgt spid="11"/>
+                                        </p:tgtEl>
+                                        <p:attrNameLst>
+                                          <p:attrName>style.visibility</p:attrName>
+                                        </p:attrNameLst>
+                                      </p:cBhvr>
+                                      <p:to>
+                                        <p:strVal val="visible"/>
+                                      </p:to>
+                                    </p:set>
+                                    <p:animEffect transition="in" filter="fade">
+                                      <p:cBhvr>
+                                        <p:cTn id="16" dur="1000"/>
+                                        <p:tgtEl>
+                                          <p:spTgt spid="11"/>
+                                        </p:tgtEl>
+                                      </p:cBhvr>
+                                    </p:animEffect>
+                                    <p:anim calcmode="lin" valueType="num">
+                                      <p:cBhvr>
+                                        <p:cTn id="17" dur="1000" fill="hold"/>
+                                        <p:tgtEl>
+                                          <p:spTgt spid="11"/>
+                                        </p:tgtEl>
+                                        <p:attrNameLst>
+                                          <p:attrName>ppt_x</p:attrName>
+                                        </p:attrNameLst>
+                                      </p:cBhvr>
+                                      <p:tavLst>
+                                        <p:tav tm="0">
+                                          <p:val>
+                                            <p:strVal val="#ppt_x"/>
+                                          </p:val>
+                                        </p:tav>
+                                        <p:tav tm="100000">
+                                          <p:val>
+                                            <p:strVal val="#ppt_x"/>
+                                          </p:val>
+                                        </p:tav>
+                                      </p:tavLst>
+                                    </p:anim>
+                                    <p:anim calcmode="lin" valueType="num">
+                                      <p:cBhvr>
+                                        <p:cTn id="18" dur="1000" fill="hold"/>
+                                        <p:tgtEl>
+                                          <p:spTgt spid="11"/>
+                                        </p:tgtEl>
+                                        <p:attrNameLst>
+                                          <p:attrName>ppt_y</p:attrName>
+                                        </p:attrNameLst>
+                                      </p:cBhvr>
+                                      <p:tavLst>
+                                        <p:tav tm="0">
+                                          <p:val>
+                                            <p:strVal val="#ppt_y+.1"/>
+                                          </p:val>
+                                        </p:tav>
+                                        <p:tav tm="100000">
+                                          <p:val>
+                                            <p:strVal val="#ppt_y"/>
+                                          </p:val>
+                                        </p:tav>
+                                      </p:tavLst>
+                                    </p:anim>
+                                  </p:childTnLst>
+                                </p:cTn>
+                              </p:par>
+                            </p:childTnLst>
+                          </p:cTn>
+                        </p:par>
+                      </p:childTnLst>
+                    </p:cTn>
+                  </p:par>
+                  <p:par>
+                    <p:cTn id="19" fill="hold">
+                      <p:stCondLst>
+                        <p:cond delay="indefinite"/>
+                      </p:stCondLst>
+                      <p:childTnLst>
+                        <p:par>
+                          <p:cTn id="20" fill="hold">
+                            <p:stCondLst>
+                              <p:cond delay="0"/>
+                            </p:stCondLst>
+                            <p:childTnLst>
+                              <p:par>
+                                <p:cTn id="21" presetID="42" presetClass="entr" presetSubtype="0" fill="hold" grpId="0" nodeType="clickEffect">
+                                  <p:stCondLst>
+                                    <p:cond delay="0"/>
+                                  </p:stCondLst>
+                                  <p:childTnLst>
+                                    <p:set>
+                                      <p:cBhvr>
+                                        <p:cTn id="22" dur="1" fill="hold">
+                                          <p:stCondLst>
+                                            <p:cond delay="0"/>
+                                          </p:stCondLst>
+                                        </p:cTn>
+                                        <p:tgtEl>
+                                          <p:spTgt spid="7"/>
+                                        </p:tgtEl>
+                                        <p:attrNameLst>
+                                          <p:attrName>style.visibility</p:attrName>
+                                        </p:attrNameLst>
+                                      </p:cBhvr>
+                                      <p:to>
+                                        <p:strVal val="visible"/>
+                                      </p:to>
+                                    </p:set>
+                                    <p:animEffect transition="in" filter="fade">
+                                      <p:cBhvr>
+                                        <p:cTn id="23" dur="1000"/>
+                                        <p:tgtEl>
+                                          <p:spTgt spid="7"/>
+                                        </p:tgtEl>
+                                      </p:cBhvr>
+                                    </p:animEffect>
+                                    <p:anim calcmode="lin" valueType="num">
+                                      <p:cBhvr>
+                                        <p:cTn id="24" dur="1000" fill="hold"/>
+                                        <p:tgtEl>
+                                          <p:spTgt spid="7"/>
+                                        </p:tgtEl>
+                                        <p:attrNameLst>
+                                          <p:attrName>ppt_x</p:attrName>
+                                        </p:attrNameLst>
+                                      </p:cBhvr>
+                                      <p:tavLst>
+                                        <p:tav tm="0">
+                                          <p:val>
+                                            <p:strVal val="#ppt_x"/>
+                                          </p:val>
+                                        </p:tav>
+                                        <p:tav tm="100000">
+                                          <p:val>
+                                            <p:strVal val="#ppt_x"/>
+                                          </p:val>
+                                        </p:tav>
+                                      </p:tavLst>
+                                    </p:anim>
+                                    <p:anim calcmode="lin" valueType="num">
+                                      <p:cBhvr>
+                                        <p:cTn id="25" dur="1000" fill="hold"/>
+                                        <p:tgtEl>
+                                          <p:spTgt spid="7"/>
+                                        </p:tgtEl>
+                                        <p:attrNameLst>
+                                          <p:attrName>ppt_y</p:attrName>
+                                        </p:attrNameLst>
+                                      </p:cBhvr>
+                                      <p:tavLst>
+                                        <p:tav tm="0">
+                                          <p:val>
+                                            <p:strVal val="#ppt_y+.1"/>
+                                          </p:val>
+                                        </p:tav>
+                                        <p:tav tm="100000">
+                                          <p:val>
+                                            <p:strVal val="#ppt_y"/>
+                                          </p:val>
+                                        </p:tav>
+                                      </p:tavLst>
+                                    </p:anim>
+                                  </p:childTnLst>
+                                </p:cTn>
+                              </p:par>
+                            </p:childTnLst>
+                          </p:cTn>
+                        </p:par>
+                      </p:childTnLst>
+                    </p:cTn>
+                  </p:par>
+                  <p:par>
+                    <p:cTn id="26" fill="hold">
+                      <p:stCondLst>
+                        <p:cond delay="indefinite"/>
+                      </p:stCondLst>
+                      <p:childTnLst>
+                        <p:par>
+                          <p:cTn id="27" fill="hold">
+                            <p:stCondLst>
+                              <p:cond delay="0"/>
+                            </p:stCondLst>
+                            <p:childTnLst>
+                              <p:par>
+                                <p:cTn id="28" presetID="42" presetClass="entr" presetSubtype="0" fill="hold" grpId="0" nodeType="clickEffect">
+                                  <p:stCondLst>
+                                    <p:cond delay="0"/>
+                                  </p:stCondLst>
+                                  <p:childTnLst>
+                                    <p:set>
+                                      <p:cBhvr>
+                                        <p:cTn id="29" dur="1" fill="hold">
+                                          <p:stCondLst>
+                                            <p:cond delay="0"/>
+                                          </p:stCondLst>
+                                        </p:cTn>
+                                        <p:tgtEl>
+                                          <p:spTgt spid="8"/>
+                                        </p:tgtEl>
+                                        <p:attrNameLst>
+                                          <p:attrName>style.visibility</p:attrName>
+                                        </p:attrNameLst>
+                                      </p:cBhvr>
+                                      <p:to>
+                                        <p:strVal val="visible"/>
+                                      </p:to>
+                                    </p:set>
+                                    <p:animEffect transition="in" filter="fade">
+                                      <p:cBhvr>
+                                        <p:cTn id="30" dur="1000"/>
+                                        <p:tgtEl>
+                                          <p:spTgt spid="8"/>
+                                        </p:tgtEl>
+                                      </p:cBhvr>
+                                    </p:animEffect>
+                                    <p:anim calcmode="lin" valueType="num">
+                                      <p:cBhvr>
+                                        <p:cTn id="31" dur="1000" fill="hold"/>
+                                        <p:tgtEl>
+                                          <p:spTgt spid="8"/>
+                                        </p:tgtEl>
+                                        <p:attrNameLst>
+                                          <p:attrName>ppt_x</p:attrName>
+                                        </p:attrNameLst>
+                                      </p:cBhvr>
+                                      <p:tavLst>
+                                        <p:tav tm="0">
+                                          <p:val>
+                                            <p:strVal val="#ppt_x"/>
+                                          </p:val>
+                                        </p:tav>
+                                        <p:tav tm="100000">
+                                          <p:val>
+                                            <p:strVal val="#ppt_x"/>
+                                          </p:val>
+                                        </p:tav>
+                                      </p:tavLst>
+                                    </p:anim>
+                                    <p:anim calcmode="lin" valueType="num">
+                                      <p:cBhvr>
+                                        <p:cTn id="32" dur="1000" fill="hold"/>
+                                        <p:tgtEl>
+                                          <p:spTgt spid="8"/>
+                                        </p:tgtEl>
+                                        <p:attrNameLst>
+                                          <p:attrName>ppt_y</p:attrName>
+                                        </p:attrNameLst>
+                                      </p:cBhvr>
+                                      <p:tavLst>
+                                        <p:tav tm="0">
+                                          <p:val>
+                                            <p:strVal val="#ppt_y+.1"/>
+                                          </p:val>
+                                        </p:tav>
+                                        <p:tav tm="100000">
+                                          <p:val>
+                                            <p:strVal val="#ppt_y"/>
+                                          </p:val>
+                                        </p:tav>
+                                      </p:tavLst>
+                                    </p:anim>
+                                  </p:childTnLst>
+                                </p:cTn>
+                              </p:par>
+                            </p:childTnLst>
+                          </p:cTn>
+                        </p:par>
+                      </p:childTnLst>
+                    </p:cTn>
+                  </p:par>
+                  <p:par>
+                    <p:cTn id="33" fill="hold">
+                      <p:stCondLst>
+                        <p:cond delay="indefinite"/>
+                      </p:stCondLst>
+                      <p:childTnLst>
+                        <p:par>
+                          <p:cTn id="34" fill="hold">
+                            <p:stCondLst>
+                              <p:cond delay="0"/>
+                            </p:stCondLst>
+                            <p:childTnLst>
+                              <p:par>
+                                <p:cTn id="35" presetID="42" presetClass="entr" presetSubtype="0" fill="hold" grpId="0" nodeType="clickEffect">
+                                  <p:stCondLst>
+                                    <p:cond delay="0"/>
+                                  </p:stCondLst>
+                                  <p:childTnLst>
+                                    <p:set>
+                                      <p:cBhvr>
+                                        <p:cTn id="36" dur="1" fill="hold">
+                                          <p:stCondLst>
+                                            <p:cond delay="0"/>
+                                          </p:stCondLst>
+                                        </p:cTn>
+                                        <p:tgtEl>
+                                          <p:spTgt spid="9"/>
+                                        </p:tgtEl>
+                                        <p:attrNameLst>
+                                          <p:attrName>style.visibility</p:attrName>
+                                        </p:attrNameLst>
+                                      </p:cBhvr>
+                                      <p:to>
+                                        <p:strVal val="visible"/>
+                                      </p:to>
+                                    </p:set>
+                                    <p:animEffect transition="in" filter="fade">
+                                      <p:cBhvr>
+                                        <p:cTn id="37" dur="1000"/>
+                                        <p:tgtEl>
+                                          <p:spTgt spid="9"/>
+                                        </p:tgtEl>
+                                      </p:cBhvr>
+                                    </p:animEffect>
+                                    <p:anim calcmode="lin" valueType="num">
+                                      <p:cBhvr>
+                                        <p:cTn id="38" dur="1000" fill="hold"/>
+                                        <p:tgtEl>
+                                          <p:spTgt spid="9"/>
+                                        </p:tgtEl>
+                                        <p:attrNameLst>
+                                          <p:attrName>ppt_x</p:attrName>
+                                        </p:attrNameLst>
+                                      </p:cBhvr>
+                                      <p:tavLst>
+                                        <p:tav tm="0">
+                                          <p:val>
+                                            <p:strVal val="#ppt_x"/>
+                                          </p:val>
+                                        </p:tav>
+                                        <p:tav tm="100000">
+                                          <p:val>
+                                            <p:strVal val="#ppt_x"/>
+                                          </p:val>
+                                        </p:tav>
+                                      </p:tavLst>
+                                    </p:anim>
+                                    <p:anim calcmode="lin" valueType="num">
+                                      <p:cBhvr>
+                                        <p:cTn id="39" dur="1000" fill="hold"/>
+                                        <p:tgtEl>
+                                          <p:spTgt spid="9"/>
+                                        </p:tgtEl>
+                                        <p:attrNameLst>
+                                          <p:attrName>ppt_y</p:attrName>
+                                        </p:attrNameLst>
+                                      </p:cBhvr>
+                                      <p:tavLst>
+                                        <p:tav tm="0">
+                                          <p:val>
+                                            <p:strVal val="#ppt_y+.1"/>
+                                          </p:val>
+                                        </p:tav>
+                                        <p:tav tm="100000">
+                                          <p:val>
+                                            <p:strVal val="#ppt_y"/>
+                                          </p:val>
+                                        </p:tav>
+                                      </p:tavLst>
+                                    </p:anim>
+                                  </p:childTnLst>
+                                </p:cTn>
+                              </p:par>
+                            </p:childTnLst>
+                          </p:cTn>
+                        </p:par>
+                      </p:childTnLst>
+                    </p:cTn>
+                  </p:par>
+                  <p:par>
+                    <p:cTn id="40" fill="hold">
+                      <p:stCondLst>
+                        <p:cond delay="indefinite"/>
+                      </p:stCondLst>
+                      <p:childTnLst>
+                        <p:par>
+                          <p:cTn id="41" fill="hold">
+                            <p:stCondLst>
+                              <p:cond delay="0"/>
+                            </p:stCondLst>
+                            <p:childTnLst>
+                              <p:par>
+                                <p:cTn id="42" presetID="42" presetClass="entr" presetSubtype="0" fill="hold" grpId="0" nodeType="clickEffect">
+                                  <p:stCondLst>
+                                    <p:cond delay="0"/>
+                                  </p:stCondLst>
+                                  <p:childTnLst>
+                                    <p:set>
+                                      <p:cBhvr>
+                                        <p:cTn id="43" dur="1" fill="hold">
+                                          <p:stCondLst>
+                                            <p:cond delay="0"/>
+                                          </p:stCondLst>
+                                        </p:cTn>
+                                        <p:tgtEl>
+                                          <p:spTgt spid="10"/>
+                                        </p:tgtEl>
+                                        <p:attrNameLst>
+                                          <p:attrName>style.visibility</p:attrName>
+                                        </p:attrNameLst>
+                                      </p:cBhvr>
+                                      <p:to>
+                                        <p:strVal val="visible"/>
+                                      </p:to>
+                                    </p:set>
+                                    <p:animEffect transition="in" filter="fade">
+                                      <p:cBhvr>
+                                        <p:cTn id="44" dur="1000"/>
+                                        <p:tgtEl>
+                                          <p:spTgt spid="10"/>
+                                        </p:tgtEl>
+                                      </p:cBhvr>
+                                    </p:animEffect>
+                                    <p:anim calcmode="lin" valueType="num">
+                                      <p:cBhvr>
+                                        <p:cTn id="45" dur="1000" fill="hold"/>
+                                        <p:tgtEl>
+                                          <p:spTgt spid="10"/>
+                                        </p:tgtEl>
+                                        <p:attrNameLst>
+                                          <p:attrName>ppt_x</p:attrName>
+                                        </p:attrNameLst>
+                                      </p:cBhvr>
+                                      <p:tavLst>
+                                        <p:tav tm="0">
+                                          <p:val>
+                                            <p:strVal val="#ppt_x"/>
+                                          </p:val>
+                                        </p:tav>
+                                        <p:tav tm="100000">
+                                          <p:val>
+                                            <p:strVal val="#ppt_x"/>
+                                          </p:val>
+                                        </p:tav>
+                                      </p:tavLst>
+                                    </p:anim>
+                                    <p:anim calcmode="lin" valueType="num">
+                                      <p:cBhvr>
+                                        <p:cTn id="46" dur="1000" fill="hold"/>
+                                        <p:tgtEl>
+                                          <p:spTgt spid="10"/>
+                                        </p:tgtEl>
+                                        <p:attrNameLst>
+                                          <p:attrName>ppt_y</p:attrName>
+                                        </p:attrNameLst>
+                                      </p:cBhvr>
+                                      <p:tavLst>
+                                        <p:tav tm="0">
+                                          <p:val>
+                                            <p:strVal val="#ppt_y+.1"/>
+                                          </p:val>
+                                        </p:tav>
+                                        <p:tav tm="100000">
+                                          <p:val>
+                                            <p:strVal val="#ppt_y"/>
+                                          </p:val>
+                                        </p:tav>
+                                      </p:tavLst>
+                                    </p:anim>
+                                  </p:childTnLst>
+                                </p:cTn>
+                              </p:par>
+                            </p:childTnLst>
+                          </p:cTn>
+                        </p:par>
+                      </p:childTnLst>
+                    </p:cTn>
+                  </p:par>
+                  <p:par>
+                    <p:cTn id="47" fill="hold">
+                      <p:stCondLst>
+                        <p:cond delay="indefinite"/>
+                      </p:stCondLst>
+                      <p:childTnLst>
+                        <p:par>
+                          <p:cTn id="48" fill="hold">
+                            <p:stCondLst>
+                              <p:cond delay="0"/>
+                            </p:stCondLst>
+                            <p:childTnLst>
+                              <p:par>
+                                <p:cTn id="49" presetID="18" presetClass="entr" presetSubtype="12" fill="hold" nodeType="clickEffect">
+                                  <p:stCondLst>
+                                    <p:cond delay="0"/>
+                                  </p:stCondLst>
+                                  <p:childTnLst>
+                                    <p:set>
+                                      <p:cBhvr>
+                                        <p:cTn id="50" dur="1" fill="hold">
+                                          <p:stCondLst>
+                                            <p:cond delay="0"/>
+                                          </p:stCondLst>
+                                        </p:cTn>
+                                        <p:tgtEl>
+                                          <p:spTgt spid="2050"/>
+                                        </p:tgtEl>
+                                        <p:attrNameLst>
+                                          <p:attrName>style.visibility</p:attrName>
+                                        </p:attrNameLst>
+                                      </p:cBhvr>
+                                      <p:to>
+                                        <p:strVal val="visible"/>
+                                      </p:to>
+                                    </p:set>
+                                    <p:animEffect transition="in" filter="strips(downLeft)">
+                                      <p:cBhvr>
+                                        <p:cTn id="51" dur="500"/>
+                                        <p:tgtEl>
+                                          <p:spTgt spid="2050"/>
+                                        </p:tgtEl>
+                                      </p:cBhvr>
+                                    </p:animEffect>
+                                  </p:childTnLst>
+                                </p:cTn>
+                              </p:par>
+                            </p:childTnLst>
+                          </p:cTn>
+                        </p:par>
+                      </p:childTnLst>
+                    </p:cTn>
+                  </p:par>
+                </p:childTnLst>
+              </p:cTn>
+              <p:prevCondLst>
+                <p:cond evt="onPrev" delay="0">
+                  <p:tgtEl>
+                    <p:sldTgt/>
+                  </p:tgtEl>
+                </p:cond>
+              </p:prevCondLst>
+              <p:nextCondLst>
+                <p:cond evt="onNext" delay="0">
+                  <p:tgtEl>
+                    <p:sldTgt/>
+                  </p:tgtEl>
+                </p:cond>
+              </p:nextCondLst>
+            </p:seq>
+          </p:childTnLst>
+        </p:cTn>
       </p:par>
     </p:tnLst>
+    <p:bldLst>
+      <p:bldP spid="7" grpId="0" animBg="1"/>
+      <p:bldP spid="11" grpId="0" animBg="1"/>
+      <p:bldP spid="8" grpId="0" animBg="1"/>
+      <p:bldP spid="9" grpId="0" animBg="1"/>
+      <p:bldP spid="10" grpId="0" animBg="1"/>
+      <p:bldP spid="13" grpId="0" uiExpand="1" build="allAtOnce" animBg="1"/>
+    </p:bldLst>
   </p:timing>
 </p:sld>
 </file>
@@ -10269,9 +10960,650 @@
   <p:timing>
     <p:tnLst>
       <p:par>
-        <p:cTn id="1" dur="indefinite" restart="never" nodeType="tmRoot"/>
+        <p:cTn id="1" dur="indefinite" restart="never" nodeType="tmRoot">
+          <p:childTnLst>
+            <p:seq concurrent="1" nextAc="seek">
+              <p:cTn id="2" dur="indefinite" nodeType="mainSeq">
+                <p:childTnLst>
+                  <p:par>
+                    <p:cTn id="3" fill="hold">
+                      <p:stCondLst>
+                        <p:cond delay="indefinite"/>
+                      </p:stCondLst>
+                      <p:childTnLst>
+                        <p:par>
+                          <p:cTn id="4" fill="hold">
+                            <p:stCondLst>
+                              <p:cond delay="0"/>
+                            </p:stCondLst>
+                            <p:childTnLst>
+                              <p:par>
+                                <p:cTn id="5" presetID="12" presetClass="entr" presetSubtype="4" fill="hold" grpId="0" nodeType="clickEffect">
+                                  <p:stCondLst>
+                                    <p:cond delay="0"/>
+                                  </p:stCondLst>
+                                  <p:childTnLst>
+                                    <p:set>
+                                      <p:cBhvr>
+                                        <p:cTn id="6" dur="1" fill="hold">
+                                          <p:stCondLst>
+                                            <p:cond delay="0"/>
+                                          </p:stCondLst>
+                                        </p:cTn>
+                                        <p:tgtEl>
+                                          <p:spTgt spid="12">
+                                            <p:bg/>
+                                          </p:spTgt>
+                                        </p:tgtEl>
+                                        <p:attrNameLst>
+                                          <p:attrName>style.visibility</p:attrName>
+                                        </p:attrNameLst>
+                                      </p:cBhvr>
+                                      <p:to>
+                                        <p:strVal val="visible"/>
+                                      </p:to>
+                                    </p:set>
+                                    <p:animEffect transition="in" filter="slide(fromBottom)">
+                                      <p:cBhvr>
+                                        <p:cTn id="7" dur="500"/>
+                                        <p:tgtEl>
+                                          <p:spTgt spid="12">
+                                            <p:bg/>
+                                          </p:spTgt>
+                                        </p:tgtEl>
+                                      </p:cBhvr>
+                                    </p:animEffect>
+                                  </p:childTnLst>
+                                </p:cTn>
+                              </p:par>
+                            </p:childTnLst>
+                          </p:cTn>
+                        </p:par>
+                        <p:par>
+                          <p:cTn id="8" fill="hold">
+                            <p:stCondLst>
+                              <p:cond delay="500"/>
+                            </p:stCondLst>
+                            <p:childTnLst>
+                              <p:par>
+                                <p:cTn id="9" presetID="12" presetClass="entr" presetSubtype="4" fill="hold" grpId="0" nodeType="afterEffect">
+                                  <p:stCondLst>
+                                    <p:cond delay="0"/>
+                                  </p:stCondLst>
+                                  <p:childTnLst>
+                                    <p:set>
+                                      <p:cBhvr>
+                                        <p:cTn id="10" dur="1" fill="hold">
+                                          <p:stCondLst>
+                                            <p:cond delay="0"/>
+                                          </p:stCondLst>
+                                        </p:cTn>
+                                        <p:tgtEl>
+                                          <p:spTgt spid="12">
+                                            <p:txEl>
+                                              <p:pRg st="0" end="0"/>
+                                            </p:txEl>
+                                          </p:spTgt>
+                                        </p:tgtEl>
+                                        <p:attrNameLst>
+                                          <p:attrName>style.visibility</p:attrName>
+                                        </p:attrNameLst>
+                                      </p:cBhvr>
+                                      <p:to>
+                                        <p:strVal val="visible"/>
+                                      </p:to>
+                                    </p:set>
+                                    <p:animEffect transition="in" filter="slide(fromBottom)">
+                                      <p:cBhvr>
+                                        <p:cTn id="11" dur="500"/>
+                                        <p:tgtEl>
+                                          <p:spTgt spid="12">
+                                            <p:txEl>
+                                              <p:pRg st="0" end="0"/>
+                                            </p:txEl>
+                                          </p:spTgt>
+                                        </p:tgtEl>
+                                      </p:cBhvr>
+                                    </p:animEffect>
+                                  </p:childTnLst>
+                                </p:cTn>
+                              </p:par>
+                            </p:childTnLst>
+                          </p:cTn>
+                        </p:par>
+                      </p:childTnLst>
+                    </p:cTn>
+                  </p:par>
+                  <p:par>
+                    <p:cTn id="12" fill="hold">
+                      <p:stCondLst>
+                        <p:cond delay="indefinite"/>
+                      </p:stCondLst>
+                      <p:childTnLst>
+                        <p:par>
+                          <p:cTn id="13" fill="hold">
+                            <p:stCondLst>
+                              <p:cond delay="0"/>
+                            </p:stCondLst>
+                            <p:childTnLst>
+                              <p:par>
+                                <p:cTn id="14" presetID="42" presetClass="entr" presetSubtype="0" fill="hold" grpId="0" nodeType="clickEffect">
+                                  <p:stCondLst>
+                                    <p:cond delay="0"/>
+                                  </p:stCondLst>
+                                  <p:childTnLst>
+                                    <p:set>
+                                      <p:cBhvr>
+                                        <p:cTn id="15" dur="1" fill="hold">
+                                          <p:stCondLst>
+                                            <p:cond delay="0"/>
+                                          </p:stCondLst>
+                                        </p:cTn>
+                                        <p:tgtEl>
+                                          <p:spTgt spid="11"/>
+                                        </p:tgtEl>
+                                        <p:attrNameLst>
+                                          <p:attrName>style.visibility</p:attrName>
+                                        </p:attrNameLst>
+                                      </p:cBhvr>
+                                      <p:to>
+                                        <p:strVal val="visible"/>
+                                      </p:to>
+                                    </p:set>
+                                    <p:animEffect transition="in" filter="fade">
+                                      <p:cBhvr>
+                                        <p:cTn id="16" dur="1000"/>
+                                        <p:tgtEl>
+                                          <p:spTgt spid="11"/>
+                                        </p:tgtEl>
+                                      </p:cBhvr>
+                                    </p:animEffect>
+                                    <p:anim calcmode="lin" valueType="num">
+                                      <p:cBhvr>
+                                        <p:cTn id="17" dur="1000" fill="hold"/>
+                                        <p:tgtEl>
+                                          <p:spTgt spid="11"/>
+                                        </p:tgtEl>
+                                        <p:attrNameLst>
+                                          <p:attrName>ppt_x</p:attrName>
+                                        </p:attrNameLst>
+                                      </p:cBhvr>
+                                      <p:tavLst>
+                                        <p:tav tm="0">
+                                          <p:val>
+                                            <p:strVal val="#ppt_x"/>
+                                          </p:val>
+                                        </p:tav>
+                                        <p:tav tm="100000">
+                                          <p:val>
+                                            <p:strVal val="#ppt_x"/>
+                                          </p:val>
+                                        </p:tav>
+                                      </p:tavLst>
+                                    </p:anim>
+                                    <p:anim calcmode="lin" valueType="num">
+                                      <p:cBhvr>
+                                        <p:cTn id="18" dur="1000" fill="hold"/>
+                                        <p:tgtEl>
+                                          <p:spTgt spid="11"/>
+                                        </p:tgtEl>
+                                        <p:attrNameLst>
+                                          <p:attrName>ppt_y</p:attrName>
+                                        </p:attrNameLst>
+                                      </p:cBhvr>
+                                      <p:tavLst>
+                                        <p:tav tm="0">
+                                          <p:val>
+                                            <p:strVal val="#ppt_y+.1"/>
+                                          </p:val>
+                                        </p:tav>
+                                        <p:tav tm="100000">
+                                          <p:val>
+                                            <p:strVal val="#ppt_y"/>
+                                          </p:val>
+                                        </p:tav>
+                                      </p:tavLst>
+                                    </p:anim>
+                                  </p:childTnLst>
+                                </p:cTn>
+                              </p:par>
+                            </p:childTnLst>
+                          </p:cTn>
+                        </p:par>
+                      </p:childTnLst>
+                    </p:cTn>
+                  </p:par>
+                  <p:par>
+                    <p:cTn id="19" fill="hold">
+                      <p:stCondLst>
+                        <p:cond delay="indefinite"/>
+                      </p:stCondLst>
+                      <p:childTnLst>
+                        <p:par>
+                          <p:cTn id="20" fill="hold">
+                            <p:stCondLst>
+                              <p:cond delay="0"/>
+                            </p:stCondLst>
+                            <p:childTnLst>
+                              <p:par>
+                                <p:cTn id="21" presetID="42" presetClass="entr" presetSubtype="0" fill="hold" grpId="0" nodeType="clickEffect">
+                                  <p:stCondLst>
+                                    <p:cond delay="0"/>
+                                  </p:stCondLst>
+                                  <p:childTnLst>
+                                    <p:set>
+                                      <p:cBhvr>
+                                        <p:cTn id="22" dur="1" fill="hold">
+                                          <p:stCondLst>
+                                            <p:cond delay="0"/>
+                                          </p:stCondLst>
+                                        </p:cTn>
+                                        <p:tgtEl>
+                                          <p:spTgt spid="7"/>
+                                        </p:tgtEl>
+                                        <p:attrNameLst>
+                                          <p:attrName>style.visibility</p:attrName>
+                                        </p:attrNameLst>
+                                      </p:cBhvr>
+                                      <p:to>
+                                        <p:strVal val="visible"/>
+                                      </p:to>
+                                    </p:set>
+                                    <p:animEffect transition="in" filter="fade">
+                                      <p:cBhvr>
+                                        <p:cTn id="23" dur="1000"/>
+                                        <p:tgtEl>
+                                          <p:spTgt spid="7"/>
+                                        </p:tgtEl>
+                                      </p:cBhvr>
+                                    </p:animEffect>
+                                    <p:anim calcmode="lin" valueType="num">
+                                      <p:cBhvr>
+                                        <p:cTn id="24" dur="1000" fill="hold"/>
+                                        <p:tgtEl>
+                                          <p:spTgt spid="7"/>
+                                        </p:tgtEl>
+                                        <p:attrNameLst>
+                                          <p:attrName>ppt_x</p:attrName>
+                                        </p:attrNameLst>
+                                      </p:cBhvr>
+                                      <p:tavLst>
+                                        <p:tav tm="0">
+                                          <p:val>
+                                            <p:strVal val="#ppt_x"/>
+                                          </p:val>
+                                        </p:tav>
+                                        <p:tav tm="100000">
+                                          <p:val>
+                                            <p:strVal val="#ppt_x"/>
+                                          </p:val>
+                                        </p:tav>
+                                      </p:tavLst>
+                                    </p:anim>
+                                    <p:anim calcmode="lin" valueType="num">
+                                      <p:cBhvr>
+                                        <p:cTn id="25" dur="1000" fill="hold"/>
+                                        <p:tgtEl>
+                                          <p:spTgt spid="7"/>
+                                        </p:tgtEl>
+                                        <p:attrNameLst>
+                                          <p:attrName>ppt_y</p:attrName>
+                                        </p:attrNameLst>
+                                      </p:cBhvr>
+                                      <p:tavLst>
+                                        <p:tav tm="0">
+                                          <p:val>
+                                            <p:strVal val="#ppt_y+.1"/>
+                                          </p:val>
+                                        </p:tav>
+                                        <p:tav tm="100000">
+                                          <p:val>
+                                            <p:strVal val="#ppt_y"/>
+                                          </p:val>
+                                        </p:tav>
+                                      </p:tavLst>
+                                    </p:anim>
+                                  </p:childTnLst>
+                                </p:cTn>
+                              </p:par>
+                            </p:childTnLst>
+                          </p:cTn>
+                        </p:par>
+                      </p:childTnLst>
+                    </p:cTn>
+                  </p:par>
+                  <p:par>
+                    <p:cTn id="26" fill="hold">
+                      <p:stCondLst>
+                        <p:cond delay="indefinite"/>
+                      </p:stCondLst>
+                      <p:childTnLst>
+                        <p:par>
+                          <p:cTn id="27" fill="hold">
+                            <p:stCondLst>
+                              <p:cond delay="0"/>
+                            </p:stCondLst>
+                            <p:childTnLst>
+                              <p:par>
+                                <p:cTn id="28" presetID="5" presetClass="entr" presetSubtype="10" fill="hold" nodeType="clickEffect">
+                                  <p:stCondLst>
+                                    <p:cond delay="0"/>
+                                  </p:stCondLst>
+                                  <p:childTnLst>
+                                    <p:set>
+                                      <p:cBhvr>
+                                        <p:cTn id="29" dur="1" fill="hold">
+                                          <p:stCondLst>
+                                            <p:cond delay="0"/>
+                                          </p:stCondLst>
+                                        </p:cTn>
+                                        <p:tgtEl>
+                                          <p:spTgt spid="3074"/>
+                                        </p:tgtEl>
+                                        <p:attrNameLst>
+                                          <p:attrName>style.visibility</p:attrName>
+                                        </p:attrNameLst>
+                                      </p:cBhvr>
+                                      <p:to>
+                                        <p:strVal val="visible"/>
+                                      </p:to>
+                                    </p:set>
+                                    <p:animEffect transition="in" filter="checkerboard(across)">
+                                      <p:cBhvr>
+                                        <p:cTn id="30" dur="500"/>
+                                        <p:tgtEl>
+                                          <p:spTgt spid="3074"/>
+                                        </p:tgtEl>
+                                      </p:cBhvr>
+                                    </p:animEffect>
+                                  </p:childTnLst>
+                                </p:cTn>
+                              </p:par>
+                            </p:childTnLst>
+                          </p:cTn>
+                        </p:par>
+                      </p:childTnLst>
+                    </p:cTn>
+                  </p:par>
+                  <p:par>
+                    <p:cTn id="31" fill="hold">
+                      <p:stCondLst>
+                        <p:cond delay="indefinite"/>
+                      </p:stCondLst>
+                      <p:childTnLst>
+                        <p:par>
+                          <p:cTn id="32" fill="hold">
+                            <p:stCondLst>
+                              <p:cond delay="0"/>
+                            </p:stCondLst>
+                            <p:childTnLst>
+                              <p:par>
+                                <p:cTn id="33" presetID="42" presetClass="entr" presetSubtype="0" fill="hold" grpId="0" nodeType="clickEffect">
+                                  <p:stCondLst>
+                                    <p:cond delay="0"/>
+                                  </p:stCondLst>
+                                  <p:childTnLst>
+                                    <p:set>
+                                      <p:cBhvr>
+                                        <p:cTn id="34" dur="1" fill="hold">
+                                          <p:stCondLst>
+                                            <p:cond delay="0"/>
+                                          </p:stCondLst>
+                                        </p:cTn>
+                                        <p:tgtEl>
+                                          <p:spTgt spid="8"/>
+                                        </p:tgtEl>
+                                        <p:attrNameLst>
+                                          <p:attrName>style.visibility</p:attrName>
+                                        </p:attrNameLst>
+                                      </p:cBhvr>
+                                      <p:to>
+                                        <p:strVal val="visible"/>
+                                      </p:to>
+                                    </p:set>
+                                    <p:animEffect transition="in" filter="fade">
+                                      <p:cBhvr>
+                                        <p:cTn id="35" dur="1000"/>
+                                        <p:tgtEl>
+                                          <p:spTgt spid="8"/>
+                                        </p:tgtEl>
+                                      </p:cBhvr>
+                                    </p:animEffect>
+                                    <p:anim calcmode="lin" valueType="num">
+                                      <p:cBhvr>
+                                        <p:cTn id="36" dur="1000" fill="hold"/>
+                                        <p:tgtEl>
+                                          <p:spTgt spid="8"/>
+                                        </p:tgtEl>
+                                        <p:attrNameLst>
+                                          <p:attrName>ppt_x</p:attrName>
+                                        </p:attrNameLst>
+                                      </p:cBhvr>
+                                      <p:tavLst>
+                                        <p:tav tm="0">
+                                          <p:val>
+                                            <p:strVal val="#ppt_x"/>
+                                          </p:val>
+                                        </p:tav>
+                                        <p:tav tm="100000">
+                                          <p:val>
+                                            <p:strVal val="#ppt_x"/>
+                                          </p:val>
+                                        </p:tav>
+                                      </p:tavLst>
+                                    </p:anim>
+                                    <p:anim calcmode="lin" valueType="num">
+                                      <p:cBhvr>
+                                        <p:cTn id="37" dur="1000" fill="hold"/>
+                                        <p:tgtEl>
+                                          <p:spTgt spid="8"/>
+                                        </p:tgtEl>
+                                        <p:attrNameLst>
+                                          <p:attrName>ppt_y</p:attrName>
+                                        </p:attrNameLst>
+                                      </p:cBhvr>
+                                      <p:tavLst>
+                                        <p:tav tm="0">
+                                          <p:val>
+                                            <p:strVal val="#ppt_y+.1"/>
+                                          </p:val>
+                                        </p:tav>
+                                        <p:tav tm="100000">
+                                          <p:val>
+                                            <p:strVal val="#ppt_y"/>
+                                          </p:val>
+                                        </p:tav>
+                                      </p:tavLst>
+                                    </p:anim>
+                                  </p:childTnLst>
+                                </p:cTn>
+                              </p:par>
+                            </p:childTnLst>
+                          </p:cTn>
+                        </p:par>
+                      </p:childTnLst>
+                    </p:cTn>
+                  </p:par>
+                  <p:par>
+                    <p:cTn id="38" fill="hold">
+                      <p:stCondLst>
+                        <p:cond delay="indefinite"/>
+                      </p:stCondLst>
+                      <p:childTnLst>
+                        <p:par>
+                          <p:cTn id="39" fill="hold">
+                            <p:stCondLst>
+                              <p:cond delay="0"/>
+                            </p:stCondLst>
+                            <p:childTnLst>
+                              <p:par>
+                                <p:cTn id="40" presetID="3" presetClass="entr" presetSubtype="10" fill="hold" nodeType="clickEffect">
+                                  <p:stCondLst>
+                                    <p:cond delay="0"/>
+                                  </p:stCondLst>
+                                  <p:childTnLst>
+                                    <p:set>
+                                      <p:cBhvr>
+                                        <p:cTn id="41" dur="1" fill="hold">
+                                          <p:stCondLst>
+                                            <p:cond delay="0"/>
+                                          </p:stCondLst>
+                                        </p:cTn>
+                                        <p:tgtEl>
+                                          <p:spTgt spid="3075"/>
+                                        </p:tgtEl>
+                                        <p:attrNameLst>
+                                          <p:attrName>style.visibility</p:attrName>
+                                        </p:attrNameLst>
+                                      </p:cBhvr>
+                                      <p:to>
+                                        <p:strVal val="visible"/>
+                                      </p:to>
+                                    </p:set>
+                                    <p:animEffect transition="in" filter="blinds(horizontal)">
+                                      <p:cBhvr>
+                                        <p:cTn id="42" dur="500"/>
+                                        <p:tgtEl>
+                                          <p:spTgt spid="3075"/>
+                                        </p:tgtEl>
+                                      </p:cBhvr>
+                                    </p:animEffect>
+                                  </p:childTnLst>
+                                </p:cTn>
+                              </p:par>
+                            </p:childTnLst>
+                          </p:cTn>
+                        </p:par>
+                      </p:childTnLst>
+                    </p:cTn>
+                  </p:par>
+                  <p:par>
+                    <p:cTn id="43" fill="hold">
+                      <p:stCondLst>
+                        <p:cond delay="indefinite"/>
+                      </p:stCondLst>
+                      <p:childTnLst>
+                        <p:par>
+                          <p:cTn id="44" fill="hold">
+                            <p:stCondLst>
+                              <p:cond delay="0"/>
+                            </p:stCondLst>
+                            <p:childTnLst>
+                              <p:par>
+                                <p:cTn id="45" presetID="42" presetClass="entr" presetSubtype="0" fill="hold" grpId="0" nodeType="clickEffect">
+                                  <p:stCondLst>
+                                    <p:cond delay="0"/>
+                                  </p:stCondLst>
+                                  <p:childTnLst>
+                                    <p:set>
+                                      <p:cBhvr>
+                                        <p:cTn id="46" dur="1" fill="hold">
+                                          <p:stCondLst>
+                                            <p:cond delay="0"/>
+                                          </p:stCondLst>
+                                        </p:cTn>
+                                        <p:tgtEl>
+                                          <p:spTgt spid="10"/>
+                                        </p:tgtEl>
+                                        <p:attrNameLst>
+                                          <p:attrName>style.visibility</p:attrName>
+                                        </p:attrNameLst>
+                                      </p:cBhvr>
+                                      <p:to>
+                                        <p:strVal val="visible"/>
+                                      </p:to>
+                                    </p:set>
+                                    <p:animEffect transition="in" filter="fade">
+                                      <p:cBhvr>
+                                        <p:cTn id="47" dur="1000"/>
+                                        <p:tgtEl>
+                                          <p:spTgt spid="10"/>
+                                        </p:tgtEl>
+                                      </p:cBhvr>
+                                    </p:animEffect>
+                                    <p:anim calcmode="lin" valueType="num">
+                                      <p:cBhvr>
+                                        <p:cTn id="48" dur="1000" fill="hold"/>
+                                        <p:tgtEl>
+                                          <p:spTgt spid="10"/>
+                                        </p:tgtEl>
+                                        <p:attrNameLst>
+                                          <p:attrName>ppt_x</p:attrName>
+                                        </p:attrNameLst>
+                                      </p:cBhvr>
+                                      <p:tavLst>
+                                        <p:tav tm="0">
+                                          <p:val>
+                                            <p:strVal val="#ppt_x"/>
+                                          </p:val>
+                                        </p:tav>
+                                        <p:tav tm="100000">
+                                          <p:val>
+                                            <p:strVal val="#ppt_x"/>
+                                          </p:val>
+                                        </p:tav>
+                                      </p:tavLst>
+                                    </p:anim>
+                                    <p:anim calcmode="lin" valueType="num">
+                                      <p:cBhvr>
+                                        <p:cTn id="49" dur="1000" fill="hold"/>
+                                        <p:tgtEl>
+                                          <p:spTgt spid="10"/>
+                                        </p:tgtEl>
+                                        <p:attrNameLst>
+                                          <p:attrName>ppt_y</p:attrName>
+                                        </p:attrNameLst>
+                                      </p:cBhvr>
+                                      <p:tavLst>
+                                        <p:tav tm="0">
+                                          <p:val>
+                                            <p:strVal val="#ppt_y+.1"/>
+                                          </p:val>
+                                        </p:tav>
+                                        <p:tav tm="100000">
+                                          <p:val>
+                                            <p:strVal val="#ppt_y"/>
+                                          </p:val>
+                                        </p:tav>
+                                      </p:tavLst>
+                                    </p:anim>
+                                  </p:childTnLst>
+                                </p:cTn>
+                              </p:par>
+                            </p:childTnLst>
+                          </p:cTn>
+                        </p:par>
+                      </p:childTnLst>
+                    </p:cTn>
+                  </p:par>
+                </p:childTnLst>
+              </p:cTn>
+              <p:prevCondLst>
+                <p:cond evt="onPrev" delay="0">
+                  <p:tgtEl>
+                    <p:sldTgt/>
+                  </p:tgtEl>
+                </p:cond>
+              </p:prevCondLst>
+              <p:nextCondLst>
+                <p:cond evt="onNext" delay="0">
+                  <p:tgtEl>
+                    <p:sldTgt/>
+                  </p:tgtEl>
+                </p:cond>
+              </p:nextCondLst>
+            </p:seq>
+          </p:childTnLst>
+        </p:cTn>
       </p:par>
     </p:tnLst>
+    <p:bldLst>
+      <p:bldP spid="7" grpId="0" animBg="1"/>
+      <p:bldP spid="11" grpId="0" animBg="1"/>
+      <p:bldP spid="8" grpId="0" animBg="1"/>
+      <p:bldP spid="10" grpId="0" animBg="1"/>
+      <p:bldP spid="12" grpId="0" uiExpand="1" build="allAtOnce" animBg="1"/>
+    </p:bldLst>
   </p:timing>
 </p:sld>
 </file>
@@ -10863,9 +12195,497 @@
   <p:timing>
     <p:tnLst>
       <p:par>
-        <p:cTn id="1" dur="indefinite" restart="never" nodeType="tmRoot"/>
+        <p:cTn id="1" dur="indefinite" restart="never" nodeType="tmRoot">
+          <p:childTnLst>
+            <p:seq concurrent="1" nextAc="seek">
+              <p:cTn id="2" dur="indefinite" nodeType="mainSeq">
+                <p:childTnLst>
+                  <p:par>
+                    <p:cTn id="3" fill="hold">
+                      <p:stCondLst>
+                        <p:cond delay="indefinite"/>
+                      </p:stCondLst>
+                      <p:childTnLst>
+                        <p:par>
+                          <p:cTn id="4" fill="hold">
+                            <p:stCondLst>
+                              <p:cond delay="0"/>
+                            </p:stCondLst>
+                            <p:childTnLst>
+                              <p:par>
+                                <p:cTn id="5" presetID="12" presetClass="entr" presetSubtype="4" fill="hold" grpId="0" nodeType="clickEffect">
+                                  <p:stCondLst>
+                                    <p:cond delay="0"/>
+                                  </p:stCondLst>
+                                  <p:childTnLst>
+                                    <p:set>
+                                      <p:cBhvr>
+                                        <p:cTn id="6" dur="1" fill="hold">
+                                          <p:stCondLst>
+                                            <p:cond delay="0"/>
+                                          </p:stCondLst>
+                                        </p:cTn>
+                                        <p:tgtEl>
+                                          <p:spTgt spid="3">
+                                            <p:bg/>
+                                          </p:spTgt>
+                                        </p:tgtEl>
+                                        <p:attrNameLst>
+                                          <p:attrName>style.visibility</p:attrName>
+                                        </p:attrNameLst>
+                                      </p:cBhvr>
+                                      <p:to>
+                                        <p:strVal val="visible"/>
+                                      </p:to>
+                                    </p:set>
+                                    <p:animEffect transition="in" filter="slide(fromBottom)">
+                                      <p:cBhvr>
+                                        <p:cTn id="7" dur="500"/>
+                                        <p:tgtEl>
+                                          <p:spTgt spid="3">
+                                            <p:bg/>
+                                          </p:spTgt>
+                                        </p:tgtEl>
+                                      </p:cBhvr>
+                                    </p:animEffect>
+                                  </p:childTnLst>
+                                </p:cTn>
+                              </p:par>
+                            </p:childTnLst>
+                          </p:cTn>
+                        </p:par>
+                        <p:par>
+                          <p:cTn id="8" fill="hold">
+                            <p:stCondLst>
+                              <p:cond delay="500"/>
+                            </p:stCondLst>
+                            <p:childTnLst>
+                              <p:par>
+                                <p:cTn id="9" presetID="12" presetClass="entr" presetSubtype="4" fill="hold" grpId="0" nodeType="afterEffect">
+                                  <p:stCondLst>
+                                    <p:cond delay="0"/>
+                                  </p:stCondLst>
+                                  <p:childTnLst>
+                                    <p:set>
+                                      <p:cBhvr>
+                                        <p:cTn id="10" dur="1" fill="hold">
+                                          <p:stCondLst>
+                                            <p:cond delay="0"/>
+                                          </p:stCondLst>
+                                        </p:cTn>
+                                        <p:tgtEl>
+                                          <p:spTgt spid="3">
+                                            <p:txEl>
+                                              <p:pRg st="0" end="0"/>
+                                            </p:txEl>
+                                          </p:spTgt>
+                                        </p:tgtEl>
+                                        <p:attrNameLst>
+                                          <p:attrName>style.visibility</p:attrName>
+                                        </p:attrNameLst>
+                                      </p:cBhvr>
+                                      <p:to>
+                                        <p:strVal val="visible"/>
+                                      </p:to>
+                                    </p:set>
+                                    <p:animEffect transition="in" filter="slide(fromBottom)">
+                                      <p:cBhvr>
+                                        <p:cTn id="11" dur="500"/>
+                                        <p:tgtEl>
+                                          <p:spTgt spid="3">
+                                            <p:txEl>
+                                              <p:pRg st="0" end="0"/>
+                                            </p:txEl>
+                                          </p:spTgt>
+                                        </p:tgtEl>
+                                      </p:cBhvr>
+                                    </p:animEffect>
+                                  </p:childTnLst>
+                                </p:cTn>
+                              </p:par>
+                            </p:childTnLst>
+                          </p:cTn>
+                        </p:par>
+                      </p:childTnLst>
+                    </p:cTn>
+                  </p:par>
+                  <p:par>
+                    <p:cTn id="12" fill="hold">
+                      <p:stCondLst>
+                        <p:cond delay="indefinite"/>
+                      </p:stCondLst>
+                      <p:childTnLst>
+                        <p:par>
+                          <p:cTn id="13" fill="hold">
+                            <p:stCondLst>
+                              <p:cond delay="0"/>
+                            </p:stCondLst>
+                            <p:childTnLst>
+                              <p:par>
+                                <p:cTn id="14" presetID="42" presetClass="entr" presetSubtype="0" fill="hold" grpId="0" nodeType="clickEffect">
+                                  <p:stCondLst>
+                                    <p:cond delay="0"/>
+                                  </p:stCondLst>
+                                  <p:childTnLst>
+                                    <p:set>
+                                      <p:cBhvr>
+                                        <p:cTn id="15" dur="1" fill="hold">
+                                          <p:stCondLst>
+                                            <p:cond delay="0"/>
+                                          </p:stCondLst>
+                                        </p:cTn>
+                                        <p:tgtEl>
+                                          <p:spTgt spid="11"/>
+                                        </p:tgtEl>
+                                        <p:attrNameLst>
+                                          <p:attrName>style.visibility</p:attrName>
+                                        </p:attrNameLst>
+                                      </p:cBhvr>
+                                      <p:to>
+                                        <p:strVal val="visible"/>
+                                      </p:to>
+                                    </p:set>
+                                    <p:animEffect transition="in" filter="fade">
+                                      <p:cBhvr>
+                                        <p:cTn id="16" dur="1000"/>
+                                        <p:tgtEl>
+                                          <p:spTgt spid="11"/>
+                                        </p:tgtEl>
+                                      </p:cBhvr>
+                                    </p:animEffect>
+                                    <p:anim calcmode="lin" valueType="num">
+                                      <p:cBhvr>
+                                        <p:cTn id="17" dur="1000" fill="hold"/>
+                                        <p:tgtEl>
+                                          <p:spTgt spid="11"/>
+                                        </p:tgtEl>
+                                        <p:attrNameLst>
+                                          <p:attrName>ppt_x</p:attrName>
+                                        </p:attrNameLst>
+                                      </p:cBhvr>
+                                      <p:tavLst>
+                                        <p:tav tm="0">
+                                          <p:val>
+                                            <p:strVal val="#ppt_x"/>
+                                          </p:val>
+                                        </p:tav>
+                                        <p:tav tm="100000">
+                                          <p:val>
+                                            <p:strVal val="#ppt_x"/>
+                                          </p:val>
+                                        </p:tav>
+                                      </p:tavLst>
+                                    </p:anim>
+                                    <p:anim calcmode="lin" valueType="num">
+                                      <p:cBhvr>
+                                        <p:cTn id="18" dur="1000" fill="hold"/>
+                                        <p:tgtEl>
+                                          <p:spTgt spid="11"/>
+                                        </p:tgtEl>
+                                        <p:attrNameLst>
+                                          <p:attrName>ppt_y</p:attrName>
+                                        </p:attrNameLst>
+                                      </p:cBhvr>
+                                      <p:tavLst>
+                                        <p:tav tm="0">
+                                          <p:val>
+                                            <p:strVal val="#ppt_y+.1"/>
+                                          </p:val>
+                                        </p:tav>
+                                        <p:tav tm="100000">
+                                          <p:val>
+                                            <p:strVal val="#ppt_y"/>
+                                          </p:val>
+                                        </p:tav>
+                                      </p:tavLst>
+                                    </p:anim>
+                                  </p:childTnLst>
+                                </p:cTn>
+                              </p:par>
+                            </p:childTnLst>
+                          </p:cTn>
+                        </p:par>
+                      </p:childTnLst>
+                    </p:cTn>
+                  </p:par>
+                  <p:par>
+                    <p:cTn id="19" fill="hold">
+                      <p:stCondLst>
+                        <p:cond delay="indefinite"/>
+                      </p:stCondLst>
+                      <p:childTnLst>
+                        <p:par>
+                          <p:cTn id="20" fill="hold">
+                            <p:stCondLst>
+                              <p:cond delay="0"/>
+                            </p:stCondLst>
+                            <p:childTnLst>
+                              <p:par>
+                                <p:cTn id="21" presetID="9" presetClass="entr" presetSubtype="0" fill="hold" nodeType="clickEffect">
+                                  <p:stCondLst>
+                                    <p:cond delay="0"/>
+                                  </p:stCondLst>
+                                  <p:childTnLst>
+                                    <p:set>
+                                      <p:cBhvr>
+                                        <p:cTn id="22" dur="1" fill="hold">
+                                          <p:stCondLst>
+                                            <p:cond delay="0"/>
+                                          </p:stCondLst>
+                                        </p:cTn>
+                                        <p:tgtEl>
+                                          <p:spTgt spid="4098"/>
+                                        </p:tgtEl>
+                                        <p:attrNameLst>
+                                          <p:attrName>style.visibility</p:attrName>
+                                        </p:attrNameLst>
+                                      </p:cBhvr>
+                                      <p:to>
+                                        <p:strVal val="visible"/>
+                                      </p:to>
+                                    </p:set>
+                                    <p:animEffect transition="in" filter="dissolve">
+                                      <p:cBhvr>
+                                        <p:cTn id="23" dur="500"/>
+                                        <p:tgtEl>
+                                          <p:spTgt spid="4098"/>
+                                        </p:tgtEl>
+                                      </p:cBhvr>
+                                    </p:animEffect>
+                                  </p:childTnLst>
+                                </p:cTn>
+                              </p:par>
+                            </p:childTnLst>
+                          </p:cTn>
+                        </p:par>
+                      </p:childTnLst>
+                    </p:cTn>
+                  </p:par>
+                  <p:par>
+                    <p:cTn id="24" fill="hold">
+                      <p:stCondLst>
+                        <p:cond delay="indefinite"/>
+                      </p:stCondLst>
+                      <p:childTnLst>
+                        <p:par>
+                          <p:cTn id="25" fill="hold">
+                            <p:stCondLst>
+                              <p:cond delay="0"/>
+                            </p:stCondLst>
+                            <p:childTnLst>
+                              <p:par>
+                                <p:cTn id="26" presetID="42" presetClass="entr" presetSubtype="0" fill="hold" grpId="0" nodeType="clickEffect">
+                                  <p:stCondLst>
+                                    <p:cond delay="0"/>
+                                  </p:stCondLst>
+                                  <p:childTnLst>
+                                    <p:set>
+                                      <p:cBhvr>
+                                        <p:cTn id="27" dur="1" fill="hold">
+                                          <p:stCondLst>
+                                            <p:cond delay="0"/>
+                                          </p:stCondLst>
+                                        </p:cTn>
+                                        <p:tgtEl>
+                                          <p:spTgt spid="8"/>
+                                        </p:tgtEl>
+                                        <p:attrNameLst>
+                                          <p:attrName>style.visibility</p:attrName>
+                                        </p:attrNameLst>
+                                      </p:cBhvr>
+                                      <p:to>
+                                        <p:strVal val="visible"/>
+                                      </p:to>
+                                    </p:set>
+                                    <p:animEffect transition="in" filter="fade">
+                                      <p:cBhvr>
+                                        <p:cTn id="28" dur="1000"/>
+                                        <p:tgtEl>
+                                          <p:spTgt spid="8"/>
+                                        </p:tgtEl>
+                                      </p:cBhvr>
+                                    </p:animEffect>
+                                    <p:anim calcmode="lin" valueType="num">
+                                      <p:cBhvr>
+                                        <p:cTn id="29" dur="1000" fill="hold"/>
+                                        <p:tgtEl>
+                                          <p:spTgt spid="8"/>
+                                        </p:tgtEl>
+                                        <p:attrNameLst>
+                                          <p:attrName>ppt_x</p:attrName>
+                                        </p:attrNameLst>
+                                      </p:cBhvr>
+                                      <p:tavLst>
+                                        <p:tav tm="0">
+                                          <p:val>
+                                            <p:strVal val="#ppt_x"/>
+                                          </p:val>
+                                        </p:tav>
+                                        <p:tav tm="100000">
+                                          <p:val>
+                                            <p:strVal val="#ppt_x"/>
+                                          </p:val>
+                                        </p:tav>
+                                      </p:tavLst>
+                                    </p:anim>
+                                    <p:anim calcmode="lin" valueType="num">
+                                      <p:cBhvr>
+                                        <p:cTn id="30" dur="1000" fill="hold"/>
+                                        <p:tgtEl>
+                                          <p:spTgt spid="8"/>
+                                        </p:tgtEl>
+                                        <p:attrNameLst>
+                                          <p:attrName>ppt_y</p:attrName>
+                                        </p:attrNameLst>
+                                      </p:cBhvr>
+                                      <p:tavLst>
+                                        <p:tav tm="0">
+                                          <p:val>
+                                            <p:strVal val="#ppt_y+.1"/>
+                                          </p:val>
+                                        </p:tav>
+                                        <p:tav tm="100000">
+                                          <p:val>
+                                            <p:strVal val="#ppt_y"/>
+                                          </p:val>
+                                        </p:tav>
+                                      </p:tavLst>
+                                    </p:anim>
+                                  </p:childTnLst>
+                                </p:cTn>
+                              </p:par>
+                            </p:childTnLst>
+                          </p:cTn>
+                        </p:par>
+                      </p:childTnLst>
+                    </p:cTn>
+                  </p:par>
+                  <p:par>
+                    <p:cTn id="31" fill="hold">
+                      <p:stCondLst>
+                        <p:cond delay="indefinite"/>
+                      </p:stCondLst>
+                      <p:childTnLst>
+                        <p:par>
+                          <p:cTn id="32" fill="hold">
+                            <p:stCondLst>
+                              <p:cond delay="0"/>
+                            </p:stCondLst>
+                            <p:childTnLst>
+                              <p:par>
+                                <p:cTn id="33" presetID="42" presetClass="entr" presetSubtype="0" fill="hold" grpId="0" nodeType="clickEffect">
+                                  <p:stCondLst>
+                                    <p:cond delay="0"/>
+                                  </p:stCondLst>
+                                  <p:childTnLst>
+                                    <p:set>
+                                      <p:cBhvr>
+                                        <p:cTn id="34" dur="1" fill="hold">
+                                          <p:stCondLst>
+                                            <p:cond delay="0"/>
+                                          </p:stCondLst>
+                                        </p:cTn>
+                                        <p:tgtEl>
+                                          <p:spTgt spid="10"/>
+                                        </p:tgtEl>
+                                        <p:attrNameLst>
+                                          <p:attrName>style.visibility</p:attrName>
+                                        </p:attrNameLst>
+                                      </p:cBhvr>
+                                      <p:to>
+                                        <p:strVal val="visible"/>
+                                      </p:to>
+                                    </p:set>
+                                    <p:animEffect transition="in" filter="fade">
+                                      <p:cBhvr>
+                                        <p:cTn id="35" dur="1000"/>
+                                        <p:tgtEl>
+                                          <p:spTgt spid="10"/>
+                                        </p:tgtEl>
+                                      </p:cBhvr>
+                                    </p:animEffect>
+                                    <p:anim calcmode="lin" valueType="num">
+                                      <p:cBhvr>
+                                        <p:cTn id="36" dur="1000" fill="hold"/>
+                                        <p:tgtEl>
+                                          <p:spTgt spid="10"/>
+                                        </p:tgtEl>
+                                        <p:attrNameLst>
+                                          <p:attrName>ppt_x</p:attrName>
+                                        </p:attrNameLst>
+                                      </p:cBhvr>
+                                      <p:tavLst>
+                                        <p:tav tm="0">
+                                          <p:val>
+                                            <p:strVal val="#ppt_x"/>
+                                          </p:val>
+                                        </p:tav>
+                                        <p:tav tm="100000">
+                                          <p:val>
+                                            <p:strVal val="#ppt_x"/>
+                                          </p:val>
+                                        </p:tav>
+                                      </p:tavLst>
+                                    </p:anim>
+                                    <p:anim calcmode="lin" valueType="num">
+                                      <p:cBhvr>
+                                        <p:cTn id="37" dur="1000" fill="hold"/>
+                                        <p:tgtEl>
+                                          <p:spTgt spid="10"/>
+                                        </p:tgtEl>
+                                        <p:attrNameLst>
+                                          <p:attrName>ppt_y</p:attrName>
+                                        </p:attrNameLst>
+                                      </p:cBhvr>
+                                      <p:tavLst>
+                                        <p:tav tm="0">
+                                          <p:val>
+                                            <p:strVal val="#ppt_y+.1"/>
+                                          </p:val>
+                                        </p:tav>
+                                        <p:tav tm="100000">
+                                          <p:val>
+                                            <p:strVal val="#ppt_y"/>
+                                          </p:val>
+                                        </p:tav>
+                                      </p:tavLst>
+                                    </p:anim>
+                                  </p:childTnLst>
+                                </p:cTn>
+                              </p:par>
+                            </p:childTnLst>
+                          </p:cTn>
+                        </p:par>
+                      </p:childTnLst>
+                    </p:cTn>
+                  </p:par>
+                </p:childTnLst>
+              </p:cTn>
+              <p:prevCondLst>
+                <p:cond evt="onPrev" delay="0">
+                  <p:tgtEl>
+                    <p:sldTgt/>
+                  </p:tgtEl>
+                </p:cond>
+              </p:prevCondLst>
+              <p:nextCondLst>
+                <p:cond evt="onNext" delay="0">
+                  <p:tgtEl>
+                    <p:sldTgt/>
+                  </p:tgtEl>
+                </p:cond>
+              </p:nextCondLst>
+            </p:seq>
+          </p:childTnLst>
+        </p:cTn>
       </p:par>
     </p:tnLst>
+    <p:bldLst>
+      <p:bldP spid="3" grpId="0" uiExpand="1" build="p" animBg="1"/>
+      <p:bldP spid="11" grpId="0" animBg="1"/>
+      <p:bldP spid="8" grpId="0" animBg="1"/>
+      <p:bldP spid="10" grpId="0" animBg="1"/>
+    </p:bldLst>
   </p:timing>
 </p:sld>
 </file>
@@ -11064,7 +12884,7 @@
         </p:nvSpPr>
         <p:spPr>
           <a:xfrm>
-            <a:off x="3124200" y="381000"/>
+            <a:off x="2819400" y="381000"/>
             <a:ext cx="3276600" cy="457199"/>
           </a:xfrm>
           <a:solidFill>
@@ -11349,9 +13169,397 @@
   <p:timing>
     <p:tnLst>
       <p:par>
-        <p:cTn id="1" dur="indefinite" restart="never" nodeType="tmRoot"/>
+        <p:cTn id="1" dur="indefinite" restart="never" nodeType="tmRoot">
+          <p:childTnLst>
+            <p:seq concurrent="1" nextAc="seek">
+              <p:cTn id="2" dur="indefinite" nodeType="mainSeq">
+                <p:childTnLst>
+                  <p:par>
+                    <p:cTn id="3" fill="hold">
+                      <p:stCondLst>
+                        <p:cond delay="indefinite"/>
+                      </p:stCondLst>
+                      <p:childTnLst>
+                        <p:par>
+                          <p:cTn id="4" fill="hold">
+                            <p:stCondLst>
+                              <p:cond delay="0"/>
+                            </p:stCondLst>
+                            <p:childTnLst>
+                              <p:par>
+                                <p:cTn id="5" presetID="12" presetClass="entr" presetSubtype="4" fill="hold" grpId="0" nodeType="clickEffect">
+                                  <p:stCondLst>
+                                    <p:cond delay="0"/>
+                                  </p:stCondLst>
+                                  <p:childTnLst>
+                                    <p:set>
+                                      <p:cBhvr>
+                                        <p:cTn id="6" dur="1" fill="hold">
+                                          <p:stCondLst>
+                                            <p:cond delay="0"/>
+                                          </p:stCondLst>
+                                        </p:cTn>
+                                        <p:tgtEl>
+                                          <p:spTgt spid="3">
+                                            <p:bg/>
+                                          </p:spTgt>
+                                        </p:tgtEl>
+                                        <p:attrNameLst>
+                                          <p:attrName>style.visibility</p:attrName>
+                                        </p:attrNameLst>
+                                      </p:cBhvr>
+                                      <p:to>
+                                        <p:strVal val="visible"/>
+                                      </p:to>
+                                    </p:set>
+                                    <p:animEffect transition="in" filter="slide(fromBottom)">
+                                      <p:cBhvr>
+                                        <p:cTn id="7" dur="500"/>
+                                        <p:tgtEl>
+                                          <p:spTgt spid="3">
+                                            <p:bg/>
+                                          </p:spTgt>
+                                        </p:tgtEl>
+                                      </p:cBhvr>
+                                    </p:animEffect>
+                                  </p:childTnLst>
+                                </p:cTn>
+                              </p:par>
+                            </p:childTnLst>
+                          </p:cTn>
+                        </p:par>
+                        <p:par>
+                          <p:cTn id="8" fill="hold">
+                            <p:stCondLst>
+                              <p:cond delay="500"/>
+                            </p:stCondLst>
+                            <p:childTnLst>
+                              <p:par>
+                                <p:cTn id="9" presetID="12" presetClass="entr" presetSubtype="4" fill="hold" grpId="0" nodeType="afterEffect">
+                                  <p:stCondLst>
+                                    <p:cond delay="0"/>
+                                  </p:stCondLst>
+                                  <p:childTnLst>
+                                    <p:set>
+                                      <p:cBhvr>
+                                        <p:cTn id="10" dur="1" fill="hold">
+                                          <p:stCondLst>
+                                            <p:cond delay="0"/>
+                                          </p:stCondLst>
+                                        </p:cTn>
+                                        <p:tgtEl>
+                                          <p:spTgt spid="3">
+                                            <p:txEl>
+                                              <p:pRg st="0" end="0"/>
+                                            </p:txEl>
+                                          </p:spTgt>
+                                        </p:tgtEl>
+                                        <p:attrNameLst>
+                                          <p:attrName>style.visibility</p:attrName>
+                                        </p:attrNameLst>
+                                      </p:cBhvr>
+                                      <p:to>
+                                        <p:strVal val="visible"/>
+                                      </p:to>
+                                    </p:set>
+                                    <p:animEffect transition="in" filter="slide(fromBottom)">
+                                      <p:cBhvr>
+                                        <p:cTn id="11" dur="500"/>
+                                        <p:tgtEl>
+                                          <p:spTgt spid="3">
+                                            <p:txEl>
+                                              <p:pRg st="0" end="0"/>
+                                            </p:txEl>
+                                          </p:spTgt>
+                                        </p:tgtEl>
+                                      </p:cBhvr>
+                                    </p:animEffect>
+                                  </p:childTnLst>
+                                </p:cTn>
+                              </p:par>
+                            </p:childTnLst>
+                          </p:cTn>
+                        </p:par>
+                      </p:childTnLst>
+                    </p:cTn>
+                  </p:par>
+                  <p:par>
+                    <p:cTn id="12" fill="hold">
+                      <p:stCondLst>
+                        <p:cond delay="indefinite"/>
+                      </p:stCondLst>
+                      <p:childTnLst>
+                        <p:par>
+                          <p:cTn id="13" fill="hold">
+                            <p:stCondLst>
+                              <p:cond delay="0"/>
+                            </p:stCondLst>
+                            <p:childTnLst>
+                              <p:par>
+                                <p:cTn id="14" presetID="42" presetClass="entr" presetSubtype="0" fill="hold" grpId="0" nodeType="clickEffect">
+                                  <p:stCondLst>
+                                    <p:cond delay="0"/>
+                                  </p:stCondLst>
+                                  <p:childTnLst>
+                                    <p:set>
+                                      <p:cBhvr>
+                                        <p:cTn id="15" dur="1" fill="hold">
+                                          <p:stCondLst>
+                                            <p:cond delay="0"/>
+                                          </p:stCondLst>
+                                        </p:cTn>
+                                        <p:tgtEl>
+                                          <p:spTgt spid="11"/>
+                                        </p:tgtEl>
+                                        <p:attrNameLst>
+                                          <p:attrName>style.visibility</p:attrName>
+                                        </p:attrNameLst>
+                                      </p:cBhvr>
+                                      <p:to>
+                                        <p:strVal val="visible"/>
+                                      </p:to>
+                                    </p:set>
+                                    <p:animEffect transition="in" filter="fade">
+                                      <p:cBhvr>
+                                        <p:cTn id="16" dur="1000"/>
+                                        <p:tgtEl>
+                                          <p:spTgt spid="11"/>
+                                        </p:tgtEl>
+                                      </p:cBhvr>
+                                    </p:animEffect>
+                                    <p:anim calcmode="lin" valueType="num">
+                                      <p:cBhvr>
+                                        <p:cTn id="17" dur="1000" fill="hold"/>
+                                        <p:tgtEl>
+                                          <p:spTgt spid="11"/>
+                                        </p:tgtEl>
+                                        <p:attrNameLst>
+                                          <p:attrName>ppt_x</p:attrName>
+                                        </p:attrNameLst>
+                                      </p:cBhvr>
+                                      <p:tavLst>
+                                        <p:tav tm="0">
+                                          <p:val>
+                                            <p:strVal val="#ppt_x"/>
+                                          </p:val>
+                                        </p:tav>
+                                        <p:tav tm="100000">
+                                          <p:val>
+                                            <p:strVal val="#ppt_x"/>
+                                          </p:val>
+                                        </p:tav>
+                                      </p:tavLst>
+                                    </p:anim>
+                                    <p:anim calcmode="lin" valueType="num">
+                                      <p:cBhvr>
+                                        <p:cTn id="18" dur="1000" fill="hold"/>
+                                        <p:tgtEl>
+                                          <p:spTgt spid="11"/>
+                                        </p:tgtEl>
+                                        <p:attrNameLst>
+                                          <p:attrName>ppt_y</p:attrName>
+                                        </p:attrNameLst>
+                                      </p:cBhvr>
+                                      <p:tavLst>
+                                        <p:tav tm="0">
+                                          <p:val>
+                                            <p:strVal val="#ppt_y+.1"/>
+                                          </p:val>
+                                        </p:tav>
+                                        <p:tav tm="100000">
+                                          <p:val>
+                                            <p:strVal val="#ppt_y"/>
+                                          </p:val>
+                                        </p:tav>
+                                      </p:tavLst>
+                                    </p:anim>
+                                  </p:childTnLst>
+                                </p:cTn>
+                              </p:par>
+                            </p:childTnLst>
+                          </p:cTn>
+                        </p:par>
+                      </p:childTnLst>
+                    </p:cTn>
+                  </p:par>
+                  <p:par>
+                    <p:cTn id="19" fill="hold">
+                      <p:stCondLst>
+                        <p:cond delay="indefinite"/>
+                      </p:stCondLst>
+                      <p:childTnLst>
+                        <p:par>
+                          <p:cTn id="20" fill="hold">
+                            <p:stCondLst>
+                              <p:cond delay="0"/>
+                            </p:stCondLst>
+                            <p:childTnLst>
+                              <p:par>
+                                <p:cTn id="21" presetID="22" presetClass="entr" presetSubtype="4" fill="hold" nodeType="clickEffect">
+                                  <p:stCondLst>
+                                    <p:cond delay="0"/>
+                                  </p:stCondLst>
+                                  <p:childTnLst>
+                                    <p:set>
+                                      <p:cBhvr>
+                                        <p:cTn id="22" dur="1" fill="hold">
+                                          <p:stCondLst>
+                                            <p:cond delay="0"/>
+                                          </p:stCondLst>
+                                        </p:cTn>
+                                        <p:tgtEl>
+                                          <p:spTgt spid="5122"/>
+                                        </p:tgtEl>
+                                        <p:attrNameLst>
+                                          <p:attrName>style.visibility</p:attrName>
+                                        </p:attrNameLst>
+                                      </p:cBhvr>
+                                      <p:to>
+                                        <p:strVal val="visible"/>
+                                      </p:to>
+                                    </p:set>
+                                    <p:animEffect transition="in" filter="wipe(down)">
+                                      <p:cBhvr>
+                                        <p:cTn id="23" dur="500"/>
+                                        <p:tgtEl>
+                                          <p:spTgt spid="5122"/>
+                                        </p:tgtEl>
+                                      </p:cBhvr>
+                                    </p:animEffect>
+                                  </p:childTnLst>
+                                </p:cTn>
+                              </p:par>
+                            </p:childTnLst>
+                          </p:cTn>
+                        </p:par>
+                      </p:childTnLst>
+                    </p:cTn>
+                  </p:par>
+                  <p:par>
+                    <p:cTn id="24" fill="hold">
+                      <p:stCondLst>
+                        <p:cond delay="indefinite"/>
+                      </p:stCondLst>
+                      <p:childTnLst>
+                        <p:par>
+                          <p:cTn id="25" fill="hold">
+                            <p:stCondLst>
+                              <p:cond delay="0"/>
+                            </p:stCondLst>
+                            <p:childTnLst>
+                              <p:par>
+                                <p:cTn id="26" presetID="42" presetClass="entr" presetSubtype="0" fill="hold" grpId="0" nodeType="clickEffect">
+                                  <p:stCondLst>
+                                    <p:cond delay="0"/>
+                                  </p:stCondLst>
+                                  <p:childTnLst>
+                                    <p:set>
+                                      <p:cBhvr>
+                                        <p:cTn id="27" dur="1" fill="hold">
+                                          <p:stCondLst>
+                                            <p:cond delay="0"/>
+                                          </p:stCondLst>
+                                        </p:cTn>
+                                        <p:tgtEl>
+                                          <p:spTgt spid="8"/>
+                                        </p:tgtEl>
+                                        <p:attrNameLst>
+                                          <p:attrName>style.visibility</p:attrName>
+                                        </p:attrNameLst>
+                                      </p:cBhvr>
+                                      <p:to>
+                                        <p:strVal val="visible"/>
+                                      </p:to>
+                                    </p:set>
+                                    <p:animEffect transition="in" filter="fade">
+                                      <p:cBhvr>
+                                        <p:cTn id="28" dur="1000"/>
+                                        <p:tgtEl>
+                                          <p:spTgt spid="8"/>
+                                        </p:tgtEl>
+                                      </p:cBhvr>
+                                    </p:animEffect>
+                                    <p:anim calcmode="lin" valueType="num">
+                                      <p:cBhvr>
+                                        <p:cTn id="29" dur="1000" fill="hold"/>
+                                        <p:tgtEl>
+                                          <p:spTgt spid="8"/>
+                                        </p:tgtEl>
+                                        <p:attrNameLst>
+                                          <p:attrName>ppt_x</p:attrName>
+                                        </p:attrNameLst>
+                                      </p:cBhvr>
+                                      <p:tavLst>
+                                        <p:tav tm="0">
+                                          <p:val>
+                                            <p:strVal val="#ppt_x"/>
+                                          </p:val>
+                                        </p:tav>
+                                        <p:tav tm="100000">
+                                          <p:val>
+                                            <p:strVal val="#ppt_x"/>
+                                          </p:val>
+                                        </p:tav>
+                                      </p:tavLst>
+                                    </p:anim>
+                                    <p:anim calcmode="lin" valueType="num">
+                                      <p:cBhvr>
+                                        <p:cTn id="30" dur="1000" fill="hold"/>
+                                        <p:tgtEl>
+                                          <p:spTgt spid="8"/>
+                                        </p:tgtEl>
+                                        <p:attrNameLst>
+                                          <p:attrName>ppt_y</p:attrName>
+                                        </p:attrNameLst>
+                                      </p:cBhvr>
+                                      <p:tavLst>
+                                        <p:tav tm="0">
+                                          <p:val>
+                                            <p:strVal val="#ppt_y+.1"/>
+                                          </p:val>
+                                        </p:tav>
+                                        <p:tav tm="100000">
+                                          <p:val>
+                                            <p:strVal val="#ppt_y"/>
+                                          </p:val>
+                                        </p:tav>
+                                      </p:tavLst>
+                                    </p:anim>
+                                  </p:childTnLst>
+                                </p:cTn>
+                              </p:par>
+                            </p:childTnLst>
+                          </p:cTn>
+                        </p:par>
+                      </p:childTnLst>
+                    </p:cTn>
+                  </p:par>
+                </p:childTnLst>
+              </p:cTn>
+              <p:prevCondLst>
+                <p:cond evt="onPrev" delay="0">
+                  <p:tgtEl>
+                    <p:sldTgt/>
+                  </p:tgtEl>
+                </p:cond>
+              </p:prevCondLst>
+              <p:nextCondLst>
+                <p:cond evt="onNext" delay="0">
+                  <p:tgtEl>
+                    <p:sldTgt/>
+                  </p:tgtEl>
+                </p:cond>
+              </p:nextCondLst>
+            </p:seq>
+          </p:childTnLst>
+        </p:cTn>
       </p:par>
     </p:tnLst>
+    <p:bldLst>
+      <p:bldP spid="3" grpId="0" uiExpand="1" build="p" animBg="1"/>
+      <p:bldP spid="11" grpId="0" animBg="1"/>
+      <p:bldP spid="8" grpId="0" animBg="1"/>
+    </p:bldLst>
   </p:timing>
 </p:sld>
 </file>
@@ -11542,7 +13750,7 @@
         </p:nvSpPr>
         <p:spPr>
           <a:xfrm>
-            <a:off x="3124200" y="381000"/>
+            <a:off x="2743200" y="381000"/>
             <a:ext cx="3352800" cy="457199"/>
           </a:xfrm>
           <a:solidFill>
@@ -11977,9 +14185,397 @@
   <p:timing>
     <p:tnLst>
       <p:par>
-        <p:cTn id="1" dur="indefinite" restart="never" nodeType="tmRoot"/>
+        <p:cTn id="1" dur="indefinite" restart="never" nodeType="tmRoot">
+          <p:childTnLst>
+            <p:seq concurrent="1" nextAc="seek">
+              <p:cTn id="2" dur="indefinite" nodeType="mainSeq">
+                <p:childTnLst>
+                  <p:par>
+                    <p:cTn id="3" fill="hold">
+                      <p:stCondLst>
+                        <p:cond delay="indefinite"/>
+                      </p:stCondLst>
+                      <p:childTnLst>
+                        <p:par>
+                          <p:cTn id="4" fill="hold">
+                            <p:stCondLst>
+                              <p:cond delay="0"/>
+                            </p:stCondLst>
+                            <p:childTnLst>
+                              <p:par>
+                                <p:cTn id="5" presetID="12" presetClass="entr" presetSubtype="4" fill="hold" grpId="0" nodeType="clickEffect">
+                                  <p:stCondLst>
+                                    <p:cond delay="0"/>
+                                  </p:stCondLst>
+                                  <p:childTnLst>
+                                    <p:set>
+                                      <p:cBhvr>
+                                        <p:cTn id="6" dur="1" fill="hold">
+                                          <p:stCondLst>
+                                            <p:cond delay="0"/>
+                                          </p:stCondLst>
+                                        </p:cTn>
+                                        <p:tgtEl>
+                                          <p:spTgt spid="3">
+                                            <p:bg/>
+                                          </p:spTgt>
+                                        </p:tgtEl>
+                                        <p:attrNameLst>
+                                          <p:attrName>style.visibility</p:attrName>
+                                        </p:attrNameLst>
+                                      </p:cBhvr>
+                                      <p:to>
+                                        <p:strVal val="visible"/>
+                                      </p:to>
+                                    </p:set>
+                                    <p:animEffect transition="in" filter="slide(fromBottom)">
+                                      <p:cBhvr>
+                                        <p:cTn id="7" dur="500"/>
+                                        <p:tgtEl>
+                                          <p:spTgt spid="3">
+                                            <p:bg/>
+                                          </p:spTgt>
+                                        </p:tgtEl>
+                                      </p:cBhvr>
+                                    </p:animEffect>
+                                  </p:childTnLst>
+                                </p:cTn>
+                              </p:par>
+                            </p:childTnLst>
+                          </p:cTn>
+                        </p:par>
+                        <p:par>
+                          <p:cTn id="8" fill="hold">
+                            <p:stCondLst>
+                              <p:cond delay="500"/>
+                            </p:stCondLst>
+                            <p:childTnLst>
+                              <p:par>
+                                <p:cTn id="9" presetID="12" presetClass="entr" presetSubtype="4" fill="hold" grpId="0" nodeType="afterEffect">
+                                  <p:stCondLst>
+                                    <p:cond delay="0"/>
+                                  </p:stCondLst>
+                                  <p:childTnLst>
+                                    <p:set>
+                                      <p:cBhvr>
+                                        <p:cTn id="10" dur="1" fill="hold">
+                                          <p:stCondLst>
+                                            <p:cond delay="0"/>
+                                          </p:stCondLst>
+                                        </p:cTn>
+                                        <p:tgtEl>
+                                          <p:spTgt spid="3">
+                                            <p:txEl>
+                                              <p:pRg st="0" end="0"/>
+                                            </p:txEl>
+                                          </p:spTgt>
+                                        </p:tgtEl>
+                                        <p:attrNameLst>
+                                          <p:attrName>style.visibility</p:attrName>
+                                        </p:attrNameLst>
+                                      </p:cBhvr>
+                                      <p:to>
+                                        <p:strVal val="visible"/>
+                                      </p:to>
+                                    </p:set>
+                                    <p:animEffect transition="in" filter="slide(fromBottom)">
+                                      <p:cBhvr>
+                                        <p:cTn id="11" dur="500"/>
+                                        <p:tgtEl>
+                                          <p:spTgt spid="3">
+                                            <p:txEl>
+                                              <p:pRg st="0" end="0"/>
+                                            </p:txEl>
+                                          </p:spTgt>
+                                        </p:tgtEl>
+                                      </p:cBhvr>
+                                    </p:animEffect>
+                                  </p:childTnLst>
+                                </p:cTn>
+                              </p:par>
+                            </p:childTnLst>
+                          </p:cTn>
+                        </p:par>
+                      </p:childTnLst>
+                    </p:cTn>
+                  </p:par>
+                  <p:par>
+                    <p:cTn id="12" fill="hold">
+                      <p:stCondLst>
+                        <p:cond delay="indefinite"/>
+                      </p:stCondLst>
+                      <p:childTnLst>
+                        <p:par>
+                          <p:cTn id="13" fill="hold">
+                            <p:stCondLst>
+                              <p:cond delay="0"/>
+                            </p:stCondLst>
+                            <p:childTnLst>
+                              <p:par>
+                                <p:cTn id="14" presetID="42" presetClass="entr" presetSubtype="0" fill="hold" grpId="0" nodeType="clickEffect">
+                                  <p:stCondLst>
+                                    <p:cond delay="0"/>
+                                  </p:stCondLst>
+                                  <p:childTnLst>
+                                    <p:set>
+                                      <p:cBhvr>
+                                        <p:cTn id="15" dur="1" fill="hold">
+                                          <p:stCondLst>
+                                            <p:cond delay="0"/>
+                                          </p:stCondLst>
+                                        </p:cTn>
+                                        <p:tgtEl>
+                                          <p:spTgt spid="11"/>
+                                        </p:tgtEl>
+                                        <p:attrNameLst>
+                                          <p:attrName>style.visibility</p:attrName>
+                                        </p:attrNameLst>
+                                      </p:cBhvr>
+                                      <p:to>
+                                        <p:strVal val="visible"/>
+                                      </p:to>
+                                    </p:set>
+                                    <p:animEffect transition="in" filter="fade">
+                                      <p:cBhvr>
+                                        <p:cTn id="16" dur="1000"/>
+                                        <p:tgtEl>
+                                          <p:spTgt spid="11"/>
+                                        </p:tgtEl>
+                                      </p:cBhvr>
+                                    </p:animEffect>
+                                    <p:anim calcmode="lin" valueType="num">
+                                      <p:cBhvr>
+                                        <p:cTn id="17" dur="1000" fill="hold"/>
+                                        <p:tgtEl>
+                                          <p:spTgt spid="11"/>
+                                        </p:tgtEl>
+                                        <p:attrNameLst>
+                                          <p:attrName>ppt_x</p:attrName>
+                                        </p:attrNameLst>
+                                      </p:cBhvr>
+                                      <p:tavLst>
+                                        <p:tav tm="0">
+                                          <p:val>
+                                            <p:strVal val="#ppt_x"/>
+                                          </p:val>
+                                        </p:tav>
+                                        <p:tav tm="100000">
+                                          <p:val>
+                                            <p:strVal val="#ppt_x"/>
+                                          </p:val>
+                                        </p:tav>
+                                      </p:tavLst>
+                                    </p:anim>
+                                    <p:anim calcmode="lin" valueType="num">
+                                      <p:cBhvr>
+                                        <p:cTn id="18" dur="1000" fill="hold"/>
+                                        <p:tgtEl>
+                                          <p:spTgt spid="11"/>
+                                        </p:tgtEl>
+                                        <p:attrNameLst>
+                                          <p:attrName>ppt_y</p:attrName>
+                                        </p:attrNameLst>
+                                      </p:cBhvr>
+                                      <p:tavLst>
+                                        <p:tav tm="0">
+                                          <p:val>
+                                            <p:strVal val="#ppt_y+.1"/>
+                                          </p:val>
+                                        </p:tav>
+                                        <p:tav tm="100000">
+                                          <p:val>
+                                            <p:strVal val="#ppt_y"/>
+                                          </p:val>
+                                        </p:tav>
+                                      </p:tavLst>
+                                    </p:anim>
+                                  </p:childTnLst>
+                                </p:cTn>
+                              </p:par>
+                            </p:childTnLst>
+                          </p:cTn>
+                        </p:par>
+                      </p:childTnLst>
+                    </p:cTn>
+                  </p:par>
+                  <p:par>
+                    <p:cTn id="19" fill="hold">
+                      <p:stCondLst>
+                        <p:cond delay="indefinite"/>
+                      </p:stCondLst>
+                      <p:childTnLst>
+                        <p:par>
+                          <p:cTn id="20" fill="hold">
+                            <p:stCondLst>
+                              <p:cond delay="0"/>
+                            </p:stCondLst>
+                            <p:childTnLst>
+                              <p:par>
+                                <p:cTn id="21" presetID="42" presetClass="entr" presetSubtype="0" fill="hold" grpId="0" nodeType="clickEffect">
+                                  <p:stCondLst>
+                                    <p:cond delay="0"/>
+                                  </p:stCondLst>
+                                  <p:childTnLst>
+                                    <p:set>
+                                      <p:cBhvr>
+                                        <p:cTn id="22" dur="1" fill="hold">
+                                          <p:stCondLst>
+                                            <p:cond delay="0"/>
+                                          </p:stCondLst>
+                                        </p:cTn>
+                                        <p:tgtEl>
+                                          <p:spTgt spid="8"/>
+                                        </p:tgtEl>
+                                        <p:attrNameLst>
+                                          <p:attrName>style.visibility</p:attrName>
+                                        </p:attrNameLst>
+                                      </p:cBhvr>
+                                      <p:to>
+                                        <p:strVal val="visible"/>
+                                      </p:to>
+                                    </p:set>
+                                    <p:animEffect transition="in" filter="fade">
+                                      <p:cBhvr>
+                                        <p:cTn id="23" dur="1000"/>
+                                        <p:tgtEl>
+                                          <p:spTgt spid="8"/>
+                                        </p:tgtEl>
+                                      </p:cBhvr>
+                                    </p:animEffect>
+                                    <p:anim calcmode="lin" valueType="num">
+                                      <p:cBhvr>
+                                        <p:cTn id="24" dur="1000" fill="hold"/>
+                                        <p:tgtEl>
+                                          <p:spTgt spid="8"/>
+                                        </p:tgtEl>
+                                        <p:attrNameLst>
+                                          <p:attrName>ppt_x</p:attrName>
+                                        </p:attrNameLst>
+                                      </p:cBhvr>
+                                      <p:tavLst>
+                                        <p:tav tm="0">
+                                          <p:val>
+                                            <p:strVal val="#ppt_x"/>
+                                          </p:val>
+                                        </p:tav>
+                                        <p:tav tm="100000">
+                                          <p:val>
+                                            <p:strVal val="#ppt_x"/>
+                                          </p:val>
+                                        </p:tav>
+                                      </p:tavLst>
+                                    </p:anim>
+                                    <p:anim calcmode="lin" valueType="num">
+                                      <p:cBhvr>
+                                        <p:cTn id="25" dur="1000" fill="hold"/>
+                                        <p:tgtEl>
+                                          <p:spTgt spid="8"/>
+                                        </p:tgtEl>
+                                        <p:attrNameLst>
+                                          <p:attrName>ppt_y</p:attrName>
+                                        </p:attrNameLst>
+                                      </p:cBhvr>
+                                      <p:tavLst>
+                                        <p:tav tm="0">
+                                          <p:val>
+                                            <p:strVal val="#ppt_y+.1"/>
+                                          </p:val>
+                                        </p:tav>
+                                        <p:tav tm="100000">
+                                          <p:val>
+                                            <p:strVal val="#ppt_y"/>
+                                          </p:val>
+                                        </p:tav>
+                                      </p:tavLst>
+                                    </p:anim>
+                                  </p:childTnLst>
+                                </p:cTn>
+                              </p:par>
+                            </p:childTnLst>
+                          </p:cTn>
+                        </p:par>
+                      </p:childTnLst>
+                    </p:cTn>
+                  </p:par>
+                  <p:par>
+                    <p:cTn id="26" fill="hold">
+                      <p:stCondLst>
+                        <p:cond delay="indefinite"/>
+                      </p:stCondLst>
+                      <p:childTnLst>
+                        <p:par>
+                          <p:cTn id="27" fill="hold">
+                            <p:stCondLst>
+                              <p:cond delay="0"/>
+                            </p:stCondLst>
+                            <p:childTnLst>
+                              <p:par>
+                                <p:cTn id="28" presetID="4" presetClass="entr" presetSubtype="16" fill="hold" nodeType="clickEffect">
+                                  <p:stCondLst>
+                                    <p:cond delay="0"/>
+                                  </p:stCondLst>
+                                  <p:childTnLst>
+                                    <p:set>
+                                      <p:cBhvr>
+                                        <p:cTn id="29" dur="1" fill="hold">
+                                          <p:stCondLst>
+                                            <p:cond delay="0"/>
+                                          </p:stCondLst>
+                                        </p:cTn>
+                                        <p:tgtEl>
+                                          <p:spTgt spid="6146"/>
+                                        </p:tgtEl>
+                                        <p:attrNameLst>
+                                          <p:attrName>style.visibility</p:attrName>
+                                        </p:attrNameLst>
+                                      </p:cBhvr>
+                                      <p:to>
+                                        <p:strVal val="visible"/>
+                                      </p:to>
+                                    </p:set>
+                                    <p:animEffect transition="in" filter="box(in)">
+                                      <p:cBhvr>
+                                        <p:cTn id="30" dur="500"/>
+                                        <p:tgtEl>
+                                          <p:spTgt spid="6146"/>
+                                        </p:tgtEl>
+                                      </p:cBhvr>
+                                    </p:animEffect>
+                                  </p:childTnLst>
+                                </p:cTn>
+                              </p:par>
+                            </p:childTnLst>
+                          </p:cTn>
+                        </p:par>
+                      </p:childTnLst>
+                    </p:cTn>
+                  </p:par>
+                </p:childTnLst>
+              </p:cTn>
+              <p:prevCondLst>
+                <p:cond evt="onPrev" delay="0">
+                  <p:tgtEl>
+                    <p:sldTgt/>
+                  </p:tgtEl>
+                </p:cond>
+              </p:prevCondLst>
+              <p:nextCondLst>
+                <p:cond evt="onNext" delay="0">
+                  <p:tgtEl>
+                    <p:sldTgt/>
+                  </p:tgtEl>
+                </p:cond>
+              </p:nextCondLst>
+            </p:seq>
+          </p:childTnLst>
+        </p:cTn>
       </p:par>
     </p:tnLst>
+    <p:bldLst>
+      <p:bldP spid="3" grpId="0" uiExpand="1" build="p" animBg="1"/>
+      <p:bldP spid="11" grpId="0" animBg="1"/>
+      <p:bldP spid="8" grpId="0" animBg="1"/>
+    </p:bldLst>
   </p:timing>
 </p:sld>
 </file>
@@ -12013,7 +14609,7 @@
         </p:nvSpPr>
         <p:spPr>
           <a:xfrm>
-            <a:off x="3124200" y="381000"/>
+            <a:off x="2590800" y="381000"/>
             <a:ext cx="3352800" cy="457199"/>
           </a:xfrm>
           <a:solidFill>
@@ -12244,9 +14840,306 @@
   <p:timing>
     <p:tnLst>
       <p:par>
-        <p:cTn id="1" dur="indefinite" restart="never" nodeType="tmRoot"/>
+        <p:cTn id="1" dur="indefinite" restart="never" nodeType="tmRoot">
+          <p:childTnLst>
+            <p:seq concurrent="1" nextAc="seek">
+              <p:cTn id="2" dur="indefinite" nodeType="mainSeq">
+                <p:childTnLst>
+                  <p:par>
+                    <p:cTn id="3" fill="hold">
+                      <p:stCondLst>
+                        <p:cond delay="indefinite"/>
+                      </p:stCondLst>
+                      <p:childTnLst>
+                        <p:par>
+                          <p:cTn id="4" fill="hold">
+                            <p:stCondLst>
+                              <p:cond delay="0"/>
+                            </p:stCondLst>
+                            <p:childTnLst>
+                              <p:par>
+                                <p:cTn id="5" presetID="12" presetClass="entr" presetSubtype="4" fill="hold" grpId="0" nodeType="clickEffect">
+                                  <p:stCondLst>
+                                    <p:cond delay="0"/>
+                                  </p:stCondLst>
+                                  <p:childTnLst>
+                                    <p:set>
+                                      <p:cBhvr>
+                                        <p:cTn id="6" dur="1" fill="hold">
+                                          <p:stCondLst>
+                                            <p:cond delay="0"/>
+                                          </p:stCondLst>
+                                        </p:cTn>
+                                        <p:tgtEl>
+                                          <p:spTgt spid="3">
+                                            <p:bg/>
+                                          </p:spTgt>
+                                        </p:tgtEl>
+                                        <p:attrNameLst>
+                                          <p:attrName>style.visibility</p:attrName>
+                                        </p:attrNameLst>
+                                      </p:cBhvr>
+                                      <p:to>
+                                        <p:strVal val="visible"/>
+                                      </p:to>
+                                    </p:set>
+                                    <p:animEffect transition="in" filter="slide(fromBottom)">
+                                      <p:cBhvr>
+                                        <p:cTn id="7" dur="500"/>
+                                        <p:tgtEl>
+                                          <p:spTgt spid="3">
+                                            <p:bg/>
+                                          </p:spTgt>
+                                        </p:tgtEl>
+                                      </p:cBhvr>
+                                    </p:animEffect>
+                                  </p:childTnLst>
+                                </p:cTn>
+                              </p:par>
+                            </p:childTnLst>
+                          </p:cTn>
+                        </p:par>
+                      </p:childTnLst>
+                    </p:cTn>
+                  </p:par>
+                  <p:par>
+                    <p:cTn id="8" fill="hold">
+                      <p:stCondLst>
+                        <p:cond delay="indefinite"/>
+                      </p:stCondLst>
+                      <p:childTnLst>
+                        <p:par>
+                          <p:cTn id="9" fill="hold">
+                            <p:stCondLst>
+                              <p:cond delay="0"/>
+                            </p:stCondLst>
+                            <p:childTnLst>
+                              <p:par>
+                                <p:cTn id="10" presetID="12" presetClass="entr" presetSubtype="4" fill="hold" grpId="0" nodeType="clickEffect">
+                                  <p:stCondLst>
+                                    <p:cond delay="0"/>
+                                  </p:stCondLst>
+                                  <p:childTnLst>
+                                    <p:set>
+                                      <p:cBhvr>
+                                        <p:cTn id="11" dur="1" fill="hold">
+                                          <p:stCondLst>
+                                            <p:cond delay="0"/>
+                                          </p:stCondLst>
+                                        </p:cTn>
+                                        <p:tgtEl>
+                                          <p:spTgt spid="3">
+                                            <p:txEl>
+                                              <p:pRg st="0" end="0"/>
+                                            </p:txEl>
+                                          </p:spTgt>
+                                        </p:tgtEl>
+                                        <p:attrNameLst>
+                                          <p:attrName>style.visibility</p:attrName>
+                                        </p:attrNameLst>
+                                      </p:cBhvr>
+                                      <p:to>
+                                        <p:strVal val="visible"/>
+                                      </p:to>
+                                    </p:set>
+                                    <p:animEffect transition="in" filter="slide(fromBottom)">
+                                      <p:cBhvr>
+                                        <p:cTn id="12" dur="500"/>
+                                        <p:tgtEl>
+                                          <p:spTgt spid="3">
+                                            <p:txEl>
+                                              <p:pRg st="0" end="0"/>
+                                            </p:txEl>
+                                          </p:spTgt>
+                                        </p:tgtEl>
+                                      </p:cBhvr>
+                                    </p:animEffect>
+                                  </p:childTnLst>
+                                </p:cTn>
+                              </p:par>
+                            </p:childTnLst>
+                          </p:cTn>
+                        </p:par>
+                      </p:childTnLst>
+                    </p:cTn>
+                  </p:par>
+                  <p:par>
+                    <p:cTn id="13" fill="hold">
+                      <p:stCondLst>
+                        <p:cond delay="indefinite"/>
+                      </p:stCondLst>
+                      <p:childTnLst>
+                        <p:par>
+                          <p:cTn id="14" fill="hold">
+                            <p:stCondLst>
+                              <p:cond delay="0"/>
+                            </p:stCondLst>
+                            <p:childTnLst>
+                              <p:par>
+                                <p:cTn id="15" presetID="42" presetClass="entr" presetSubtype="0" fill="hold" grpId="0" nodeType="clickEffect">
+                                  <p:stCondLst>
+                                    <p:cond delay="0"/>
+                                  </p:stCondLst>
+                                  <p:childTnLst>
+                                    <p:set>
+                                      <p:cBhvr>
+                                        <p:cTn id="16" dur="1" fill="hold">
+                                          <p:stCondLst>
+                                            <p:cond delay="0"/>
+                                          </p:stCondLst>
+                                        </p:cTn>
+                                        <p:tgtEl>
+                                          <p:spTgt spid="11"/>
+                                        </p:tgtEl>
+                                        <p:attrNameLst>
+                                          <p:attrName>style.visibility</p:attrName>
+                                        </p:attrNameLst>
+                                      </p:cBhvr>
+                                      <p:to>
+                                        <p:strVal val="visible"/>
+                                      </p:to>
+                                    </p:set>
+                                    <p:animEffect transition="in" filter="fade">
+                                      <p:cBhvr>
+                                        <p:cTn id="17" dur="1000"/>
+                                        <p:tgtEl>
+                                          <p:spTgt spid="11"/>
+                                        </p:tgtEl>
+                                      </p:cBhvr>
+                                    </p:animEffect>
+                                    <p:anim calcmode="lin" valueType="num">
+                                      <p:cBhvr>
+                                        <p:cTn id="18" dur="1000" fill="hold"/>
+                                        <p:tgtEl>
+                                          <p:spTgt spid="11"/>
+                                        </p:tgtEl>
+                                        <p:attrNameLst>
+                                          <p:attrName>ppt_x</p:attrName>
+                                        </p:attrNameLst>
+                                      </p:cBhvr>
+                                      <p:tavLst>
+                                        <p:tav tm="0">
+                                          <p:val>
+                                            <p:strVal val="#ppt_x"/>
+                                          </p:val>
+                                        </p:tav>
+                                        <p:tav tm="100000">
+                                          <p:val>
+                                            <p:strVal val="#ppt_x"/>
+                                          </p:val>
+                                        </p:tav>
+                                      </p:tavLst>
+                                    </p:anim>
+                                    <p:anim calcmode="lin" valueType="num">
+                                      <p:cBhvr>
+                                        <p:cTn id="19" dur="1000" fill="hold"/>
+                                        <p:tgtEl>
+                                          <p:spTgt spid="11"/>
+                                        </p:tgtEl>
+                                        <p:attrNameLst>
+                                          <p:attrName>ppt_y</p:attrName>
+                                        </p:attrNameLst>
+                                      </p:cBhvr>
+                                      <p:tavLst>
+                                        <p:tav tm="0">
+                                          <p:val>
+                                            <p:strVal val="#ppt_y+.1"/>
+                                          </p:val>
+                                        </p:tav>
+                                        <p:tav tm="100000">
+                                          <p:val>
+                                            <p:strVal val="#ppt_y"/>
+                                          </p:val>
+                                        </p:tav>
+                                      </p:tavLst>
+                                    </p:anim>
+                                  </p:childTnLst>
+                                </p:cTn>
+                              </p:par>
+                            </p:childTnLst>
+                          </p:cTn>
+                        </p:par>
+                      </p:childTnLst>
+                    </p:cTn>
+                  </p:par>
+                  <p:par>
+                    <p:cTn id="20" fill="hold">
+                      <p:stCondLst>
+                        <p:cond delay="indefinite"/>
+                      </p:stCondLst>
+                      <p:childTnLst>
+                        <p:par>
+                          <p:cTn id="21" fill="hold">
+                            <p:stCondLst>
+                              <p:cond delay="0"/>
+                            </p:stCondLst>
+                            <p:childTnLst>
+                              <p:par>
+                                <p:cTn id="22" presetID="18" presetClass="entr" presetSubtype="12" fill="hold" nodeType="clickEffect">
+                                  <p:stCondLst>
+                                    <p:cond delay="0"/>
+                                  </p:stCondLst>
+                                  <p:childTnLst>
+                                    <p:set>
+                                      <p:cBhvr>
+                                        <p:cTn id="23" dur="1" fill="hold">
+                                          <p:stCondLst>
+                                            <p:cond delay="0"/>
+                                          </p:stCondLst>
+                                        </p:cTn>
+                                        <p:tgtEl>
+                                          <p:spTgt spid="7170"/>
+                                        </p:tgtEl>
+                                        <p:attrNameLst>
+                                          <p:attrName>style.visibility</p:attrName>
+                                        </p:attrNameLst>
+                                      </p:cBhvr>
+                                      <p:to>
+                                        <p:strVal val="visible"/>
+                                      </p:to>
+                                    </p:set>
+                                    <p:animEffect transition="in" filter="strips(downLeft)">
+                                      <p:cBhvr>
+                                        <p:cTn id="24" dur="500"/>
+                                        <p:tgtEl>
+                                          <p:spTgt spid="7170"/>
+                                        </p:tgtEl>
+                                      </p:cBhvr>
+                                    </p:animEffect>
+                                  </p:childTnLst>
+                                </p:cTn>
+                              </p:par>
+                            </p:childTnLst>
+                          </p:cTn>
+                        </p:par>
+                      </p:childTnLst>
+                    </p:cTn>
+                  </p:par>
+                </p:childTnLst>
+              </p:cTn>
+              <p:prevCondLst>
+                <p:cond evt="onPrev" delay="0">
+                  <p:tgtEl>
+                    <p:sldTgt/>
+                  </p:tgtEl>
+                </p:cond>
+              </p:prevCondLst>
+              <p:nextCondLst>
+                <p:cond evt="onNext" delay="0">
+                  <p:tgtEl>
+                    <p:sldTgt/>
+                  </p:tgtEl>
+                </p:cond>
+              </p:nextCondLst>
+            </p:seq>
+          </p:childTnLst>
+        </p:cTn>
       </p:par>
     </p:tnLst>
+    <p:bldLst>
+      <p:bldP spid="3" grpId="0" build="p" animBg="1"/>
+      <p:bldP spid="11" grpId="0" animBg="1"/>
+    </p:bldLst>
   </p:timing>
 </p:sld>
 </file>
@@ -12547,9 +15440,401 @@
   <p:timing>
     <p:tnLst>
       <p:par>
-        <p:cTn id="1" dur="indefinite" restart="never" nodeType="tmRoot"/>
+        <p:cTn id="1" dur="indefinite" restart="never" nodeType="tmRoot">
+          <p:childTnLst>
+            <p:seq concurrent="1" nextAc="seek">
+              <p:cTn id="2" dur="indefinite" nodeType="mainSeq">
+                <p:childTnLst>
+                  <p:par>
+                    <p:cTn id="3" fill="hold">
+                      <p:stCondLst>
+                        <p:cond delay="indefinite"/>
+                      </p:stCondLst>
+                      <p:childTnLst>
+                        <p:par>
+                          <p:cTn id="4" fill="hold">
+                            <p:stCondLst>
+                              <p:cond delay="0"/>
+                            </p:stCondLst>
+                            <p:childTnLst>
+                              <p:par>
+                                <p:cTn id="5" presetID="22" presetClass="entr" presetSubtype="4" fill="hold" grpId="0" nodeType="clickEffect">
+                                  <p:stCondLst>
+                                    <p:cond delay="0"/>
+                                  </p:stCondLst>
+                                  <p:childTnLst>
+                                    <p:set>
+                                      <p:cBhvr>
+                                        <p:cTn id="6" dur="1" fill="hold">
+                                          <p:stCondLst>
+                                            <p:cond delay="0"/>
+                                          </p:stCondLst>
+                                        </p:cTn>
+                                        <p:tgtEl>
+                                          <p:spTgt spid="4">
+                                            <p:graphicEl>
+                                              <a:dgm id="{4AA11EE4-CD20-47A4-9C9C-398DE492A526}"/>
+                                            </p:graphicEl>
+                                          </p:spTgt>
+                                        </p:tgtEl>
+                                        <p:attrNameLst>
+                                          <p:attrName>style.visibility</p:attrName>
+                                        </p:attrNameLst>
+                                      </p:cBhvr>
+                                      <p:to>
+                                        <p:strVal val="visible"/>
+                                      </p:to>
+                                    </p:set>
+                                    <p:animEffect transition="in" filter="wipe(down)">
+                                      <p:cBhvr>
+                                        <p:cTn id="7" dur="500"/>
+                                        <p:tgtEl>
+                                          <p:spTgt spid="4">
+                                            <p:graphicEl>
+                                              <a:dgm id="{4AA11EE4-CD20-47A4-9C9C-398DE492A526}"/>
+                                            </p:graphicEl>
+                                          </p:spTgt>
+                                        </p:tgtEl>
+                                      </p:cBhvr>
+                                    </p:animEffect>
+                                  </p:childTnLst>
+                                </p:cTn>
+                              </p:par>
+                              <p:par>
+                                <p:cTn id="8" presetID="22" presetClass="entr" presetSubtype="4" fill="hold" grpId="0" nodeType="withEffect">
+                                  <p:stCondLst>
+                                    <p:cond delay="0"/>
+                                  </p:stCondLst>
+                                  <p:childTnLst>
+                                    <p:set>
+                                      <p:cBhvr>
+                                        <p:cTn id="9" dur="1" fill="hold">
+                                          <p:stCondLst>
+                                            <p:cond delay="0"/>
+                                          </p:stCondLst>
+                                        </p:cTn>
+                                        <p:tgtEl>
+                                          <p:spTgt spid="4">
+                                            <p:graphicEl>
+                                              <a:dgm id="{57D6F5BD-4438-4319-A1BF-B43944404D67}"/>
+                                            </p:graphicEl>
+                                          </p:spTgt>
+                                        </p:tgtEl>
+                                        <p:attrNameLst>
+                                          <p:attrName>style.visibility</p:attrName>
+                                        </p:attrNameLst>
+                                      </p:cBhvr>
+                                      <p:to>
+                                        <p:strVal val="visible"/>
+                                      </p:to>
+                                    </p:set>
+                                    <p:animEffect transition="in" filter="wipe(down)">
+                                      <p:cBhvr>
+                                        <p:cTn id="10" dur="500"/>
+                                        <p:tgtEl>
+                                          <p:spTgt spid="4">
+                                            <p:graphicEl>
+                                              <a:dgm id="{57D6F5BD-4438-4319-A1BF-B43944404D67}"/>
+                                            </p:graphicEl>
+                                          </p:spTgt>
+                                        </p:tgtEl>
+                                      </p:cBhvr>
+                                    </p:animEffect>
+                                  </p:childTnLst>
+                                </p:cTn>
+                              </p:par>
+                              <p:par>
+                                <p:cTn id="11" presetID="22" presetClass="entr" presetSubtype="4" fill="hold" grpId="0" nodeType="withEffect">
+                                  <p:stCondLst>
+                                    <p:cond delay="0"/>
+                                  </p:stCondLst>
+                                  <p:childTnLst>
+                                    <p:set>
+                                      <p:cBhvr>
+                                        <p:cTn id="12" dur="1" fill="hold">
+                                          <p:stCondLst>
+                                            <p:cond delay="0"/>
+                                          </p:stCondLst>
+                                        </p:cTn>
+                                        <p:tgtEl>
+                                          <p:spTgt spid="4">
+                                            <p:graphicEl>
+                                              <a:dgm id="{9A0E1546-7DEE-414F-80F5-DA571DF7B3F9}"/>
+                                            </p:graphicEl>
+                                          </p:spTgt>
+                                        </p:tgtEl>
+                                        <p:attrNameLst>
+                                          <p:attrName>style.visibility</p:attrName>
+                                        </p:attrNameLst>
+                                      </p:cBhvr>
+                                      <p:to>
+                                        <p:strVal val="visible"/>
+                                      </p:to>
+                                    </p:set>
+                                    <p:animEffect transition="in" filter="wipe(down)">
+                                      <p:cBhvr>
+                                        <p:cTn id="13" dur="500"/>
+                                        <p:tgtEl>
+                                          <p:spTgt spid="4">
+                                            <p:graphicEl>
+                                              <a:dgm id="{9A0E1546-7DEE-414F-80F5-DA571DF7B3F9}"/>
+                                            </p:graphicEl>
+                                          </p:spTgt>
+                                        </p:tgtEl>
+                                      </p:cBhvr>
+                                    </p:animEffect>
+                                  </p:childTnLst>
+                                </p:cTn>
+                              </p:par>
+                              <p:par>
+                                <p:cTn id="14" presetID="22" presetClass="entr" presetSubtype="4" fill="hold" grpId="0" nodeType="withEffect">
+                                  <p:stCondLst>
+                                    <p:cond delay="0"/>
+                                  </p:stCondLst>
+                                  <p:childTnLst>
+                                    <p:set>
+                                      <p:cBhvr>
+                                        <p:cTn id="15" dur="1" fill="hold">
+                                          <p:stCondLst>
+                                            <p:cond delay="0"/>
+                                          </p:stCondLst>
+                                        </p:cTn>
+                                        <p:tgtEl>
+                                          <p:spTgt spid="4">
+                                            <p:graphicEl>
+                                              <a:dgm id="{7CA5F9A3-CA88-4BF3-9E0F-317257E47129}"/>
+                                            </p:graphicEl>
+                                          </p:spTgt>
+                                        </p:tgtEl>
+                                        <p:attrNameLst>
+                                          <p:attrName>style.visibility</p:attrName>
+                                        </p:attrNameLst>
+                                      </p:cBhvr>
+                                      <p:to>
+                                        <p:strVal val="visible"/>
+                                      </p:to>
+                                    </p:set>
+                                    <p:animEffect transition="in" filter="wipe(down)">
+                                      <p:cBhvr>
+                                        <p:cTn id="16" dur="500"/>
+                                        <p:tgtEl>
+                                          <p:spTgt spid="4">
+                                            <p:graphicEl>
+                                              <a:dgm id="{7CA5F9A3-CA88-4BF3-9E0F-317257E47129}"/>
+                                            </p:graphicEl>
+                                          </p:spTgt>
+                                        </p:tgtEl>
+                                      </p:cBhvr>
+                                    </p:animEffect>
+                                  </p:childTnLst>
+                                </p:cTn>
+                              </p:par>
+                              <p:par>
+                                <p:cTn id="17" presetID="22" presetClass="entr" presetSubtype="4" fill="hold" grpId="0" nodeType="withEffect">
+                                  <p:stCondLst>
+                                    <p:cond delay="0"/>
+                                  </p:stCondLst>
+                                  <p:childTnLst>
+                                    <p:set>
+                                      <p:cBhvr>
+                                        <p:cTn id="18" dur="1" fill="hold">
+                                          <p:stCondLst>
+                                            <p:cond delay="0"/>
+                                          </p:stCondLst>
+                                        </p:cTn>
+                                        <p:tgtEl>
+                                          <p:spTgt spid="4">
+                                            <p:graphicEl>
+                                              <a:dgm id="{58FDD2F3-B64B-4713-9CA1-CABDE332D5BF}"/>
+                                            </p:graphicEl>
+                                          </p:spTgt>
+                                        </p:tgtEl>
+                                        <p:attrNameLst>
+                                          <p:attrName>style.visibility</p:attrName>
+                                        </p:attrNameLst>
+                                      </p:cBhvr>
+                                      <p:to>
+                                        <p:strVal val="visible"/>
+                                      </p:to>
+                                    </p:set>
+                                    <p:animEffect transition="in" filter="wipe(down)">
+                                      <p:cBhvr>
+                                        <p:cTn id="19" dur="500"/>
+                                        <p:tgtEl>
+                                          <p:spTgt spid="4">
+                                            <p:graphicEl>
+                                              <a:dgm id="{58FDD2F3-B64B-4713-9CA1-CABDE332D5BF}"/>
+                                            </p:graphicEl>
+                                          </p:spTgt>
+                                        </p:tgtEl>
+                                      </p:cBhvr>
+                                    </p:animEffect>
+                                  </p:childTnLst>
+                                </p:cTn>
+                              </p:par>
+                              <p:par>
+                                <p:cTn id="20" presetID="22" presetClass="entr" presetSubtype="4" fill="hold" grpId="0" nodeType="withEffect">
+                                  <p:stCondLst>
+                                    <p:cond delay="0"/>
+                                  </p:stCondLst>
+                                  <p:childTnLst>
+                                    <p:set>
+                                      <p:cBhvr>
+                                        <p:cTn id="21" dur="1" fill="hold">
+                                          <p:stCondLst>
+                                            <p:cond delay="0"/>
+                                          </p:stCondLst>
+                                        </p:cTn>
+                                        <p:tgtEl>
+                                          <p:spTgt spid="4">
+                                            <p:graphicEl>
+                                              <a:dgm id="{5664ABEE-C453-4507-A375-AFCBAC7257EC}"/>
+                                            </p:graphicEl>
+                                          </p:spTgt>
+                                        </p:tgtEl>
+                                        <p:attrNameLst>
+                                          <p:attrName>style.visibility</p:attrName>
+                                        </p:attrNameLst>
+                                      </p:cBhvr>
+                                      <p:to>
+                                        <p:strVal val="visible"/>
+                                      </p:to>
+                                    </p:set>
+                                    <p:animEffect transition="in" filter="wipe(down)">
+                                      <p:cBhvr>
+                                        <p:cTn id="22" dur="500"/>
+                                        <p:tgtEl>
+                                          <p:spTgt spid="4">
+                                            <p:graphicEl>
+                                              <a:dgm id="{5664ABEE-C453-4507-A375-AFCBAC7257EC}"/>
+                                            </p:graphicEl>
+                                          </p:spTgt>
+                                        </p:tgtEl>
+                                      </p:cBhvr>
+                                    </p:animEffect>
+                                  </p:childTnLst>
+                                </p:cTn>
+                              </p:par>
+                              <p:par>
+                                <p:cTn id="23" presetID="22" presetClass="entr" presetSubtype="4" fill="hold" grpId="0" nodeType="withEffect">
+                                  <p:stCondLst>
+                                    <p:cond delay="0"/>
+                                  </p:stCondLst>
+                                  <p:childTnLst>
+                                    <p:set>
+                                      <p:cBhvr>
+                                        <p:cTn id="24" dur="1" fill="hold">
+                                          <p:stCondLst>
+                                            <p:cond delay="0"/>
+                                          </p:stCondLst>
+                                        </p:cTn>
+                                        <p:tgtEl>
+                                          <p:spTgt spid="4">
+                                            <p:graphicEl>
+                                              <a:dgm id="{E498CD76-6AA6-42F6-A923-56F045FD7E66}"/>
+                                            </p:graphicEl>
+                                          </p:spTgt>
+                                        </p:tgtEl>
+                                        <p:attrNameLst>
+                                          <p:attrName>style.visibility</p:attrName>
+                                        </p:attrNameLst>
+                                      </p:cBhvr>
+                                      <p:to>
+                                        <p:strVal val="visible"/>
+                                      </p:to>
+                                    </p:set>
+                                    <p:animEffect transition="in" filter="wipe(down)">
+                                      <p:cBhvr>
+                                        <p:cTn id="25" dur="500"/>
+                                        <p:tgtEl>
+                                          <p:spTgt spid="4">
+                                            <p:graphicEl>
+                                              <a:dgm id="{E498CD76-6AA6-42F6-A923-56F045FD7E66}"/>
+                                            </p:graphicEl>
+                                          </p:spTgt>
+                                        </p:tgtEl>
+                                      </p:cBhvr>
+                                    </p:animEffect>
+                                  </p:childTnLst>
+                                </p:cTn>
+                              </p:par>
+                              <p:par>
+                                <p:cTn id="26" presetID="22" presetClass="entr" presetSubtype="4" fill="hold" grpId="0" nodeType="withEffect">
+                                  <p:stCondLst>
+                                    <p:cond delay="0"/>
+                                  </p:stCondLst>
+                                  <p:childTnLst>
+                                    <p:set>
+                                      <p:cBhvr>
+                                        <p:cTn id="27" dur="1" fill="hold">
+                                          <p:stCondLst>
+                                            <p:cond delay="0"/>
+                                          </p:stCondLst>
+                                        </p:cTn>
+                                        <p:tgtEl>
+                                          <p:spTgt spid="4">
+                                            <p:graphicEl>
+                                              <a:dgm id="{F90580EF-911A-453E-98AB-2344964DF5C7}"/>
+                                            </p:graphicEl>
+                                          </p:spTgt>
+                                        </p:tgtEl>
+                                        <p:attrNameLst>
+                                          <p:attrName>style.visibility</p:attrName>
+                                        </p:attrNameLst>
+                                      </p:cBhvr>
+                                      <p:to>
+                                        <p:strVal val="visible"/>
+                                      </p:to>
+                                    </p:set>
+                                    <p:animEffect transition="in" filter="wipe(down)">
+                                      <p:cBhvr>
+                                        <p:cTn id="28" dur="500"/>
+                                        <p:tgtEl>
+                                          <p:spTgt spid="4">
+                                            <p:graphicEl>
+                                              <a:dgm id="{F90580EF-911A-453E-98AB-2344964DF5C7}"/>
+                                            </p:graphicEl>
+                                          </p:spTgt>
+                                        </p:tgtEl>
+                                      </p:cBhvr>
+                                    </p:animEffect>
+                                  </p:childTnLst>
+                                </p:cTn>
+                              </p:par>
+                            </p:childTnLst>
+                          </p:cTn>
+                        </p:par>
+                      </p:childTnLst>
+                    </p:cTn>
+                  </p:par>
+                </p:childTnLst>
+              </p:cTn>
+              <p:prevCondLst>
+                <p:cond evt="onPrev" delay="0">
+                  <p:tgtEl>
+                    <p:sldTgt/>
+                  </p:tgtEl>
+                </p:cond>
+              </p:prevCondLst>
+              <p:nextCondLst>
+                <p:cond evt="onNext" delay="0">
+                  <p:tgtEl>
+                    <p:sldTgt/>
+                  </p:tgtEl>
+                </p:cond>
+              </p:nextCondLst>
+            </p:seq>
+          </p:childTnLst>
+        </p:cTn>
       </p:par>
     </p:tnLst>
+    <p:bldLst>
+      <p:bldGraphic spid="4" grpId="0">
+        <p:bldSub>
+          <a:bldDgm/>
+        </p:bldSub>
+      </p:bldGraphic>
+    </p:bldLst>
   </p:timing>
 </p:sld>
 </file>
@@ -12595,6 +15880,45 @@
           </a:prstGeom>
         </p:spPr>
       </p:pic>
+      <p:sp>
+        <p:nvSpPr>
+          <p:cNvPr id="3" name="TextBox 2"/>
+          <p:cNvSpPr txBox="1"/>
+          <p:nvPr/>
+        </p:nvSpPr>
+        <p:spPr>
+          <a:xfrm>
+            <a:off x="3352800" y="228600"/>
+            <a:ext cx="1752600" cy="707886"/>
+          </a:xfrm>
+          <a:prstGeom prst="rect">
+            <a:avLst/>
+          </a:prstGeom>
+          <a:noFill/>
+        </p:spPr>
+        <p:txBody>
+          <a:bodyPr wrap="square" rtlCol="0">
+            <a:spAutoFit/>
+          </a:bodyPr>
+          <a:lstStyle/>
+          <a:p>
+            <a:pPr algn="ctr"/>
+            <a:r>
+              <a:rPr lang="en-US" sz="4000" smtClean="0">
+                <a:solidFill>
+                  <a:schemeClr val="bg1"/>
+                </a:solidFill>
+              </a:rPr>
+              <a:t>Q &amp; S</a:t>
+            </a:r>
+            <a:endParaRPr lang="en-US" sz="4000">
+              <a:solidFill>
+                <a:schemeClr val="bg1"/>
+              </a:solidFill>
+            </a:endParaRPr>
+          </a:p>
+        </p:txBody>
+      </p:sp>
     </p:spTree>
   </p:cSld>
   <p:clrMapOvr>
@@ -12603,7 +15927,83 @@
   <p:timing>
     <p:tnLst>
       <p:par>
-        <p:cTn id="1" dur="indefinite" restart="never" nodeType="tmRoot"/>
+        <p:cTn id="1" dur="indefinite" restart="never" nodeType="tmRoot">
+          <p:childTnLst>
+            <p:seq concurrent="1" nextAc="seek">
+              <p:cTn id="2" dur="indefinite" nodeType="mainSeq">
+                <p:childTnLst>
+                  <p:par>
+                    <p:cTn id="3" fill="hold">
+                      <p:stCondLst>
+                        <p:cond delay="indefinite"/>
+                      </p:stCondLst>
+                      <p:childTnLst>
+                        <p:par>
+                          <p:cTn id="4" fill="hold">
+                            <p:stCondLst>
+                              <p:cond delay="0"/>
+                            </p:stCondLst>
+                            <p:childTnLst>
+                              <p:par>
+                                <p:cTn id="5" presetID="22" presetClass="entr" presetSubtype="4" fill="hold" nodeType="clickEffect">
+                                  <p:stCondLst>
+                                    <p:cond delay="0"/>
+                                  </p:stCondLst>
+                                  <p:childTnLst>
+                                    <p:set>
+                                      <p:cBhvr>
+                                        <p:cTn id="6" dur="1" fill="hold">
+                                          <p:stCondLst>
+                                            <p:cond delay="0"/>
+                                          </p:stCondLst>
+                                        </p:cTn>
+                                        <p:tgtEl>
+                                          <p:spTgt spid="4"/>
+                                        </p:tgtEl>
+                                        <p:attrNameLst>
+                                          <p:attrName>style.visibility</p:attrName>
+                                        </p:attrNameLst>
+                                      </p:cBhvr>
+                                      <p:to>
+                                        <p:strVal val="visible"/>
+                                      </p:to>
+                                    </p:set>
+                                    <p:animEffect transition="in" filter="wipe(down)">
+                                      <p:cBhvr>
+                                        <p:cTn id="7" dur="1000"/>
+                                        <p:tgtEl>
+                                          <p:spTgt spid="4"/>
+                                        </p:tgtEl>
+                                      </p:cBhvr>
+                                    </p:animEffect>
+                                  </p:childTnLst>
+                                </p:cTn>
+                              </p:par>
+                            </p:childTnLst>
+                          </p:cTn>
+                        </p:par>
+                      </p:childTnLst>
+                    </p:cTn>
+                  </p:par>
+                </p:childTnLst>
+              </p:cTn>
+              <p:prevCondLst>
+                <p:cond evt="onPrev" delay="0">
+                  <p:tgtEl>
+                    <p:sldTgt/>
+                  </p:tgtEl>
+                </p:cond>
+              </p:prevCondLst>
+              <p:nextCondLst>
+                <p:cond evt="onNext" delay="0">
+                  <p:tgtEl>
+                    <p:sldTgt/>
+                  </p:tgtEl>
+                </p:cond>
+              </p:nextCondLst>
+            </p:seq>
+          </p:childTnLst>
+        </p:cTn>
       </p:par>
     </p:tnLst>
   </p:timing>
@@ -12713,7 +16113,182 @@
   <p:timing>
     <p:tnLst>
       <p:par>
-        <p:cTn id="1" dur="indefinite" restart="never" nodeType="tmRoot"/>
+        <p:cTn id="1" dur="indefinite" restart="never" nodeType="tmRoot">
+          <p:childTnLst>
+            <p:seq concurrent="1" nextAc="seek">
+              <p:cTn id="2" dur="indefinite" nodeType="mainSeq">
+                <p:childTnLst>
+                  <p:par>
+                    <p:cTn id="3" fill="hold">
+                      <p:stCondLst>
+                        <p:cond delay="indefinite"/>
+                      </p:stCondLst>
+                      <p:childTnLst>
+                        <p:par>
+                          <p:cTn id="4" fill="hold">
+                            <p:stCondLst>
+                              <p:cond delay="0"/>
+                            </p:stCondLst>
+                            <p:childTnLst>
+                              <p:par>
+                                <p:cTn id="5" presetID="5" presetClass="entr" presetSubtype="10" fill="hold" nodeType="clickEffect">
+                                  <p:stCondLst>
+                                    <p:cond delay="0"/>
+                                  </p:stCondLst>
+                                  <p:childTnLst>
+                                    <p:set>
+                                      <p:cBhvr>
+                                        <p:cTn id="6" dur="1" fill="hold">
+                                          <p:stCondLst>
+                                            <p:cond delay="0"/>
+                                          </p:stCondLst>
+                                        </p:cTn>
+                                        <p:tgtEl>
+                                          <p:spTgt spid="8"/>
+                                        </p:tgtEl>
+                                        <p:attrNameLst>
+                                          <p:attrName>style.visibility</p:attrName>
+                                        </p:attrNameLst>
+                                      </p:cBhvr>
+                                      <p:to>
+                                        <p:strVal val="visible"/>
+                                      </p:to>
+                                    </p:set>
+                                    <p:animEffect transition="in" filter="checkerboard(across)">
+                                      <p:cBhvr>
+                                        <p:cTn id="7" dur="1000"/>
+                                        <p:tgtEl>
+                                          <p:spTgt spid="8"/>
+                                        </p:tgtEl>
+                                      </p:cBhvr>
+                                    </p:animEffect>
+                                  </p:childTnLst>
+                                </p:cTn>
+                              </p:par>
+                            </p:childTnLst>
+                          </p:cTn>
+                        </p:par>
+                      </p:childTnLst>
+                    </p:cTn>
+                  </p:par>
+                  <p:par>
+                    <p:cTn id="8" fill="hold">
+                      <p:stCondLst>
+                        <p:cond delay="indefinite"/>
+                      </p:stCondLst>
+                      <p:childTnLst>
+                        <p:par>
+                          <p:cTn id="9" fill="hold">
+                            <p:stCondLst>
+                              <p:cond delay="0"/>
+                            </p:stCondLst>
+                            <p:childTnLst>
+                              <p:par>
+                                <p:cTn id="10" presetID="29" presetClass="entr" presetSubtype="0" fill="hold" nodeType="clickEffect">
+                                  <p:stCondLst>
+                                    <p:cond delay="0"/>
+                                  </p:stCondLst>
+                                  <p:childTnLst>
+                                    <p:set>
+                                      <p:cBhvr>
+                                        <p:cTn id="11" dur="1" fill="hold">
+                                          <p:stCondLst>
+                                            <p:cond delay="0"/>
+                                          </p:stCondLst>
+                                        </p:cTn>
+                                        <p:tgtEl>
+                                          <p:spTgt spid="7"/>
+                                        </p:tgtEl>
+                                        <p:attrNameLst>
+                                          <p:attrName>style.visibility</p:attrName>
+                                        </p:attrNameLst>
+                                      </p:cBhvr>
+                                      <p:to>
+                                        <p:strVal val="visible"/>
+                                      </p:to>
+                                    </p:set>
+                                    <p:anim calcmode="lin" valueType="num">
+                                      <p:cBhvr>
+                                        <p:cTn id="12" dur="1000" fill="hold"/>
+                                        <p:tgtEl>
+                                          <p:spTgt spid="7"/>
+                                        </p:tgtEl>
+                                        <p:attrNameLst>
+                                          <p:attrName>ppt_x</p:attrName>
+                                        </p:attrNameLst>
+                                      </p:cBhvr>
+                                      <p:tavLst>
+                                        <p:tav tm="0">
+                                          <p:val>
+                                            <p:strVal val="#ppt_x-.2"/>
+                                          </p:val>
+                                        </p:tav>
+                                        <p:tav tm="100000">
+                                          <p:val>
+                                            <p:strVal val="#ppt_x"/>
+                                          </p:val>
+                                        </p:tav>
+                                      </p:tavLst>
+                                    </p:anim>
+                                    <p:anim calcmode="lin" valueType="num">
+                                      <p:cBhvr>
+                                        <p:cTn id="13" dur="1000" fill="hold"/>
+                                        <p:tgtEl>
+                                          <p:spTgt spid="7"/>
+                                        </p:tgtEl>
+                                        <p:attrNameLst>
+                                          <p:attrName>ppt_y</p:attrName>
+                                        </p:attrNameLst>
+                                      </p:cBhvr>
+                                      <p:tavLst>
+                                        <p:tav tm="0">
+                                          <p:val>
+                                            <p:strVal val="#ppt_y"/>
+                                          </p:val>
+                                        </p:tav>
+                                        <p:tav tm="100000">
+                                          <p:val>
+                                            <p:strVal val="#ppt_y"/>
+                                          </p:val>
+                                        </p:tav>
+                                      </p:tavLst>
+                                    </p:anim>
+                                    <p:animEffect transition="in" filter="wipe(right)" prLst="gradientSize: 0.1">
+                                      <p:cBhvr>
+                                        <p:cTn id="14" dur="1000"/>
+                                        <p:tgtEl>
+                                          <p:spTgt spid="7"/>
+                                        </p:tgtEl>
+                                      </p:cBhvr>
+                                    </p:animEffect>
+                                  </p:childTnLst>
+                                </p:cTn>
+                              </p:par>
+                            </p:childTnLst>
+                          </p:cTn>
+                        </p:par>
+                      </p:childTnLst>
+                    </p:cTn>
+                  </p:par>
+                </p:childTnLst>
+              </p:cTn>
+              <p:prevCondLst>
+                <p:cond evt="onPrev" delay="0">
+                  <p:tgtEl>
+                    <p:sldTgt/>
+                  </p:tgtEl>
+                </p:cond>
+              </p:prevCondLst>
+              <p:nextCondLst>
+                <p:cond evt="onNext" delay="0">
+                  <p:tgtEl>
+                    <p:sldTgt/>
+                  </p:tgtEl>
+                </p:cond>
+              </p:nextCondLst>
+            </p:seq>
+          </p:childTnLst>
+        </p:cTn>
       </p:par>
     </p:tnLst>
   </p:timing>
@@ -13038,9 +16613,699 @@
   <p:timing>
     <p:tnLst>
       <p:par>
-        <p:cTn id="1" dur="indefinite" restart="never" nodeType="tmRoot"/>
+        <p:cTn id="1" dur="indefinite" restart="never" nodeType="tmRoot">
+          <p:childTnLst>
+            <p:seq concurrent="1" nextAc="seek">
+              <p:cTn id="2" dur="indefinite" nodeType="mainSeq">
+                <p:childTnLst>
+                  <p:par>
+                    <p:cTn id="3" fill="hold">
+                      <p:stCondLst>
+                        <p:cond delay="indefinite"/>
+                      </p:stCondLst>
+                      <p:childTnLst>
+                        <p:par>
+                          <p:cTn id="4" fill="hold">
+                            <p:stCondLst>
+                              <p:cond delay="0"/>
+                            </p:stCondLst>
+                            <p:childTnLst>
+                              <p:par>
+                                <p:cTn id="5" presetID="10" presetClass="entr" presetSubtype="0" fill="hold" nodeType="clickEffect">
+                                  <p:stCondLst>
+                                    <p:cond delay="0"/>
+                                  </p:stCondLst>
+                                  <p:childTnLst>
+                                    <p:set>
+                                      <p:cBhvr>
+                                        <p:cTn id="6" dur="1" fill="hold">
+                                          <p:stCondLst>
+                                            <p:cond delay="0"/>
+                                          </p:stCondLst>
+                                        </p:cTn>
+                                        <p:tgtEl>
+                                          <p:spTgt spid="5"/>
+                                        </p:tgtEl>
+                                        <p:attrNameLst>
+                                          <p:attrName>style.visibility</p:attrName>
+                                        </p:attrNameLst>
+                                      </p:cBhvr>
+                                      <p:to>
+                                        <p:strVal val="visible"/>
+                                      </p:to>
+                                    </p:set>
+                                    <p:animEffect transition="in" filter="fade">
+                                      <p:cBhvr>
+                                        <p:cTn id="7" dur="1000"/>
+                                        <p:tgtEl>
+                                          <p:spTgt spid="5"/>
+                                        </p:tgtEl>
+                                      </p:cBhvr>
+                                    </p:animEffect>
+                                  </p:childTnLst>
+                                </p:cTn>
+                              </p:par>
+                            </p:childTnLst>
+                          </p:cTn>
+                        </p:par>
+                      </p:childTnLst>
+                    </p:cTn>
+                  </p:par>
+                  <p:par>
+                    <p:cTn id="8" fill="hold">
+                      <p:stCondLst>
+                        <p:cond delay="indefinite"/>
+                      </p:stCondLst>
+                      <p:childTnLst>
+                        <p:par>
+                          <p:cTn id="9" fill="hold">
+                            <p:stCondLst>
+                              <p:cond delay="0"/>
+                            </p:stCondLst>
+                            <p:childTnLst>
+                              <p:par>
+                                <p:cTn id="10" presetID="54" presetClass="entr" presetSubtype="0" accel="100000" fill="hold" grpId="0" nodeType="clickEffect">
+                                  <p:stCondLst>
+                                    <p:cond delay="0"/>
+                                  </p:stCondLst>
+                                  <p:childTnLst>
+                                    <p:set>
+                                      <p:cBhvr>
+                                        <p:cTn id="11" dur="1" fill="hold">
+                                          <p:stCondLst>
+                                            <p:cond delay="0"/>
+                                          </p:stCondLst>
+                                        </p:cTn>
+                                        <p:tgtEl>
+                                          <p:spTgt spid="10"/>
+                                        </p:tgtEl>
+                                        <p:attrNameLst>
+                                          <p:attrName>style.visibility</p:attrName>
+                                        </p:attrNameLst>
+                                      </p:cBhvr>
+                                      <p:to>
+                                        <p:strVal val="visible"/>
+                                      </p:to>
+                                    </p:set>
+                                    <p:anim calcmode="lin" valueType="num">
+                                      <p:cBhvr>
+                                        <p:cTn id="12" dur="500" fill="hold"/>
+                                        <p:tgtEl>
+                                          <p:spTgt spid="10"/>
+                                        </p:tgtEl>
+                                        <p:attrNameLst>
+                                          <p:attrName>ppt_w</p:attrName>
+                                        </p:attrNameLst>
+                                      </p:cBhvr>
+                                      <p:tavLst>
+                                        <p:tav tm="0">
+                                          <p:val>
+                                            <p:strVal val="#ppt_w*0.05"/>
+                                          </p:val>
+                                        </p:tav>
+                                        <p:tav tm="100000">
+                                          <p:val>
+                                            <p:strVal val="#ppt_w"/>
+                                          </p:val>
+                                        </p:tav>
+                                      </p:tavLst>
+                                    </p:anim>
+                                    <p:anim calcmode="lin" valueType="num">
+                                      <p:cBhvr>
+                                        <p:cTn id="13" dur="500" fill="hold"/>
+                                        <p:tgtEl>
+                                          <p:spTgt spid="10"/>
+                                        </p:tgtEl>
+                                        <p:attrNameLst>
+                                          <p:attrName>ppt_h</p:attrName>
+                                        </p:attrNameLst>
+                                      </p:cBhvr>
+                                      <p:tavLst>
+                                        <p:tav tm="0">
+                                          <p:val>
+                                            <p:strVal val="#ppt_h"/>
+                                          </p:val>
+                                        </p:tav>
+                                        <p:tav tm="100000">
+                                          <p:val>
+                                            <p:strVal val="#ppt_h"/>
+                                          </p:val>
+                                        </p:tav>
+                                      </p:tavLst>
+                                    </p:anim>
+                                    <p:anim calcmode="lin" valueType="num">
+                                      <p:cBhvr>
+                                        <p:cTn id="14" dur="500" fill="hold"/>
+                                        <p:tgtEl>
+                                          <p:spTgt spid="10"/>
+                                        </p:tgtEl>
+                                        <p:attrNameLst>
+                                          <p:attrName>ppt_x</p:attrName>
+                                        </p:attrNameLst>
+                                      </p:cBhvr>
+                                      <p:tavLst>
+                                        <p:tav tm="0">
+                                          <p:val>
+                                            <p:strVal val="#ppt_x-.2"/>
+                                          </p:val>
+                                        </p:tav>
+                                        <p:tav tm="100000">
+                                          <p:val>
+                                            <p:strVal val="#ppt_x"/>
+                                          </p:val>
+                                        </p:tav>
+                                      </p:tavLst>
+                                    </p:anim>
+                                    <p:anim calcmode="lin" valueType="num">
+                                      <p:cBhvr>
+                                        <p:cTn id="15" dur="500" fill="hold"/>
+                                        <p:tgtEl>
+                                          <p:spTgt spid="10"/>
+                                        </p:tgtEl>
+                                        <p:attrNameLst>
+                                          <p:attrName>ppt_y</p:attrName>
+                                        </p:attrNameLst>
+                                      </p:cBhvr>
+                                      <p:tavLst>
+                                        <p:tav tm="0">
+                                          <p:val>
+                                            <p:strVal val="#ppt_y"/>
+                                          </p:val>
+                                        </p:tav>
+                                        <p:tav tm="100000">
+                                          <p:val>
+                                            <p:strVal val="#ppt_y"/>
+                                          </p:val>
+                                        </p:tav>
+                                      </p:tavLst>
+                                    </p:anim>
+                                    <p:animEffect transition="in" filter="fade">
+                                      <p:cBhvr>
+                                        <p:cTn id="16" dur="500"/>
+                                        <p:tgtEl>
+                                          <p:spTgt spid="10"/>
+                                        </p:tgtEl>
+                                      </p:cBhvr>
+                                    </p:animEffect>
+                                  </p:childTnLst>
+                                </p:cTn>
+                              </p:par>
+                            </p:childTnLst>
+                          </p:cTn>
+                        </p:par>
+                        <p:par>
+                          <p:cTn id="17" fill="hold">
+                            <p:stCondLst>
+                              <p:cond delay="500"/>
+                            </p:stCondLst>
+                            <p:childTnLst>
+                              <p:par>
+                                <p:cTn id="18" presetID="10" presetClass="entr" presetSubtype="0" fill="hold" nodeType="afterEffect">
+                                  <p:stCondLst>
+                                    <p:cond delay="0"/>
+                                  </p:stCondLst>
+                                  <p:childTnLst>
+                                    <p:set>
+                                      <p:cBhvr>
+                                        <p:cTn id="19" dur="1" fill="hold">
+                                          <p:stCondLst>
+                                            <p:cond delay="0"/>
+                                          </p:stCondLst>
+                                        </p:cTn>
+                                        <p:tgtEl>
+                                          <p:spTgt spid="4"/>
+                                        </p:tgtEl>
+                                        <p:attrNameLst>
+                                          <p:attrName>style.visibility</p:attrName>
+                                        </p:attrNameLst>
+                                      </p:cBhvr>
+                                      <p:to>
+                                        <p:strVal val="visible"/>
+                                      </p:to>
+                                    </p:set>
+                                    <p:animEffect transition="in" filter="fade">
+                                      <p:cBhvr>
+                                        <p:cTn id="20" dur="1000"/>
+                                        <p:tgtEl>
+                                          <p:spTgt spid="4"/>
+                                        </p:tgtEl>
+                                      </p:cBhvr>
+                                    </p:animEffect>
+                                  </p:childTnLst>
+                                </p:cTn>
+                              </p:par>
+                              <p:par>
+                                <p:cTn id="21" presetID="10" presetClass="entr" presetSubtype="0" fill="hold" nodeType="withEffect">
+                                  <p:stCondLst>
+                                    <p:cond delay="0"/>
+                                  </p:stCondLst>
+                                  <p:childTnLst>
+                                    <p:set>
+                                      <p:cBhvr>
+                                        <p:cTn id="22" dur="1" fill="hold">
+                                          <p:stCondLst>
+                                            <p:cond delay="0"/>
+                                          </p:stCondLst>
+                                        </p:cTn>
+                                        <p:tgtEl>
+                                          <p:spTgt spid="6"/>
+                                        </p:tgtEl>
+                                        <p:attrNameLst>
+                                          <p:attrName>style.visibility</p:attrName>
+                                        </p:attrNameLst>
+                                      </p:cBhvr>
+                                      <p:to>
+                                        <p:strVal val="visible"/>
+                                      </p:to>
+                                    </p:set>
+                                    <p:animEffect transition="in" filter="fade">
+                                      <p:cBhvr>
+                                        <p:cTn id="23" dur="1000"/>
+                                        <p:tgtEl>
+                                          <p:spTgt spid="6"/>
+                                        </p:tgtEl>
+                                      </p:cBhvr>
+                                    </p:animEffect>
+                                  </p:childTnLst>
+                                </p:cTn>
+                              </p:par>
+                            </p:childTnLst>
+                          </p:cTn>
+                        </p:par>
+                      </p:childTnLst>
+                    </p:cTn>
+                  </p:par>
+                  <p:par>
+                    <p:cTn id="24" fill="hold">
+                      <p:stCondLst>
+                        <p:cond delay="indefinite"/>
+                      </p:stCondLst>
+                      <p:childTnLst>
+                        <p:par>
+                          <p:cTn id="25" fill="hold">
+                            <p:stCondLst>
+                              <p:cond delay="0"/>
+                            </p:stCondLst>
+                            <p:childTnLst>
+                              <p:par>
+                                <p:cTn id="26" presetID="20" presetClass="entr" presetSubtype="0" fill="hold" nodeType="clickEffect">
+                                  <p:stCondLst>
+                                    <p:cond delay="0"/>
+                                  </p:stCondLst>
+                                  <p:childTnLst>
+                                    <p:set>
+                                      <p:cBhvr>
+                                        <p:cTn id="27" dur="1" fill="hold">
+                                          <p:stCondLst>
+                                            <p:cond delay="0"/>
+                                          </p:stCondLst>
+                                        </p:cTn>
+                                        <p:tgtEl>
+                                          <p:spTgt spid="12"/>
+                                        </p:tgtEl>
+                                        <p:attrNameLst>
+                                          <p:attrName>style.visibility</p:attrName>
+                                        </p:attrNameLst>
+                                      </p:cBhvr>
+                                      <p:to>
+                                        <p:strVal val="visible"/>
+                                      </p:to>
+                                    </p:set>
+                                    <p:animEffect transition="in" filter="wedge">
+                                      <p:cBhvr>
+                                        <p:cTn id="28" dur="1000"/>
+                                        <p:tgtEl>
+                                          <p:spTgt spid="12"/>
+                                        </p:tgtEl>
+                                      </p:cBhvr>
+                                    </p:animEffect>
+                                  </p:childTnLst>
+                                </p:cTn>
+                              </p:par>
+                            </p:childTnLst>
+                          </p:cTn>
+                        </p:par>
+                        <p:par>
+                          <p:cTn id="29" fill="hold">
+                            <p:stCondLst>
+                              <p:cond delay="1000"/>
+                            </p:stCondLst>
+                            <p:childTnLst>
+                              <p:par>
+                                <p:cTn id="30" presetID="50" presetClass="entr" presetSubtype="0" decel="100000" fill="hold" nodeType="afterEffect">
+                                  <p:stCondLst>
+                                    <p:cond delay="0"/>
+                                  </p:stCondLst>
+                                  <p:childTnLst>
+                                    <p:set>
+                                      <p:cBhvr>
+                                        <p:cTn id="31" dur="1" fill="hold">
+                                          <p:stCondLst>
+                                            <p:cond delay="0"/>
+                                          </p:stCondLst>
+                                        </p:cTn>
+                                        <p:tgtEl>
+                                          <p:spTgt spid="7"/>
+                                        </p:tgtEl>
+                                        <p:attrNameLst>
+                                          <p:attrName>style.visibility</p:attrName>
+                                        </p:attrNameLst>
+                                      </p:cBhvr>
+                                      <p:to>
+                                        <p:strVal val="visible"/>
+                                      </p:to>
+                                    </p:set>
+                                    <p:anim calcmode="lin" valueType="num">
+                                      <p:cBhvr>
+                                        <p:cTn id="32" dur="1000" fill="hold"/>
+                                        <p:tgtEl>
+                                          <p:spTgt spid="7"/>
+                                        </p:tgtEl>
+                                        <p:attrNameLst>
+                                          <p:attrName>ppt_w</p:attrName>
+                                        </p:attrNameLst>
+                                      </p:cBhvr>
+                                      <p:tavLst>
+                                        <p:tav tm="0">
+                                          <p:val>
+                                            <p:strVal val="#ppt_w+.3"/>
+                                          </p:val>
+                                        </p:tav>
+                                        <p:tav tm="100000">
+                                          <p:val>
+                                            <p:strVal val="#ppt_w"/>
+                                          </p:val>
+                                        </p:tav>
+                                      </p:tavLst>
+                                    </p:anim>
+                                    <p:anim calcmode="lin" valueType="num">
+                                      <p:cBhvr>
+                                        <p:cTn id="33" dur="1000" fill="hold"/>
+                                        <p:tgtEl>
+                                          <p:spTgt spid="7"/>
+                                        </p:tgtEl>
+                                        <p:attrNameLst>
+                                          <p:attrName>ppt_h</p:attrName>
+                                        </p:attrNameLst>
+                                      </p:cBhvr>
+                                      <p:tavLst>
+                                        <p:tav tm="0">
+                                          <p:val>
+                                            <p:strVal val="#ppt_h"/>
+                                          </p:val>
+                                        </p:tav>
+                                        <p:tav tm="100000">
+                                          <p:val>
+                                            <p:strVal val="#ppt_h"/>
+                                          </p:val>
+                                        </p:tav>
+                                      </p:tavLst>
+                                    </p:anim>
+                                    <p:animEffect transition="in" filter="fade">
+                                      <p:cBhvr>
+                                        <p:cTn id="34" dur="1000"/>
+                                        <p:tgtEl>
+                                          <p:spTgt spid="7"/>
+                                        </p:tgtEl>
+                                      </p:cBhvr>
+                                    </p:animEffect>
+                                  </p:childTnLst>
+                                </p:cTn>
+                              </p:par>
+                              <p:par>
+                                <p:cTn id="35" presetID="50" presetClass="entr" presetSubtype="0" decel="100000" fill="hold" nodeType="withEffect">
+                                  <p:stCondLst>
+                                    <p:cond delay="0"/>
+                                  </p:stCondLst>
+                                  <p:childTnLst>
+                                    <p:set>
+                                      <p:cBhvr>
+                                        <p:cTn id="36" dur="1" fill="hold">
+                                          <p:stCondLst>
+                                            <p:cond delay="0"/>
+                                          </p:stCondLst>
+                                        </p:cTn>
+                                        <p:tgtEl>
+                                          <p:spTgt spid="8"/>
+                                        </p:tgtEl>
+                                        <p:attrNameLst>
+                                          <p:attrName>style.visibility</p:attrName>
+                                        </p:attrNameLst>
+                                      </p:cBhvr>
+                                      <p:to>
+                                        <p:strVal val="visible"/>
+                                      </p:to>
+                                    </p:set>
+                                    <p:anim calcmode="lin" valueType="num">
+                                      <p:cBhvr>
+                                        <p:cTn id="37" dur="1000" fill="hold"/>
+                                        <p:tgtEl>
+                                          <p:spTgt spid="8"/>
+                                        </p:tgtEl>
+                                        <p:attrNameLst>
+                                          <p:attrName>ppt_w</p:attrName>
+                                        </p:attrNameLst>
+                                      </p:cBhvr>
+                                      <p:tavLst>
+                                        <p:tav tm="0">
+                                          <p:val>
+                                            <p:strVal val="#ppt_w+.3"/>
+                                          </p:val>
+                                        </p:tav>
+                                        <p:tav tm="100000">
+                                          <p:val>
+                                            <p:strVal val="#ppt_w"/>
+                                          </p:val>
+                                        </p:tav>
+                                      </p:tavLst>
+                                    </p:anim>
+                                    <p:anim calcmode="lin" valueType="num">
+                                      <p:cBhvr>
+                                        <p:cTn id="38" dur="1000" fill="hold"/>
+                                        <p:tgtEl>
+                                          <p:spTgt spid="8"/>
+                                        </p:tgtEl>
+                                        <p:attrNameLst>
+                                          <p:attrName>ppt_h</p:attrName>
+                                        </p:attrNameLst>
+                                      </p:cBhvr>
+                                      <p:tavLst>
+                                        <p:tav tm="0">
+                                          <p:val>
+                                            <p:strVal val="#ppt_h"/>
+                                          </p:val>
+                                        </p:tav>
+                                        <p:tav tm="100000">
+                                          <p:val>
+                                            <p:strVal val="#ppt_h"/>
+                                          </p:val>
+                                        </p:tav>
+                                      </p:tavLst>
+                                    </p:anim>
+                                    <p:animEffect transition="in" filter="fade">
+                                      <p:cBhvr>
+                                        <p:cTn id="39" dur="1000"/>
+                                        <p:tgtEl>
+                                          <p:spTgt spid="8"/>
+                                        </p:tgtEl>
+                                      </p:cBhvr>
+                                    </p:animEffect>
+                                  </p:childTnLst>
+                                </p:cTn>
+                              </p:par>
+                              <p:par>
+                                <p:cTn id="40" presetID="50" presetClass="entr" presetSubtype="0" decel="100000" fill="hold" nodeType="withEffect">
+                                  <p:stCondLst>
+                                    <p:cond delay="0"/>
+                                  </p:stCondLst>
+                                  <p:childTnLst>
+                                    <p:set>
+                                      <p:cBhvr>
+                                        <p:cTn id="41" dur="1" fill="hold">
+                                          <p:stCondLst>
+                                            <p:cond delay="0"/>
+                                          </p:stCondLst>
+                                        </p:cTn>
+                                        <p:tgtEl>
+                                          <p:spTgt spid="9"/>
+                                        </p:tgtEl>
+                                        <p:attrNameLst>
+                                          <p:attrName>style.visibility</p:attrName>
+                                        </p:attrNameLst>
+                                      </p:cBhvr>
+                                      <p:to>
+                                        <p:strVal val="visible"/>
+                                      </p:to>
+                                    </p:set>
+                                    <p:anim calcmode="lin" valueType="num">
+                                      <p:cBhvr>
+                                        <p:cTn id="42" dur="1000" fill="hold"/>
+                                        <p:tgtEl>
+                                          <p:spTgt spid="9"/>
+                                        </p:tgtEl>
+                                        <p:attrNameLst>
+                                          <p:attrName>ppt_w</p:attrName>
+                                        </p:attrNameLst>
+                                      </p:cBhvr>
+                                      <p:tavLst>
+                                        <p:tav tm="0">
+                                          <p:val>
+                                            <p:strVal val="#ppt_w+.3"/>
+                                          </p:val>
+                                        </p:tav>
+                                        <p:tav tm="100000">
+                                          <p:val>
+                                            <p:strVal val="#ppt_w"/>
+                                          </p:val>
+                                        </p:tav>
+                                      </p:tavLst>
+                                    </p:anim>
+                                    <p:anim calcmode="lin" valueType="num">
+                                      <p:cBhvr>
+                                        <p:cTn id="43" dur="1000" fill="hold"/>
+                                        <p:tgtEl>
+                                          <p:spTgt spid="9"/>
+                                        </p:tgtEl>
+                                        <p:attrNameLst>
+                                          <p:attrName>ppt_h</p:attrName>
+                                        </p:attrNameLst>
+                                      </p:cBhvr>
+                                      <p:tavLst>
+                                        <p:tav tm="0">
+                                          <p:val>
+                                            <p:strVal val="#ppt_h"/>
+                                          </p:val>
+                                        </p:tav>
+                                        <p:tav tm="100000">
+                                          <p:val>
+                                            <p:strVal val="#ppt_h"/>
+                                          </p:val>
+                                        </p:tav>
+                                      </p:tavLst>
+                                    </p:anim>
+                                    <p:animEffect transition="in" filter="fade">
+                                      <p:cBhvr>
+                                        <p:cTn id="44" dur="1000"/>
+                                        <p:tgtEl>
+                                          <p:spTgt spid="9"/>
+                                        </p:tgtEl>
+                                      </p:cBhvr>
+                                    </p:animEffect>
+                                  </p:childTnLst>
+                                </p:cTn>
+                              </p:par>
+                              <p:par>
+                                <p:cTn id="45" presetID="50" presetClass="entr" presetSubtype="0" decel="100000" fill="hold" grpId="0" nodeType="withEffect">
+                                  <p:stCondLst>
+                                    <p:cond delay="0"/>
+                                  </p:stCondLst>
+                                  <p:childTnLst>
+                                    <p:set>
+                                      <p:cBhvr>
+                                        <p:cTn id="46" dur="1" fill="hold">
+                                          <p:stCondLst>
+                                            <p:cond delay="0"/>
+                                          </p:stCondLst>
+                                        </p:cTn>
+                                        <p:tgtEl>
+                                          <p:spTgt spid="11"/>
+                                        </p:tgtEl>
+                                        <p:attrNameLst>
+                                          <p:attrName>style.visibility</p:attrName>
+                                        </p:attrNameLst>
+                                      </p:cBhvr>
+                                      <p:to>
+                                        <p:strVal val="visible"/>
+                                      </p:to>
+                                    </p:set>
+                                    <p:anim calcmode="lin" valueType="num">
+                                      <p:cBhvr>
+                                        <p:cTn id="47" dur="1000" fill="hold"/>
+                                        <p:tgtEl>
+                                          <p:spTgt spid="11"/>
+                                        </p:tgtEl>
+                                        <p:attrNameLst>
+                                          <p:attrName>ppt_w</p:attrName>
+                                        </p:attrNameLst>
+                                      </p:cBhvr>
+                                      <p:tavLst>
+                                        <p:tav tm="0">
+                                          <p:val>
+                                            <p:strVal val="#ppt_w+.3"/>
+                                          </p:val>
+                                        </p:tav>
+                                        <p:tav tm="100000">
+                                          <p:val>
+                                            <p:strVal val="#ppt_w"/>
+                                          </p:val>
+                                        </p:tav>
+                                      </p:tavLst>
+                                    </p:anim>
+                                    <p:anim calcmode="lin" valueType="num">
+                                      <p:cBhvr>
+                                        <p:cTn id="48" dur="1000" fill="hold"/>
+                                        <p:tgtEl>
+                                          <p:spTgt spid="11"/>
+                                        </p:tgtEl>
+                                        <p:attrNameLst>
+                                          <p:attrName>ppt_h</p:attrName>
+                                        </p:attrNameLst>
+                                      </p:cBhvr>
+                                      <p:tavLst>
+                                        <p:tav tm="0">
+                                          <p:val>
+                                            <p:strVal val="#ppt_h"/>
+                                          </p:val>
+                                        </p:tav>
+                                        <p:tav tm="100000">
+                                          <p:val>
+                                            <p:strVal val="#ppt_h"/>
+                                          </p:val>
+                                        </p:tav>
+                                      </p:tavLst>
+                                    </p:anim>
+                                    <p:animEffect transition="in" filter="fade">
+                                      <p:cBhvr>
+                                        <p:cTn id="49" dur="1000"/>
+                                        <p:tgtEl>
+                                          <p:spTgt spid="11"/>
+                                        </p:tgtEl>
+                                      </p:cBhvr>
+                                    </p:animEffect>
+                                  </p:childTnLst>
+                                </p:cTn>
+                              </p:par>
+                            </p:childTnLst>
+                          </p:cTn>
+                        </p:par>
+                      </p:childTnLst>
+                    </p:cTn>
+                  </p:par>
+                </p:childTnLst>
+              </p:cTn>
+              <p:prevCondLst>
+                <p:cond evt="onPrev" delay="0">
+                  <p:tgtEl>
+                    <p:sldTgt/>
+                  </p:tgtEl>
+                </p:cond>
+              </p:prevCondLst>
+              <p:nextCondLst>
+                <p:cond evt="onNext" delay="0">
+                  <p:tgtEl>
+                    <p:sldTgt/>
+                  </p:tgtEl>
+                </p:cond>
+              </p:nextCondLst>
+            </p:seq>
+          </p:childTnLst>
+        </p:cTn>
       </p:par>
     </p:tnLst>
+    <p:bldLst>
+      <p:bldP spid="10" grpId="0" animBg="1"/>
+      <p:bldP spid="11" grpId="0" animBg="1"/>
+    </p:bldLst>
   </p:timing>
 </p:sld>
 </file>
@@ -13403,9 +17668,1279 @@
   <p:timing>
     <p:tnLst>
       <p:par>
-        <p:cTn id="1" dur="indefinite" restart="never" nodeType="tmRoot"/>
+        <p:cTn id="1" dur="indefinite" restart="never" nodeType="tmRoot">
+          <p:childTnLst>
+            <p:seq concurrent="1" nextAc="seek">
+              <p:cTn id="2" dur="indefinite" nodeType="mainSeq">
+                <p:childTnLst>
+                  <p:par>
+                    <p:cTn id="3" fill="hold">
+                      <p:stCondLst>
+                        <p:cond delay="indefinite"/>
+                      </p:stCondLst>
+                      <p:childTnLst>
+                        <p:par>
+                          <p:cTn id="4" fill="hold">
+                            <p:stCondLst>
+                              <p:cond delay="0"/>
+                            </p:stCondLst>
+                            <p:childTnLst>
+                              <p:par>
+                                <p:cTn id="5" presetID="10" presetClass="entr" presetSubtype="0" fill="hold" nodeType="clickEffect">
+                                  <p:stCondLst>
+                                    <p:cond delay="0"/>
+                                  </p:stCondLst>
+                                  <p:childTnLst>
+                                    <p:set>
+                                      <p:cBhvr>
+                                        <p:cTn id="6" dur="1" fill="hold">
+                                          <p:stCondLst>
+                                            <p:cond delay="0"/>
+                                          </p:stCondLst>
+                                        </p:cTn>
+                                        <p:tgtEl>
+                                          <p:spTgt spid="5"/>
+                                        </p:tgtEl>
+                                        <p:attrNameLst>
+                                          <p:attrName>style.visibility</p:attrName>
+                                        </p:attrNameLst>
+                                      </p:cBhvr>
+                                      <p:to>
+                                        <p:strVal val="visible"/>
+                                      </p:to>
+                                    </p:set>
+                                    <p:animEffect transition="in" filter="fade">
+                                      <p:cBhvr>
+                                        <p:cTn id="7" dur="1000"/>
+                                        <p:tgtEl>
+                                          <p:spTgt spid="5"/>
+                                        </p:tgtEl>
+                                      </p:cBhvr>
+                                    </p:animEffect>
+                                  </p:childTnLst>
+                                </p:cTn>
+                              </p:par>
+                            </p:childTnLst>
+                          </p:cTn>
+                        </p:par>
+                      </p:childTnLst>
+                    </p:cTn>
+                  </p:par>
+                  <p:par>
+                    <p:cTn id="8" fill="hold">
+                      <p:stCondLst>
+                        <p:cond delay="indefinite"/>
+                      </p:stCondLst>
+                      <p:childTnLst>
+                        <p:par>
+                          <p:cTn id="9" fill="hold">
+                            <p:stCondLst>
+                              <p:cond delay="0"/>
+                            </p:stCondLst>
+                            <p:childTnLst>
+                              <p:par>
+                                <p:cTn id="10" presetID="53" presetClass="entr" presetSubtype="0" fill="hold" nodeType="clickEffect">
+                                  <p:stCondLst>
+                                    <p:cond delay="0"/>
+                                  </p:stCondLst>
+                                  <p:childTnLst>
+                                    <p:set>
+                                      <p:cBhvr>
+                                        <p:cTn id="11" dur="1" fill="hold">
+                                          <p:stCondLst>
+                                            <p:cond delay="0"/>
+                                          </p:stCondLst>
+                                        </p:cTn>
+                                        <p:tgtEl>
+                                          <p:spTgt spid="4"/>
+                                        </p:tgtEl>
+                                        <p:attrNameLst>
+                                          <p:attrName>style.visibility</p:attrName>
+                                        </p:attrNameLst>
+                                      </p:cBhvr>
+                                      <p:to>
+                                        <p:strVal val="visible"/>
+                                      </p:to>
+                                    </p:set>
+                                    <p:anim calcmode="lin" valueType="num">
+                                      <p:cBhvr>
+                                        <p:cTn id="12" dur="500" fill="hold"/>
+                                        <p:tgtEl>
+                                          <p:spTgt spid="4"/>
+                                        </p:tgtEl>
+                                        <p:attrNameLst>
+                                          <p:attrName>ppt_w</p:attrName>
+                                        </p:attrNameLst>
+                                      </p:cBhvr>
+                                      <p:tavLst>
+                                        <p:tav tm="0">
+                                          <p:val>
+                                            <p:fltVal val="0"/>
+                                          </p:val>
+                                        </p:tav>
+                                        <p:tav tm="100000">
+                                          <p:val>
+                                            <p:strVal val="#ppt_w"/>
+                                          </p:val>
+                                        </p:tav>
+                                      </p:tavLst>
+                                    </p:anim>
+                                    <p:anim calcmode="lin" valueType="num">
+                                      <p:cBhvr>
+                                        <p:cTn id="13" dur="500" fill="hold"/>
+                                        <p:tgtEl>
+                                          <p:spTgt spid="4"/>
+                                        </p:tgtEl>
+                                        <p:attrNameLst>
+                                          <p:attrName>ppt_h</p:attrName>
+                                        </p:attrNameLst>
+                                      </p:cBhvr>
+                                      <p:tavLst>
+                                        <p:tav tm="0">
+                                          <p:val>
+                                            <p:fltVal val="0"/>
+                                          </p:val>
+                                        </p:tav>
+                                        <p:tav tm="100000">
+                                          <p:val>
+                                            <p:strVal val="#ppt_h"/>
+                                          </p:val>
+                                        </p:tav>
+                                      </p:tavLst>
+                                    </p:anim>
+                                    <p:animEffect transition="in" filter="fade">
+                                      <p:cBhvr>
+                                        <p:cTn id="14" dur="500"/>
+                                        <p:tgtEl>
+                                          <p:spTgt spid="4"/>
+                                        </p:tgtEl>
+                                      </p:cBhvr>
+                                    </p:animEffect>
+                                  </p:childTnLst>
+                                </p:cTn>
+                              </p:par>
+                            </p:childTnLst>
+                          </p:cTn>
+                        </p:par>
+                      </p:childTnLst>
+                    </p:cTn>
+                  </p:par>
+                  <p:par>
+                    <p:cTn id="15" fill="hold">
+                      <p:stCondLst>
+                        <p:cond delay="indefinite"/>
+                      </p:stCondLst>
+                      <p:childTnLst>
+                        <p:par>
+                          <p:cTn id="16" fill="hold">
+                            <p:stCondLst>
+                              <p:cond delay="0"/>
+                            </p:stCondLst>
+                            <p:childTnLst>
+                              <p:par>
+                                <p:cTn id="17" presetID="21" presetClass="entr" presetSubtype="4" fill="hold" grpId="0" nodeType="clickEffect">
+                                  <p:stCondLst>
+                                    <p:cond delay="0"/>
+                                  </p:stCondLst>
+                                  <p:childTnLst>
+                                    <p:set>
+                                      <p:cBhvr>
+                                        <p:cTn id="18" dur="1" fill="hold">
+                                          <p:stCondLst>
+                                            <p:cond delay="0"/>
+                                          </p:stCondLst>
+                                        </p:cTn>
+                                        <p:tgtEl>
+                                          <p:spTgt spid="6"/>
+                                        </p:tgtEl>
+                                        <p:attrNameLst>
+                                          <p:attrName>style.visibility</p:attrName>
+                                        </p:attrNameLst>
+                                      </p:cBhvr>
+                                      <p:to>
+                                        <p:strVal val="visible"/>
+                                      </p:to>
+                                    </p:set>
+                                    <p:animEffect transition="in" filter="wheel(4)">
+                                      <p:cBhvr>
+                                        <p:cTn id="19" dur="1000"/>
+                                        <p:tgtEl>
+                                          <p:spTgt spid="6"/>
+                                        </p:tgtEl>
+                                      </p:cBhvr>
+                                    </p:animEffect>
+                                  </p:childTnLst>
+                                </p:cTn>
+                              </p:par>
+                            </p:childTnLst>
+                          </p:cTn>
+                        </p:par>
+                      </p:childTnLst>
+                    </p:cTn>
+                  </p:par>
+                  <p:par>
+                    <p:cTn id="20" fill="hold">
+                      <p:stCondLst>
+                        <p:cond delay="indefinite"/>
+                      </p:stCondLst>
+                      <p:childTnLst>
+                        <p:par>
+                          <p:cTn id="21" fill="hold">
+                            <p:stCondLst>
+                              <p:cond delay="0"/>
+                            </p:stCondLst>
+                            <p:childTnLst>
+                              <p:par>
+                                <p:cTn id="22" presetID="21" presetClass="entr" presetSubtype="4" fill="hold" nodeType="clickEffect">
+                                  <p:stCondLst>
+                                    <p:cond delay="0"/>
+                                  </p:stCondLst>
+                                  <p:childTnLst>
+                                    <p:set>
+                                      <p:cBhvr>
+                                        <p:cTn id="23" dur="1" fill="hold">
+                                          <p:stCondLst>
+                                            <p:cond delay="0"/>
+                                          </p:stCondLst>
+                                        </p:cTn>
+                                        <p:tgtEl>
+                                          <p:spTgt spid="8"/>
+                                        </p:tgtEl>
+                                        <p:attrNameLst>
+                                          <p:attrName>style.visibility</p:attrName>
+                                        </p:attrNameLst>
+                                      </p:cBhvr>
+                                      <p:to>
+                                        <p:strVal val="visible"/>
+                                      </p:to>
+                                    </p:set>
+                                    <p:animEffect transition="in" filter="wheel(4)">
+                                      <p:cBhvr>
+                                        <p:cTn id="24" dur="1000"/>
+                                        <p:tgtEl>
+                                          <p:spTgt spid="8"/>
+                                        </p:tgtEl>
+                                      </p:cBhvr>
+                                    </p:animEffect>
+                                  </p:childTnLst>
+                                </p:cTn>
+                              </p:par>
+                            </p:childTnLst>
+                          </p:cTn>
+                        </p:par>
+                      </p:childTnLst>
+                    </p:cTn>
+                  </p:par>
+                  <p:par>
+                    <p:cTn id="25" fill="hold">
+                      <p:stCondLst>
+                        <p:cond delay="indefinite"/>
+                      </p:stCondLst>
+                      <p:childTnLst>
+                        <p:par>
+                          <p:cTn id="26" fill="hold">
+                            <p:stCondLst>
+                              <p:cond delay="0"/>
+                            </p:stCondLst>
+                            <p:childTnLst>
+                              <p:par>
+                                <p:cTn id="27" presetID="21" presetClass="entr" presetSubtype="4" fill="hold" nodeType="clickEffect">
+                                  <p:stCondLst>
+                                    <p:cond delay="0"/>
+                                  </p:stCondLst>
+                                  <p:childTnLst>
+                                    <p:set>
+                                      <p:cBhvr>
+                                        <p:cTn id="28" dur="1" fill="hold">
+                                          <p:stCondLst>
+                                            <p:cond delay="0"/>
+                                          </p:stCondLst>
+                                        </p:cTn>
+                                        <p:tgtEl>
+                                          <p:spTgt spid="9"/>
+                                        </p:tgtEl>
+                                        <p:attrNameLst>
+                                          <p:attrName>style.visibility</p:attrName>
+                                        </p:attrNameLst>
+                                      </p:cBhvr>
+                                      <p:to>
+                                        <p:strVal val="visible"/>
+                                      </p:to>
+                                    </p:set>
+                                    <p:animEffect transition="in" filter="wheel(4)">
+                                      <p:cBhvr>
+                                        <p:cTn id="29" dur="1000"/>
+                                        <p:tgtEl>
+                                          <p:spTgt spid="9"/>
+                                        </p:tgtEl>
+                                      </p:cBhvr>
+                                    </p:animEffect>
+                                  </p:childTnLst>
+                                </p:cTn>
+                              </p:par>
+                            </p:childTnLst>
+                          </p:cTn>
+                        </p:par>
+                      </p:childTnLst>
+                    </p:cTn>
+                  </p:par>
+                  <p:par>
+                    <p:cTn id="30" fill="hold">
+                      <p:stCondLst>
+                        <p:cond delay="indefinite"/>
+                      </p:stCondLst>
+                      <p:childTnLst>
+                        <p:par>
+                          <p:cTn id="31" fill="hold">
+                            <p:stCondLst>
+                              <p:cond delay="0"/>
+                            </p:stCondLst>
+                            <p:childTnLst>
+                              <p:par>
+                                <p:cTn id="32" presetID="25" presetClass="entr" presetSubtype="0" fill="hold" nodeType="clickEffect">
+                                  <p:stCondLst>
+                                    <p:cond delay="0"/>
+                                  </p:stCondLst>
+                                  <p:childTnLst>
+                                    <p:set>
+                                      <p:cBhvr>
+                                        <p:cTn id="33" dur="1" fill="hold">
+                                          <p:stCondLst>
+                                            <p:cond delay="0"/>
+                                          </p:stCondLst>
+                                        </p:cTn>
+                                        <p:tgtEl>
+                                          <p:spTgt spid="10"/>
+                                        </p:tgtEl>
+                                        <p:attrNameLst>
+                                          <p:attrName>style.visibility</p:attrName>
+                                        </p:attrNameLst>
+                                      </p:cBhvr>
+                                      <p:to>
+                                        <p:strVal val="visible"/>
+                                      </p:to>
+                                    </p:set>
+                                    <p:anim calcmode="lin" valueType="num">
+                                      <p:cBhvr>
+                                        <p:cTn id="34" dur="500" decel="50000" fill="hold">
+                                          <p:stCondLst>
+                                            <p:cond delay="0"/>
+                                          </p:stCondLst>
+                                        </p:cTn>
+                                        <p:tgtEl>
+                                          <p:spTgt spid="10"/>
+                                        </p:tgtEl>
+                                        <p:attrNameLst>
+                                          <p:attrName>style.rotation</p:attrName>
+                                        </p:attrNameLst>
+                                      </p:cBhvr>
+                                      <p:tavLst>
+                                        <p:tav tm="0">
+                                          <p:val>
+                                            <p:fltVal val="-90"/>
+                                          </p:val>
+                                        </p:tav>
+                                        <p:tav tm="100000">
+                                          <p:val>
+                                            <p:fltVal val="0"/>
+                                          </p:val>
+                                        </p:tav>
+                                      </p:tavLst>
+                                    </p:anim>
+                                    <p:anim calcmode="lin" valueType="num">
+                                      <p:cBhvr>
+                                        <p:cTn id="35" dur="500" decel="50000" fill="hold">
+                                          <p:stCondLst>
+                                            <p:cond delay="0"/>
+                                          </p:stCondLst>
+                                        </p:cTn>
+                                        <p:tgtEl>
+                                          <p:spTgt spid="10"/>
+                                        </p:tgtEl>
+                                        <p:attrNameLst>
+                                          <p:attrName>ppt_w</p:attrName>
+                                        </p:attrNameLst>
+                                      </p:cBhvr>
+                                      <p:tavLst>
+                                        <p:tav tm="0">
+                                          <p:val>
+                                            <p:strVal val="#ppt_w"/>
+                                          </p:val>
+                                        </p:tav>
+                                        <p:tav tm="100000">
+                                          <p:val>
+                                            <p:strVal val="#ppt_w*.05"/>
+                                          </p:val>
+                                        </p:tav>
+                                      </p:tavLst>
+                                    </p:anim>
+                                    <p:anim calcmode="lin" valueType="num">
+                                      <p:cBhvr>
+                                        <p:cTn id="36" dur="500" accel="50000" fill="hold">
+                                          <p:stCondLst>
+                                            <p:cond delay="500"/>
+                                          </p:stCondLst>
+                                        </p:cTn>
+                                        <p:tgtEl>
+                                          <p:spTgt spid="10"/>
+                                        </p:tgtEl>
+                                        <p:attrNameLst>
+                                          <p:attrName>ppt_w</p:attrName>
+                                        </p:attrNameLst>
+                                      </p:cBhvr>
+                                      <p:tavLst>
+                                        <p:tav tm="0">
+                                          <p:val>
+                                            <p:strVal val="#ppt_w*.05"/>
+                                          </p:val>
+                                        </p:tav>
+                                        <p:tav tm="100000">
+                                          <p:val>
+                                            <p:strVal val="#ppt_w"/>
+                                          </p:val>
+                                        </p:tav>
+                                      </p:tavLst>
+                                    </p:anim>
+                                    <p:anim calcmode="lin" valueType="num">
+                                      <p:cBhvr>
+                                        <p:cTn id="37" dur="1000" fill="hold"/>
+                                        <p:tgtEl>
+                                          <p:spTgt spid="10"/>
+                                        </p:tgtEl>
+                                        <p:attrNameLst>
+                                          <p:attrName>ppt_h</p:attrName>
+                                        </p:attrNameLst>
+                                      </p:cBhvr>
+                                      <p:tavLst>
+                                        <p:tav tm="0">
+                                          <p:val>
+                                            <p:strVal val="#ppt_h"/>
+                                          </p:val>
+                                        </p:tav>
+                                        <p:tav tm="100000">
+                                          <p:val>
+                                            <p:strVal val="#ppt_h"/>
+                                          </p:val>
+                                        </p:tav>
+                                      </p:tavLst>
+                                    </p:anim>
+                                    <p:anim calcmode="lin" valueType="num">
+                                      <p:cBhvr>
+                                        <p:cTn id="38" dur="500" decel="50000" fill="hold">
+                                          <p:stCondLst>
+                                            <p:cond delay="0"/>
+                                          </p:stCondLst>
+                                        </p:cTn>
+                                        <p:tgtEl>
+                                          <p:spTgt spid="10"/>
+                                        </p:tgtEl>
+                                        <p:attrNameLst>
+                                          <p:attrName>ppt_x</p:attrName>
+                                        </p:attrNameLst>
+                                      </p:cBhvr>
+                                      <p:tavLst>
+                                        <p:tav tm="0">
+                                          <p:val>
+                                            <p:strVal val="#ppt_x+.4"/>
+                                          </p:val>
+                                        </p:tav>
+                                        <p:tav tm="100000">
+                                          <p:val>
+                                            <p:strVal val="#ppt_x"/>
+                                          </p:val>
+                                        </p:tav>
+                                      </p:tavLst>
+                                    </p:anim>
+                                    <p:anim calcmode="lin" valueType="num">
+                                      <p:cBhvr>
+                                        <p:cTn id="39" dur="500" decel="50000" fill="hold">
+                                          <p:stCondLst>
+                                            <p:cond delay="0"/>
+                                          </p:stCondLst>
+                                        </p:cTn>
+                                        <p:tgtEl>
+                                          <p:spTgt spid="10"/>
+                                        </p:tgtEl>
+                                        <p:attrNameLst>
+                                          <p:attrName>ppt_y</p:attrName>
+                                        </p:attrNameLst>
+                                      </p:cBhvr>
+                                      <p:tavLst>
+                                        <p:tav tm="0">
+                                          <p:val>
+                                            <p:strVal val="#ppt_y-.2"/>
+                                          </p:val>
+                                        </p:tav>
+                                        <p:tav tm="100000">
+                                          <p:val>
+                                            <p:strVal val="#ppt_y+.1"/>
+                                          </p:val>
+                                        </p:tav>
+                                      </p:tavLst>
+                                    </p:anim>
+                                    <p:anim calcmode="lin" valueType="num">
+                                      <p:cBhvr>
+                                        <p:cTn id="40" dur="500" accel="50000" fill="hold">
+                                          <p:stCondLst>
+                                            <p:cond delay="500"/>
+                                          </p:stCondLst>
+                                        </p:cTn>
+                                        <p:tgtEl>
+                                          <p:spTgt spid="10"/>
+                                        </p:tgtEl>
+                                        <p:attrNameLst>
+                                          <p:attrName>ppt_y</p:attrName>
+                                        </p:attrNameLst>
+                                      </p:cBhvr>
+                                      <p:tavLst>
+                                        <p:tav tm="0">
+                                          <p:val>
+                                            <p:strVal val="#ppt_y+.1"/>
+                                          </p:val>
+                                        </p:tav>
+                                        <p:tav tm="100000">
+                                          <p:val>
+                                            <p:strVal val="#ppt_y"/>
+                                          </p:val>
+                                        </p:tav>
+                                      </p:tavLst>
+                                    </p:anim>
+                                    <p:animEffect transition="in" filter="fade">
+                                      <p:cBhvr>
+                                        <p:cTn id="41" dur="1000" decel="50000">
+                                          <p:stCondLst>
+                                            <p:cond delay="0"/>
+                                          </p:stCondLst>
+                                        </p:cTn>
+                                        <p:tgtEl>
+                                          <p:spTgt spid="10"/>
+                                        </p:tgtEl>
+                                      </p:cBhvr>
+                                    </p:animEffect>
+                                  </p:childTnLst>
+                                </p:cTn>
+                              </p:par>
+                            </p:childTnLst>
+                          </p:cTn>
+                        </p:par>
+                      </p:childTnLst>
+                    </p:cTn>
+                  </p:par>
+                  <p:par>
+                    <p:cTn id="42" fill="hold">
+                      <p:stCondLst>
+                        <p:cond delay="indefinite"/>
+                      </p:stCondLst>
+                      <p:childTnLst>
+                        <p:par>
+                          <p:cTn id="43" fill="hold">
+                            <p:stCondLst>
+                              <p:cond delay="0"/>
+                            </p:stCondLst>
+                            <p:childTnLst>
+                              <p:par>
+                                <p:cTn id="44" presetID="42" presetClass="entr" presetSubtype="0" fill="hold" grpId="0" nodeType="clickEffect">
+                                  <p:stCondLst>
+                                    <p:cond delay="0"/>
+                                  </p:stCondLst>
+                                  <p:childTnLst>
+                                    <p:set>
+                                      <p:cBhvr>
+                                        <p:cTn id="45" dur="1" fill="hold">
+                                          <p:stCondLst>
+                                            <p:cond delay="0"/>
+                                          </p:stCondLst>
+                                        </p:cTn>
+                                        <p:tgtEl>
+                                          <p:spTgt spid="3">
+                                            <p:txEl>
+                                              <p:pRg st="0" end="0"/>
+                                            </p:txEl>
+                                          </p:spTgt>
+                                        </p:tgtEl>
+                                        <p:attrNameLst>
+                                          <p:attrName>style.visibility</p:attrName>
+                                        </p:attrNameLst>
+                                      </p:cBhvr>
+                                      <p:to>
+                                        <p:strVal val="visible"/>
+                                      </p:to>
+                                    </p:set>
+                                    <p:animEffect transition="in" filter="fade">
+                                      <p:cBhvr>
+                                        <p:cTn id="46" dur="1000"/>
+                                        <p:tgtEl>
+                                          <p:spTgt spid="3">
+                                            <p:txEl>
+                                              <p:pRg st="0" end="0"/>
+                                            </p:txEl>
+                                          </p:spTgt>
+                                        </p:tgtEl>
+                                      </p:cBhvr>
+                                    </p:animEffect>
+                                    <p:anim calcmode="lin" valueType="num">
+                                      <p:cBhvr>
+                                        <p:cTn id="47" dur="1000" fill="hold"/>
+                                        <p:tgtEl>
+                                          <p:spTgt spid="3">
+                                            <p:txEl>
+                                              <p:pRg st="0" end="0"/>
+                                            </p:txEl>
+                                          </p:spTgt>
+                                        </p:tgtEl>
+                                        <p:attrNameLst>
+                                          <p:attrName>ppt_x</p:attrName>
+                                        </p:attrNameLst>
+                                      </p:cBhvr>
+                                      <p:tavLst>
+                                        <p:tav tm="0">
+                                          <p:val>
+                                            <p:strVal val="#ppt_x"/>
+                                          </p:val>
+                                        </p:tav>
+                                        <p:tav tm="100000">
+                                          <p:val>
+                                            <p:strVal val="#ppt_x"/>
+                                          </p:val>
+                                        </p:tav>
+                                      </p:tavLst>
+                                    </p:anim>
+                                    <p:anim calcmode="lin" valueType="num">
+                                      <p:cBhvr>
+                                        <p:cTn id="48" dur="1000" fill="hold"/>
+                                        <p:tgtEl>
+                                          <p:spTgt spid="3">
+                                            <p:txEl>
+                                              <p:pRg st="0" end="0"/>
+                                            </p:txEl>
+                                          </p:spTgt>
+                                        </p:tgtEl>
+                                        <p:attrNameLst>
+                                          <p:attrName>ppt_y</p:attrName>
+                                        </p:attrNameLst>
+                                      </p:cBhvr>
+                                      <p:tavLst>
+                                        <p:tav tm="0">
+                                          <p:val>
+                                            <p:strVal val="#ppt_y+.1"/>
+                                          </p:val>
+                                        </p:tav>
+                                        <p:tav tm="100000">
+                                          <p:val>
+                                            <p:strVal val="#ppt_y"/>
+                                          </p:val>
+                                        </p:tav>
+                                      </p:tavLst>
+                                    </p:anim>
+                                  </p:childTnLst>
+                                </p:cTn>
+                              </p:par>
+                            </p:childTnLst>
+                          </p:cTn>
+                        </p:par>
+                      </p:childTnLst>
+                    </p:cTn>
+                  </p:par>
+                  <p:par>
+                    <p:cTn id="49" fill="hold">
+                      <p:stCondLst>
+                        <p:cond delay="indefinite"/>
+                      </p:stCondLst>
+                      <p:childTnLst>
+                        <p:par>
+                          <p:cTn id="50" fill="hold">
+                            <p:stCondLst>
+                              <p:cond delay="0"/>
+                            </p:stCondLst>
+                            <p:childTnLst>
+                              <p:par>
+                                <p:cTn id="51" presetID="42" presetClass="entr" presetSubtype="0" fill="hold" grpId="0" nodeType="clickEffect">
+                                  <p:stCondLst>
+                                    <p:cond delay="0"/>
+                                  </p:stCondLst>
+                                  <p:childTnLst>
+                                    <p:set>
+                                      <p:cBhvr>
+                                        <p:cTn id="52" dur="1" fill="hold">
+                                          <p:stCondLst>
+                                            <p:cond delay="0"/>
+                                          </p:stCondLst>
+                                        </p:cTn>
+                                        <p:tgtEl>
+                                          <p:spTgt spid="3">
+                                            <p:txEl>
+                                              <p:pRg st="1" end="1"/>
+                                            </p:txEl>
+                                          </p:spTgt>
+                                        </p:tgtEl>
+                                        <p:attrNameLst>
+                                          <p:attrName>style.visibility</p:attrName>
+                                        </p:attrNameLst>
+                                      </p:cBhvr>
+                                      <p:to>
+                                        <p:strVal val="visible"/>
+                                      </p:to>
+                                    </p:set>
+                                    <p:animEffect transition="in" filter="fade">
+                                      <p:cBhvr>
+                                        <p:cTn id="53" dur="1000"/>
+                                        <p:tgtEl>
+                                          <p:spTgt spid="3">
+                                            <p:txEl>
+                                              <p:pRg st="1" end="1"/>
+                                            </p:txEl>
+                                          </p:spTgt>
+                                        </p:tgtEl>
+                                      </p:cBhvr>
+                                    </p:animEffect>
+                                    <p:anim calcmode="lin" valueType="num">
+                                      <p:cBhvr>
+                                        <p:cTn id="54" dur="1000" fill="hold"/>
+                                        <p:tgtEl>
+                                          <p:spTgt spid="3">
+                                            <p:txEl>
+                                              <p:pRg st="1" end="1"/>
+                                            </p:txEl>
+                                          </p:spTgt>
+                                        </p:tgtEl>
+                                        <p:attrNameLst>
+                                          <p:attrName>ppt_x</p:attrName>
+                                        </p:attrNameLst>
+                                      </p:cBhvr>
+                                      <p:tavLst>
+                                        <p:tav tm="0">
+                                          <p:val>
+                                            <p:strVal val="#ppt_x"/>
+                                          </p:val>
+                                        </p:tav>
+                                        <p:tav tm="100000">
+                                          <p:val>
+                                            <p:strVal val="#ppt_x"/>
+                                          </p:val>
+                                        </p:tav>
+                                      </p:tavLst>
+                                    </p:anim>
+                                    <p:anim calcmode="lin" valueType="num">
+                                      <p:cBhvr>
+                                        <p:cTn id="55" dur="1000" fill="hold"/>
+                                        <p:tgtEl>
+                                          <p:spTgt spid="3">
+                                            <p:txEl>
+                                              <p:pRg st="1" end="1"/>
+                                            </p:txEl>
+                                          </p:spTgt>
+                                        </p:tgtEl>
+                                        <p:attrNameLst>
+                                          <p:attrName>ppt_y</p:attrName>
+                                        </p:attrNameLst>
+                                      </p:cBhvr>
+                                      <p:tavLst>
+                                        <p:tav tm="0">
+                                          <p:val>
+                                            <p:strVal val="#ppt_y+.1"/>
+                                          </p:val>
+                                        </p:tav>
+                                        <p:tav tm="100000">
+                                          <p:val>
+                                            <p:strVal val="#ppt_y"/>
+                                          </p:val>
+                                        </p:tav>
+                                      </p:tavLst>
+                                    </p:anim>
+                                  </p:childTnLst>
+                                </p:cTn>
+                              </p:par>
+                            </p:childTnLst>
+                          </p:cTn>
+                        </p:par>
+                      </p:childTnLst>
+                    </p:cTn>
+                  </p:par>
+                  <p:par>
+                    <p:cTn id="56" fill="hold">
+                      <p:stCondLst>
+                        <p:cond delay="indefinite"/>
+                      </p:stCondLst>
+                      <p:childTnLst>
+                        <p:par>
+                          <p:cTn id="57" fill="hold">
+                            <p:stCondLst>
+                              <p:cond delay="0"/>
+                            </p:stCondLst>
+                            <p:childTnLst>
+                              <p:par>
+                                <p:cTn id="58" presetID="42" presetClass="entr" presetSubtype="0" fill="hold" grpId="0" nodeType="clickEffect">
+                                  <p:stCondLst>
+                                    <p:cond delay="0"/>
+                                  </p:stCondLst>
+                                  <p:childTnLst>
+                                    <p:set>
+                                      <p:cBhvr>
+                                        <p:cTn id="59" dur="1" fill="hold">
+                                          <p:stCondLst>
+                                            <p:cond delay="0"/>
+                                          </p:stCondLst>
+                                        </p:cTn>
+                                        <p:tgtEl>
+                                          <p:spTgt spid="3">
+                                            <p:txEl>
+                                              <p:pRg st="2" end="2"/>
+                                            </p:txEl>
+                                          </p:spTgt>
+                                        </p:tgtEl>
+                                        <p:attrNameLst>
+                                          <p:attrName>style.visibility</p:attrName>
+                                        </p:attrNameLst>
+                                      </p:cBhvr>
+                                      <p:to>
+                                        <p:strVal val="visible"/>
+                                      </p:to>
+                                    </p:set>
+                                    <p:animEffect transition="in" filter="fade">
+                                      <p:cBhvr>
+                                        <p:cTn id="60" dur="1000"/>
+                                        <p:tgtEl>
+                                          <p:spTgt spid="3">
+                                            <p:txEl>
+                                              <p:pRg st="2" end="2"/>
+                                            </p:txEl>
+                                          </p:spTgt>
+                                        </p:tgtEl>
+                                      </p:cBhvr>
+                                    </p:animEffect>
+                                    <p:anim calcmode="lin" valueType="num">
+                                      <p:cBhvr>
+                                        <p:cTn id="61" dur="1000" fill="hold"/>
+                                        <p:tgtEl>
+                                          <p:spTgt spid="3">
+                                            <p:txEl>
+                                              <p:pRg st="2" end="2"/>
+                                            </p:txEl>
+                                          </p:spTgt>
+                                        </p:tgtEl>
+                                        <p:attrNameLst>
+                                          <p:attrName>ppt_x</p:attrName>
+                                        </p:attrNameLst>
+                                      </p:cBhvr>
+                                      <p:tavLst>
+                                        <p:tav tm="0">
+                                          <p:val>
+                                            <p:strVal val="#ppt_x"/>
+                                          </p:val>
+                                        </p:tav>
+                                        <p:tav tm="100000">
+                                          <p:val>
+                                            <p:strVal val="#ppt_x"/>
+                                          </p:val>
+                                        </p:tav>
+                                      </p:tavLst>
+                                    </p:anim>
+                                    <p:anim calcmode="lin" valueType="num">
+                                      <p:cBhvr>
+                                        <p:cTn id="62" dur="1000" fill="hold"/>
+                                        <p:tgtEl>
+                                          <p:spTgt spid="3">
+                                            <p:txEl>
+                                              <p:pRg st="2" end="2"/>
+                                            </p:txEl>
+                                          </p:spTgt>
+                                        </p:tgtEl>
+                                        <p:attrNameLst>
+                                          <p:attrName>ppt_y</p:attrName>
+                                        </p:attrNameLst>
+                                      </p:cBhvr>
+                                      <p:tavLst>
+                                        <p:tav tm="0">
+                                          <p:val>
+                                            <p:strVal val="#ppt_y+.1"/>
+                                          </p:val>
+                                        </p:tav>
+                                        <p:tav tm="100000">
+                                          <p:val>
+                                            <p:strVal val="#ppt_y"/>
+                                          </p:val>
+                                        </p:tav>
+                                      </p:tavLst>
+                                    </p:anim>
+                                  </p:childTnLst>
+                                </p:cTn>
+                              </p:par>
+                            </p:childTnLst>
+                          </p:cTn>
+                        </p:par>
+                      </p:childTnLst>
+                    </p:cTn>
+                  </p:par>
+                  <p:par>
+                    <p:cTn id="63" fill="hold">
+                      <p:stCondLst>
+                        <p:cond delay="indefinite"/>
+                      </p:stCondLst>
+                      <p:childTnLst>
+                        <p:par>
+                          <p:cTn id="64" fill="hold">
+                            <p:stCondLst>
+                              <p:cond delay="0"/>
+                            </p:stCondLst>
+                            <p:childTnLst>
+                              <p:par>
+                                <p:cTn id="65" presetID="42" presetClass="entr" presetSubtype="0" fill="hold" grpId="0" nodeType="clickEffect">
+                                  <p:stCondLst>
+                                    <p:cond delay="0"/>
+                                  </p:stCondLst>
+                                  <p:childTnLst>
+                                    <p:set>
+                                      <p:cBhvr>
+                                        <p:cTn id="66" dur="1" fill="hold">
+                                          <p:stCondLst>
+                                            <p:cond delay="0"/>
+                                          </p:stCondLst>
+                                        </p:cTn>
+                                        <p:tgtEl>
+                                          <p:spTgt spid="3">
+                                            <p:txEl>
+                                              <p:pRg st="3" end="3"/>
+                                            </p:txEl>
+                                          </p:spTgt>
+                                        </p:tgtEl>
+                                        <p:attrNameLst>
+                                          <p:attrName>style.visibility</p:attrName>
+                                        </p:attrNameLst>
+                                      </p:cBhvr>
+                                      <p:to>
+                                        <p:strVal val="visible"/>
+                                      </p:to>
+                                    </p:set>
+                                    <p:animEffect transition="in" filter="fade">
+                                      <p:cBhvr>
+                                        <p:cTn id="67" dur="1000"/>
+                                        <p:tgtEl>
+                                          <p:spTgt spid="3">
+                                            <p:txEl>
+                                              <p:pRg st="3" end="3"/>
+                                            </p:txEl>
+                                          </p:spTgt>
+                                        </p:tgtEl>
+                                      </p:cBhvr>
+                                    </p:animEffect>
+                                    <p:anim calcmode="lin" valueType="num">
+                                      <p:cBhvr>
+                                        <p:cTn id="68" dur="1000" fill="hold"/>
+                                        <p:tgtEl>
+                                          <p:spTgt spid="3">
+                                            <p:txEl>
+                                              <p:pRg st="3" end="3"/>
+                                            </p:txEl>
+                                          </p:spTgt>
+                                        </p:tgtEl>
+                                        <p:attrNameLst>
+                                          <p:attrName>ppt_x</p:attrName>
+                                        </p:attrNameLst>
+                                      </p:cBhvr>
+                                      <p:tavLst>
+                                        <p:tav tm="0">
+                                          <p:val>
+                                            <p:strVal val="#ppt_x"/>
+                                          </p:val>
+                                        </p:tav>
+                                        <p:tav tm="100000">
+                                          <p:val>
+                                            <p:strVal val="#ppt_x"/>
+                                          </p:val>
+                                        </p:tav>
+                                      </p:tavLst>
+                                    </p:anim>
+                                    <p:anim calcmode="lin" valueType="num">
+                                      <p:cBhvr>
+                                        <p:cTn id="69" dur="1000" fill="hold"/>
+                                        <p:tgtEl>
+                                          <p:spTgt spid="3">
+                                            <p:txEl>
+                                              <p:pRg st="3" end="3"/>
+                                            </p:txEl>
+                                          </p:spTgt>
+                                        </p:tgtEl>
+                                        <p:attrNameLst>
+                                          <p:attrName>ppt_y</p:attrName>
+                                        </p:attrNameLst>
+                                      </p:cBhvr>
+                                      <p:tavLst>
+                                        <p:tav tm="0">
+                                          <p:val>
+                                            <p:strVal val="#ppt_y+.1"/>
+                                          </p:val>
+                                        </p:tav>
+                                        <p:tav tm="100000">
+                                          <p:val>
+                                            <p:strVal val="#ppt_y"/>
+                                          </p:val>
+                                        </p:tav>
+                                      </p:tavLst>
+                                    </p:anim>
+                                  </p:childTnLst>
+                                </p:cTn>
+                              </p:par>
+                            </p:childTnLst>
+                          </p:cTn>
+                        </p:par>
+                      </p:childTnLst>
+                    </p:cTn>
+                  </p:par>
+                  <p:par>
+                    <p:cTn id="70" fill="hold">
+                      <p:stCondLst>
+                        <p:cond delay="indefinite"/>
+                      </p:stCondLst>
+                      <p:childTnLst>
+                        <p:par>
+                          <p:cTn id="71" fill="hold">
+                            <p:stCondLst>
+                              <p:cond delay="0"/>
+                            </p:stCondLst>
+                            <p:childTnLst>
+                              <p:par>
+                                <p:cTn id="72" presetID="42" presetClass="entr" presetSubtype="0" fill="hold" grpId="0" nodeType="clickEffect">
+                                  <p:stCondLst>
+                                    <p:cond delay="0"/>
+                                  </p:stCondLst>
+                                  <p:childTnLst>
+                                    <p:set>
+                                      <p:cBhvr>
+                                        <p:cTn id="73" dur="1" fill="hold">
+                                          <p:stCondLst>
+                                            <p:cond delay="0"/>
+                                          </p:stCondLst>
+                                        </p:cTn>
+                                        <p:tgtEl>
+                                          <p:spTgt spid="3">
+                                            <p:txEl>
+                                              <p:pRg st="4" end="4"/>
+                                            </p:txEl>
+                                          </p:spTgt>
+                                        </p:tgtEl>
+                                        <p:attrNameLst>
+                                          <p:attrName>style.visibility</p:attrName>
+                                        </p:attrNameLst>
+                                      </p:cBhvr>
+                                      <p:to>
+                                        <p:strVal val="visible"/>
+                                      </p:to>
+                                    </p:set>
+                                    <p:animEffect transition="in" filter="fade">
+                                      <p:cBhvr>
+                                        <p:cTn id="74" dur="1000"/>
+                                        <p:tgtEl>
+                                          <p:spTgt spid="3">
+                                            <p:txEl>
+                                              <p:pRg st="4" end="4"/>
+                                            </p:txEl>
+                                          </p:spTgt>
+                                        </p:tgtEl>
+                                      </p:cBhvr>
+                                    </p:animEffect>
+                                    <p:anim calcmode="lin" valueType="num">
+                                      <p:cBhvr>
+                                        <p:cTn id="75" dur="1000" fill="hold"/>
+                                        <p:tgtEl>
+                                          <p:spTgt spid="3">
+                                            <p:txEl>
+                                              <p:pRg st="4" end="4"/>
+                                            </p:txEl>
+                                          </p:spTgt>
+                                        </p:tgtEl>
+                                        <p:attrNameLst>
+                                          <p:attrName>ppt_x</p:attrName>
+                                        </p:attrNameLst>
+                                      </p:cBhvr>
+                                      <p:tavLst>
+                                        <p:tav tm="0">
+                                          <p:val>
+                                            <p:strVal val="#ppt_x"/>
+                                          </p:val>
+                                        </p:tav>
+                                        <p:tav tm="100000">
+                                          <p:val>
+                                            <p:strVal val="#ppt_x"/>
+                                          </p:val>
+                                        </p:tav>
+                                      </p:tavLst>
+                                    </p:anim>
+                                    <p:anim calcmode="lin" valueType="num">
+                                      <p:cBhvr>
+                                        <p:cTn id="76" dur="1000" fill="hold"/>
+                                        <p:tgtEl>
+                                          <p:spTgt spid="3">
+                                            <p:txEl>
+                                              <p:pRg st="4" end="4"/>
+                                            </p:txEl>
+                                          </p:spTgt>
+                                        </p:tgtEl>
+                                        <p:attrNameLst>
+                                          <p:attrName>ppt_y</p:attrName>
+                                        </p:attrNameLst>
+                                      </p:cBhvr>
+                                      <p:tavLst>
+                                        <p:tav tm="0">
+                                          <p:val>
+                                            <p:strVal val="#ppt_y+.1"/>
+                                          </p:val>
+                                        </p:tav>
+                                        <p:tav tm="100000">
+                                          <p:val>
+                                            <p:strVal val="#ppt_y"/>
+                                          </p:val>
+                                        </p:tav>
+                                      </p:tavLst>
+                                    </p:anim>
+                                  </p:childTnLst>
+                                </p:cTn>
+                              </p:par>
+                            </p:childTnLst>
+                          </p:cTn>
+                        </p:par>
+                      </p:childTnLst>
+                    </p:cTn>
+                  </p:par>
+                  <p:par>
+                    <p:cTn id="77" fill="hold">
+                      <p:stCondLst>
+                        <p:cond delay="indefinite"/>
+                      </p:stCondLst>
+                      <p:childTnLst>
+                        <p:par>
+                          <p:cTn id="78" fill="hold">
+                            <p:stCondLst>
+                              <p:cond delay="0"/>
+                            </p:stCondLst>
+                            <p:childTnLst>
+                              <p:par>
+                                <p:cTn id="79" presetID="42" presetClass="entr" presetSubtype="0" fill="hold" grpId="0" nodeType="clickEffect">
+                                  <p:stCondLst>
+                                    <p:cond delay="0"/>
+                                  </p:stCondLst>
+                                  <p:childTnLst>
+                                    <p:set>
+                                      <p:cBhvr>
+                                        <p:cTn id="80" dur="1" fill="hold">
+                                          <p:stCondLst>
+                                            <p:cond delay="0"/>
+                                          </p:stCondLst>
+                                        </p:cTn>
+                                        <p:tgtEl>
+                                          <p:spTgt spid="3">
+                                            <p:txEl>
+                                              <p:pRg st="5" end="5"/>
+                                            </p:txEl>
+                                          </p:spTgt>
+                                        </p:tgtEl>
+                                        <p:attrNameLst>
+                                          <p:attrName>style.visibility</p:attrName>
+                                        </p:attrNameLst>
+                                      </p:cBhvr>
+                                      <p:to>
+                                        <p:strVal val="visible"/>
+                                      </p:to>
+                                    </p:set>
+                                    <p:animEffect transition="in" filter="fade">
+                                      <p:cBhvr>
+                                        <p:cTn id="81" dur="1000"/>
+                                        <p:tgtEl>
+                                          <p:spTgt spid="3">
+                                            <p:txEl>
+                                              <p:pRg st="5" end="5"/>
+                                            </p:txEl>
+                                          </p:spTgt>
+                                        </p:tgtEl>
+                                      </p:cBhvr>
+                                    </p:animEffect>
+                                    <p:anim calcmode="lin" valueType="num">
+                                      <p:cBhvr>
+                                        <p:cTn id="82" dur="1000" fill="hold"/>
+                                        <p:tgtEl>
+                                          <p:spTgt spid="3">
+                                            <p:txEl>
+                                              <p:pRg st="5" end="5"/>
+                                            </p:txEl>
+                                          </p:spTgt>
+                                        </p:tgtEl>
+                                        <p:attrNameLst>
+                                          <p:attrName>ppt_x</p:attrName>
+                                        </p:attrNameLst>
+                                      </p:cBhvr>
+                                      <p:tavLst>
+                                        <p:tav tm="0">
+                                          <p:val>
+                                            <p:strVal val="#ppt_x"/>
+                                          </p:val>
+                                        </p:tav>
+                                        <p:tav tm="100000">
+                                          <p:val>
+                                            <p:strVal val="#ppt_x"/>
+                                          </p:val>
+                                        </p:tav>
+                                      </p:tavLst>
+                                    </p:anim>
+                                    <p:anim calcmode="lin" valueType="num">
+                                      <p:cBhvr>
+                                        <p:cTn id="83" dur="1000" fill="hold"/>
+                                        <p:tgtEl>
+                                          <p:spTgt spid="3">
+                                            <p:txEl>
+                                              <p:pRg st="5" end="5"/>
+                                            </p:txEl>
+                                          </p:spTgt>
+                                        </p:tgtEl>
+                                        <p:attrNameLst>
+                                          <p:attrName>ppt_y</p:attrName>
+                                        </p:attrNameLst>
+                                      </p:cBhvr>
+                                      <p:tavLst>
+                                        <p:tav tm="0">
+                                          <p:val>
+                                            <p:strVal val="#ppt_y+.1"/>
+                                          </p:val>
+                                        </p:tav>
+                                        <p:tav tm="100000">
+                                          <p:val>
+                                            <p:strVal val="#ppt_y"/>
+                                          </p:val>
+                                        </p:tav>
+                                      </p:tavLst>
+                                    </p:anim>
+                                  </p:childTnLst>
+                                </p:cTn>
+                              </p:par>
+                            </p:childTnLst>
+                          </p:cTn>
+                        </p:par>
+                      </p:childTnLst>
+                    </p:cTn>
+                  </p:par>
+                </p:childTnLst>
+              </p:cTn>
+              <p:prevCondLst>
+                <p:cond evt="onPrev" delay="0">
+                  <p:tgtEl>
+                    <p:sldTgt/>
+                  </p:tgtEl>
+                </p:cond>
+              </p:prevCondLst>
+              <p:nextCondLst>
+                <p:cond evt="onNext" delay="0">
+                  <p:tgtEl>
+                    <p:sldTgt/>
+                  </p:tgtEl>
+                </p:cond>
+              </p:nextCondLst>
+            </p:seq>
+          </p:childTnLst>
+        </p:cTn>
       </p:par>
     </p:tnLst>
+    <p:bldLst>
+      <p:bldP spid="3" grpId="0" uiExpand="1" build="p"/>
+      <p:bldP spid="6" grpId="0" animBg="1"/>
+    </p:bldLst>
   </p:timing>
 </p:sld>
 </file>
@@ -13566,7 +19101,394 @@
   <p:timing>
     <p:tnLst>
       <p:par>
-        <p:cTn id="1" dur="indefinite" restart="never" nodeType="tmRoot"/>
+        <p:cTn id="1" dur="indefinite" restart="never" nodeType="tmRoot">
+          <p:childTnLst>
+            <p:seq concurrent="1" nextAc="seek">
+              <p:cTn id="2" dur="indefinite" nodeType="mainSeq">
+                <p:childTnLst>
+                  <p:par>
+                    <p:cTn id="3" fill="hold">
+                      <p:stCondLst>
+                        <p:cond delay="indefinite"/>
+                      </p:stCondLst>
+                      <p:childTnLst>
+                        <p:par>
+                          <p:cTn id="4" fill="hold">
+                            <p:stCondLst>
+                              <p:cond delay="0"/>
+                            </p:stCondLst>
+                            <p:childTnLst>
+                              <p:par>
+                                <p:cTn id="5" presetID="47" presetClass="entr" presetSubtype="0" fill="hold" nodeType="clickEffect">
+                                  <p:stCondLst>
+                                    <p:cond delay="0"/>
+                                  </p:stCondLst>
+                                  <p:childTnLst>
+                                    <p:set>
+                                      <p:cBhvr>
+                                        <p:cTn id="6" dur="1" fill="hold">
+                                          <p:stCondLst>
+                                            <p:cond delay="0"/>
+                                          </p:stCondLst>
+                                        </p:cTn>
+                                        <p:tgtEl>
+                                          <p:spTgt spid="4"/>
+                                        </p:tgtEl>
+                                        <p:attrNameLst>
+                                          <p:attrName>style.visibility</p:attrName>
+                                        </p:attrNameLst>
+                                      </p:cBhvr>
+                                      <p:to>
+                                        <p:strVal val="visible"/>
+                                      </p:to>
+                                    </p:set>
+                                    <p:animEffect transition="in" filter="fade">
+                                      <p:cBhvr>
+                                        <p:cTn id="7" dur="1000"/>
+                                        <p:tgtEl>
+                                          <p:spTgt spid="4"/>
+                                        </p:tgtEl>
+                                      </p:cBhvr>
+                                    </p:animEffect>
+                                    <p:anim calcmode="lin" valueType="num">
+                                      <p:cBhvr>
+                                        <p:cTn id="8" dur="1000" fill="hold"/>
+                                        <p:tgtEl>
+                                          <p:spTgt spid="4"/>
+                                        </p:tgtEl>
+                                        <p:attrNameLst>
+                                          <p:attrName>ppt_x</p:attrName>
+                                        </p:attrNameLst>
+                                      </p:cBhvr>
+                                      <p:tavLst>
+                                        <p:tav tm="0">
+                                          <p:val>
+                                            <p:strVal val="#ppt_x"/>
+                                          </p:val>
+                                        </p:tav>
+                                        <p:tav tm="100000">
+                                          <p:val>
+                                            <p:strVal val="#ppt_x"/>
+                                          </p:val>
+                                        </p:tav>
+                                      </p:tavLst>
+                                    </p:anim>
+                                    <p:anim calcmode="lin" valueType="num">
+                                      <p:cBhvr>
+                                        <p:cTn id="9" dur="1000" fill="hold"/>
+                                        <p:tgtEl>
+                                          <p:spTgt spid="4"/>
+                                        </p:tgtEl>
+                                        <p:attrNameLst>
+                                          <p:attrName>ppt_y</p:attrName>
+                                        </p:attrNameLst>
+                                      </p:cBhvr>
+                                      <p:tavLst>
+                                        <p:tav tm="0">
+                                          <p:val>
+                                            <p:strVal val="#ppt_y-.1"/>
+                                          </p:val>
+                                        </p:tav>
+                                        <p:tav tm="100000">
+                                          <p:val>
+                                            <p:strVal val="#ppt_y"/>
+                                          </p:val>
+                                        </p:tav>
+                                      </p:tavLst>
+                                    </p:anim>
+                                  </p:childTnLst>
+                                </p:cTn>
+                              </p:par>
+                            </p:childTnLst>
+                          </p:cTn>
+                        </p:par>
+                      </p:childTnLst>
+                    </p:cTn>
+                  </p:par>
+                  <p:par>
+                    <p:cTn id="10" fill="hold">
+                      <p:stCondLst>
+                        <p:cond delay="indefinite"/>
+                      </p:stCondLst>
+                      <p:childTnLst>
+                        <p:par>
+                          <p:cTn id="11" fill="hold">
+                            <p:stCondLst>
+                              <p:cond delay="0"/>
+                            </p:stCondLst>
+                            <p:childTnLst>
+                              <p:par>
+                                <p:cTn id="12" presetID="17" presetClass="entr" presetSubtype="10" fill="hold" nodeType="clickEffect">
+                                  <p:stCondLst>
+                                    <p:cond delay="0"/>
+                                  </p:stCondLst>
+                                  <p:childTnLst>
+                                    <p:set>
+                                      <p:cBhvr>
+                                        <p:cTn id="13" dur="1" fill="hold">
+                                          <p:stCondLst>
+                                            <p:cond delay="0"/>
+                                          </p:stCondLst>
+                                        </p:cTn>
+                                        <p:tgtEl>
+                                          <p:spTgt spid="5"/>
+                                        </p:tgtEl>
+                                        <p:attrNameLst>
+                                          <p:attrName>style.visibility</p:attrName>
+                                        </p:attrNameLst>
+                                      </p:cBhvr>
+                                      <p:to>
+                                        <p:strVal val="visible"/>
+                                      </p:to>
+                                    </p:set>
+                                    <p:anim calcmode="lin" valueType="num">
+                                      <p:cBhvr>
+                                        <p:cTn id="14" dur="500" fill="hold"/>
+                                        <p:tgtEl>
+                                          <p:spTgt spid="5"/>
+                                        </p:tgtEl>
+                                        <p:attrNameLst>
+                                          <p:attrName>ppt_w</p:attrName>
+                                        </p:attrNameLst>
+                                      </p:cBhvr>
+                                      <p:tavLst>
+                                        <p:tav tm="0">
+                                          <p:val>
+                                            <p:fltVal val="0"/>
+                                          </p:val>
+                                        </p:tav>
+                                        <p:tav tm="100000">
+                                          <p:val>
+                                            <p:strVal val="#ppt_w"/>
+                                          </p:val>
+                                        </p:tav>
+                                      </p:tavLst>
+                                    </p:anim>
+                                    <p:anim calcmode="lin" valueType="num">
+                                      <p:cBhvr>
+                                        <p:cTn id="15" dur="500" fill="hold"/>
+                                        <p:tgtEl>
+                                          <p:spTgt spid="5"/>
+                                        </p:tgtEl>
+                                        <p:attrNameLst>
+                                          <p:attrName>ppt_h</p:attrName>
+                                        </p:attrNameLst>
+                                      </p:cBhvr>
+                                      <p:tavLst>
+                                        <p:tav tm="0">
+                                          <p:val>
+                                            <p:strVal val="#ppt_h"/>
+                                          </p:val>
+                                        </p:tav>
+                                        <p:tav tm="100000">
+                                          <p:val>
+                                            <p:strVal val="#ppt_h"/>
+                                          </p:val>
+                                        </p:tav>
+                                      </p:tavLst>
+                                    </p:anim>
+                                  </p:childTnLst>
+                                </p:cTn>
+                              </p:par>
+                            </p:childTnLst>
+                          </p:cTn>
+                        </p:par>
+                      </p:childTnLst>
+                    </p:cTn>
+                  </p:par>
+                  <p:par>
+                    <p:cTn id="16" fill="hold">
+                      <p:stCondLst>
+                        <p:cond delay="indefinite"/>
+                      </p:stCondLst>
+                      <p:childTnLst>
+                        <p:par>
+                          <p:cTn id="17" fill="hold">
+                            <p:stCondLst>
+                              <p:cond delay="0"/>
+                            </p:stCondLst>
+                            <p:childTnLst>
+                              <p:par>
+                                <p:cTn id="18" presetID="17" presetClass="entr" presetSubtype="10" fill="hold" nodeType="clickEffect">
+                                  <p:stCondLst>
+                                    <p:cond delay="0"/>
+                                  </p:stCondLst>
+                                  <p:childTnLst>
+                                    <p:set>
+                                      <p:cBhvr>
+                                        <p:cTn id="19" dur="1" fill="hold">
+                                          <p:stCondLst>
+                                            <p:cond delay="0"/>
+                                          </p:stCondLst>
+                                        </p:cTn>
+                                        <p:tgtEl>
+                                          <p:spTgt spid="6"/>
+                                        </p:tgtEl>
+                                        <p:attrNameLst>
+                                          <p:attrName>style.visibility</p:attrName>
+                                        </p:attrNameLst>
+                                      </p:cBhvr>
+                                      <p:to>
+                                        <p:strVal val="visible"/>
+                                      </p:to>
+                                    </p:set>
+                                    <p:anim calcmode="lin" valueType="num">
+                                      <p:cBhvr>
+                                        <p:cTn id="20" dur="500" fill="hold"/>
+                                        <p:tgtEl>
+                                          <p:spTgt spid="6"/>
+                                        </p:tgtEl>
+                                        <p:attrNameLst>
+                                          <p:attrName>ppt_w</p:attrName>
+                                        </p:attrNameLst>
+                                      </p:cBhvr>
+                                      <p:tavLst>
+                                        <p:tav tm="0">
+                                          <p:val>
+                                            <p:fltVal val="0"/>
+                                          </p:val>
+                                        </p:tav>
+                                        <p:tav tm="100000">
+                                          <p:val>
+                                            <p:strVal val="#ppt_w"/>
+                                          </p:val>
+                                        </p:tav>
+                                      </p:tavLst>
+                                    </p:anim>
+                                    <p:anim calcmode="lin" valueType="num">
+                                      <p:cBhvr>
+                                        <p:cTn id="21" dur="500" fill="hold"/>
+                                        <p:tgtEl>
+                                          <p:spTgt spid="6"/>
+                                        </p:tgtEl>
+                                        <p:attrNameLst>
+                                          <p:attrName>ppt_h</p:attrName>
+                                        </p:attrNameLst>
+                                      </p:cBhvr>
+                                      <p:tavLst>
+                                        <p:tav tm="0">
+                                          <p:val>
+                                            <p:strVal val="#ppt_h"/>
+                                          </p:val>
+                                        </p:tav>
+                                        <p:tav tm="100000">
+                                          <p:val>
+                                            <p:strVal val="#ppt_h"/>
+                                          </p:val>
+                                        </p:tav>
+                                      </p:tavLst>
+                                    </p:anim>
+                                  </p:childTnLst>
+                                </p:cTn>
+                              </p:par>
+                            </p:childTnLst>
+                          </p:cTn>
+                        </p:par>
+                      </p:childTnLst>
+                    </p:cTn>
+                  </p:par>
+                  <p:par>
+                    <p:cTn id="22" fill="hold">
+                      <p:stCondLst>
+                        <p:cond delay="indefinite"/>
+                      </p:stCondLst>
+                      <p:childTnLst>
+                        <p:par>
+                          <p:cTn id="23" fill="hold">
+                            <p:stCondLst>
+                              <p:cond delay="0"/>
+                            </p:stCondLst>
+                            <p:childTnLst>
+                              <p:par>
+                                <p:cTn id="24" presetID="52" presetClass="entr" presetSubtype="0" fill="hold" nodeType="clickEffect">
+                                  <p:stCondLst>
+                                    <p:cond delay="0"/>
+                                  </p:stCondLst>
+                                  <p:childTnLst>
+                                    <p:set>
+                                      <p:cBhvr>
+                                        <p:cTn id="25" dur="1" fill="hold">
+                                          <p:stCondLst>
+                                            <p:cond delay="0"/>
+                                          </p:stCondLst>
+                                        </p:cTn>
+                                        <p:tgtEl>
+                                          <p:spTgt spid="7"/>
+                                        </p:tgtEl>
+                                        <p:attrNameLst>
+                                          <p:attrName>style.visibility</p:attrName>
+                                        </p:attrNameLst>
+                                      </p:cBhvr>
+                                      <p:to>
+                                        <p:strVal val="visible"/>
+                                      </p:to>
+                                    </p:set>
+                                    <p:animScale>
+                                      <p:cBhvr>
+                                        <p:cTn id="26" dur="1000" decel="50000" fill="hold">
+                                          <p:stCondLst>
+                                            <p:cond delay="0"/>
+                                          </p:stCondLst>
+                                        </p:cTn>
+                                        <p:tgtEl>
+                                          <p:spTgt spid="7"/>
+                                        </p:tgtEl>
+                                      </p:cBhvr>
+                                      <p:from x="250000" y="250000"/>
+                                      <p:to x="100000" y="100000"/>
+                                    </p:animScale>
+                                    <p:animMotion origin="layout" path="M -0.46736 0.92887  C -0.37517 0.88508  -0.02552 0.75279  0.0908 0.66613  C  0.20747 0.57948  0.21649 0.50394  0.23177 0.40825  C 0.24705 0.31256  0.22118 0.15964   0.18264 0.09152  C 0.1441 0.02341  0.03802 0.0  0.0 0.0  " pathEditMode="relative" ptsTypes="">
+                                      <p:cBhvr>
+                                        <p:cTn id="27" dur="1000" decel="50000" fill="hold">
+                                          <p:stCondLst>
+                                            <p:cond delay="0"/>
+                                          </p:stCondLst>
+                                        </p:cTn>
+                                        <p:tgtEl>
+                                          <p:spTgt spid="7"/>
+                                        </p:tgtEl>
+                                        <p:attrNameLst>
+                                          <p:attrName>ppt_x</p:attrName>
+                                          <p:attrName>ppt_y</p:attrName>
+                                        </p:attrNameLst>
+                                      </p:cBhvr>
+                                    </p:animMotion>
+                                    <p:animEffect transition="in" filter="fade">
+                                      <p:cBhvr>
+                                        <p:cTn id="28" dur="1000"/>
+                                        <p:tgtEl>
+                                          <p:spTgt spid="7"/>
+                                        </p:tgtEl>
+                                      </p:cBhvr>
+                                    </p:animEffect>
+                                  </p:childTnLst>
+                                </p:cTn>
+                              </p:par>
+                            </p:childTnLst>
+                          </p:cTn>
+                        </p:par>
+                      </p:childTnLst>
+                    </p:cTn>
+                  </p:par>
+                </p:childTnLst>
+              </p:cTn>
+              <p:prevCondLst>
+                <p:cond evt="onPrev" delay="0">
+                  <p:tgtEl>
+                    <p:sldTgt/>
+                  </p:tgtEl>
+                </p:cond>
+              </p:prevCondLst>
+              <p:nextCondLst>
+                <p:cond evt="onNext" delay="0">
+                  <p:tgtEl>
+                    <p:sldTgt/>
+                  </p:tgtEl>
+                </p:cond>
+              </p:nextCondLst>
+            </p:seq>
+          </p:childTnLst>
+        </p:cTn>
       </p:par>
     </p:tnLst>
   </p:timing>
@@ -13778,7 +19700,510 @@
   <p:timing>
     <p:tnLst>
       <p:par>
-        <p:cTn id="1" dur="indefinite" restart="never" nodeType="tmRoot"/>
+        <p:cTn id="1" dur="indefinite" restart="never" nodeType="tmRoot">
+          <p:childTnLst>
+            <p:seq concurrent="1" nextAc="seek">
+              <p:cTn id="2" dur="indefinite" nodeType="mainSeq">
+                <p:childTnLst>
+                  <p:par>
+                    <p:cTn id="3" fill="hold">
+                      <p:stCondLst>
+                        <p:cond delay="indefinite"/>
+                      </p:stCondLst>
+                      <p:childTnLst>
+                        <p:par>
+                          <p:cTn id="4" fill="hold">
+                            <p:stCondLst>
+                              <p:cond delay="0"/>
+                            </p:stCondLst>
+                            <p:childTnLst>
+                              <p:par>
+                                <p:cTn id="5" presetID="47" presetClass="entr" presetSubtype="0" fill="hold" nodeType="clickEffect">
+                                  <p:stCondLst>
+                                    <p:cond delay="0"/>
+                                  </p:stCondLst>
+                                  <p:childTnLst>
+                                    <p:set>
+                                      <p:cBhvr>
+                                        <p:cTn id="6" dur="1" fill="hold">
+                                          <p:stCondLst>
+                                            <p:cond delay="0"/>
+                                          </p:stCondLst>
+                                        </p:cTn>
+                                        <p:tgtEl>
+                                          <p:spTgt spid="9"/>
+                                        </p:tgtEl>
+                                        <p:attrNameLst>
+                                          <p:attrName>style.visibility</p:attrName>
+                                        </p:attrNameLst>
+                                      </p:cBhvr>
+                                      <p:to>
+                                        <p:strVal val="visible"/>
+                                      </p:to>
+                                    </p:set>
+                                    <p:animEffect transition="in" filter="fade">
+                                      <p:cBhvr>
+                                        <p:cTn id="7" dur="1000"/>
+                                        <p:tgtEl>
+                                          <p:spTgt spid="9"/>
+                                        </p:tgtEl>
+                                      </p:cBhvr>
+                                    </p:animEffect>
+                                    <p:anim calcmode="lin" valueType="num">
+                                      <p:cBhvr>
+                                        <p:cTn id="8" dur="1000" fill="hold"/>
+                                        <p:tgtEl>
+                                          <p:spTgt spid="9"/>
+                                        </p:tgtEl>
+                                        <p:attrNameLst>
+                                          <p:attrName>ppt_x</p:attrName>
+                                        </p:attrNameLst>
+                                      </p:cBhvr>
+                                      <p:tavLst>
+                                        <p:tav tm="0">
+                                          <p:val>
+                                            <p:strVal val="#ppt_x"/>
+                                          </p:val>
+                                        </p:tav>
+                                        <p:tav tm="100000">
+                                          <p:val>
+                                            <p:strVal val="#ppt_x"/>
+                                          </p:val>
+                                        </p:tav>
+                                      </p:tavLst>
+                                    </p:anim>
+                                    <p:anim calcmode="lin" valueType="num">
+                                      <p:cBhvr>
+                                        <p:cTn id="9" dur="1000" fill="hold"/>
+                                        <p:tgtEl>
+                                          <p:spTgt spid="9"/>
+                                        </p:tgtEl>
+                                        <p:attrNameLst>
+                                          <p:attrName>ppt_y</p:attrName>
+                                        </p:attrNameLst>
+                                      </p:cBhvr>
+                                      <p:tavLst>
+                                        <p:tav tm="0">
+                                          <p:val>
+                                            <p:strVal val="#ppt_y-.1"/>
+                                          </p:val>
+                                        </p:tav>
+                                        <p:tav tm="100000">
+                                          <p:val>
+                                            <p:strVal val="#ppt_y"/>
+                                          </p:val>
+                                        </p:tav>
+                                      </p:tavLst>
+                                    </p:anim>
+                                  </p:childTnLst>
+                                </p:cTn>
+                              </p:par>
+                            </p:childTnLst>
+                          </p:cTn>
+                        </p:par>
+                        <p:par>
+                          <p:cTn id="10" fill="hold">
+                            <p:stCondLst>
+                              <p:cond delay="1000"/>
+                            </p:stCondLst>
+                            <p:childTnLst>
+                              <p:par>
+                                <p:cTn id="11" presetID="47" presetClass="entr" presetSubtype="0" fill="hold" nodeType="afterEffect">
+                                  <p:stCondLst>
+                                    <p:cond delay="0"/>
+                                  </p:stCondLst>
+                                  <p:childTnLst>
+                                    <p:set>
+                                      <p:cBhvr>
+                                        <p:cTn id="12" dur="1" fill="hold">
+                                          <p:stCondLst>
+                                            <p:cond delay="0"/>
+                                          </p:stCondLst>
+                                        </p:cTn>
+                                        <p:tgtEl>
+                                          <p:spTgt spid="8"/>
+                                        </p:tgtEl>
+                                        <p:attrNameLst>
+                                          <p:attrName>style.visibility</p:attrName>
+                                        </p:attrNameLst>
+                                      </p:cBhvr>
+                                      <p:to>
+                                        <p:strVal val="visible"/>
+                                      </p:to>
+                                    </p:set>
+                                    <p:animEffect transition="in" filter="fade">
+                                      <p:cBhvr>
+                                        <p:cTn id="13" dur="1000"/>
+                                        <p:tgtEl>
+                                          <p:spTgt spid="8"/>
+                                        </p:tgtEl>
+                                      </p:cBhvr>
+                                    </p:animEffect>
+                                    <p:anim calcmode="lin" valueType="num">
+                                      <p:cBhvr>
+                                        <p:cTn id="14" dur="1000" fill="hold"/>
+                                        <p:tgtEl>
+                                          <p:spTgt spid="8"/>
+                                        </p:tgtEl>
+                                        <p:attrNameLst>
+                                          <p:attrName>ppt_x</p:attrName>
+                                        </p:attrNameLst>
+                                      </p:cBhvr>
+                                      <p:tavLst>
+                                        <p:tav tm="0">
+                                          <p:val>
+                                            <p:strVal val="#ppt_x"/>
+                                          </p:val>
+                                        </p:tav>
+                                        <p:tav tm="100000">
+                                          <p:val>
+                                            <p:strVal val="#ppt_x"/>
+                                          </p:val>
+                                        </p:tav>
+                                      </p:tavLst>
+                                    </p:anim>
+                                    <p:anim calcmode="lin" valueType="num">
+                                      <p:cBhvr>
+                                        <p:cTn id="15" dur="1000" fill="hold"/>
+                                        <p:tgtEl>
+                                          <p:spTgt spid="8"/>
+                                        </p:tgtEl>
+                                        <p:attrNameLst>
+                                          <p:attrName>ppt_y</p:attrName>
+                                        </p:attrNameLst>
+                                      </p:cBhvr>
+                                      <p:tavLst>
+                                        <p:tav tm="0">
+                                          <p:val>
+                                            <p:strVal val="#ppt_y-.1"/>
+                                          </p:val>
+                                        </p:tav>
+                                        <p:tav tm="100000">
+                                          <p:val>
+                                            <p:strVal val="#ppt_y"/>
+                                          </p:val>
+                                        </p:tav>
+                                      </p:tavLst>
+                                    </p:anim>
+                                  </p:childTnLst>
+                                </p:cTn>
+                              </p:par>
+                            </p:childTnLst>
+                          </p:cTn>
+                        </p:par>
+                        <p:par>
+                          <p:cTn id="16" fill="hold">
+                            <p:stCondLst>
+                              <p:cond delay="2000"/>
+                            </p:stCondLst>
+                            <p:childTnLst>
+                              <p:par>
+                                <p:cTn id="17" presetID="49" presetClass="entr" presetSubtype="0" decel="100000" fill="hold" nodeType="afterEffect">
+                                  <p:stCondLst>
+                                    <p:cond delay="0"/>
+                                  </p:stCondLst>
+                                  <p:childTnLst>
+                                    <p:set>
+                                      <p:cBhvr>
+                                        <p:cTn id="18" dur="1" fill="hold">
+                                          <p:stCondLst>
+                                            <p:cond delay="0"/>
+                                          </p:stCondLst>
+                                        </p:cTn>
+                                        <p:tgtEl>
+                                          <p:spTgt spid="4"/>
+                                        </p:tgtEl>
+                                        <p:attrNameLst>
+                                          <p:attrName>style.visibility</p:attrName>
+                                        </p:attrNameLst>
+                                      </p:cBhvr>
+                                      <p:to>
+                                        <p:strVal val="visible"/>
+                                      </p:to>
+                                    </p:set>
+                                    <p:anim calcmode="lin" valueType="num">
+                                      <p:cBhvr>
+                                        <p:cTn id="19" dur="500" fill="hold"/>
+                                        <p:tgtEl>
+                                          <p:spTgt spid="4"/>
+                                        </p:tgtEl>
+                                        <p:attrNameLst>
+                                          <p:attrName>ppt_w</p:attrName>
+                                        </p:attrNameLst>
+                                      </p:cBhvr>
+                                      <p:tavLst>
+                                        <p:tav tm="0">
+                                          <p:val>
+                                            <p:fltVal val="0"/>
+                                          </p:val>
+                                        </p:tav>
+                                        <p:tav tm="100000">
+                                          <p:val>
+                                            <p:strVal val="#ppt_w"/>
+                                          </p:val>
+                                        </p:tav>
+                                      </p:tavLst>
+                                    </p:anim>
+                                    <p:anim calcmode="lin" valueType="num">
+                                      <p:cBhvr>
+                                        <p:cTn id="20" dur="500" fill="hold"/>
+                                        <p:tgtEl>
+                                          <p:spTgt spid="4"/>
+                                        </p:tgtEl>
+                                        <p:attrNameLst>
+                                          <p:attrName>ppt_h</p:attrName>
+                                        </p:attrNameLst>
+                                      </p:cBhvr>
+                                      <p:tavLst>
+                                        <p:tav tm="0">
+                                          <p:val>
+                                            <p:fltVal val="0"/>
+                                          </p:val>
+                                        </p:tav>
+                                        <p:tav tm="100000">
+                                          <p:val>
+                                            <p:strVal val="#ppt_h"/>
+                                          </p:val>
+                                        </p:tav>
+                                      </p:tavLst>
+                                    </p:anim>
+                                    <p:anim calcmode="lin" valueType="num">
+                                      <p:cBhvr>
+                                        <p:cTn id="21" dur="500" fill="hold"/>
+                                        <p:tgtEl>
+                                          <p:spTgt spid="4"/>
+                                        </p:tgtEl>
+                                        <p:attrNameLst>
+                                          <p:attrName>style.rotation</p:attrName>
+                                        </p:attrNameLst>
+                                      </p:cBhvr>
+                                      <p:tavLst>
+                                        <p:tav tm="0">
+                                          <p:val>
+                                            <p:fltVal val="360"/>
+                                          </p:val>
+                                        </p:tav>
+                                        <p:tav tm="100000">
+                                          <p:val>
+                                            <p:fltVal val="0"/>
+                                          </p:val>
+                                        </p:tav>
+                                      </p:tavLst>
+                                    </p:anim>
+                                    <p:animEffect transition="in" filter="fade">
+                                      <p:cBhvr>
+                                        <p:cTn id="22" dur="500"/>
+                                        <p:tgtEl>
+                                          <p:spTgt spid="4"/>
+                                        </p:tgtEl>
+                                      </p:cBhvr>
+                                    </p:animEffect>
+                                  </p:childTnLst>
+                                </p:cTn>
+                              </p:par>
+                            </p:childTnLst>
+                          </p:cTn>
+                        </p:par>
+                        <p:par>
+                          <p:cTn id="23" fill="hold">
+                            <p:stCondLst>
+                              <p:cond delay="2500"/>
+                            </p:stCondLst>
+                            <p:childTnLst>
+                              <p:par>
+                                <p:cTn id="24" presetID="53" presetClass="entr" presetSubtype="0" fill="hold" nodeType="afterEffect">
+                                  <p:stCondLst>
+                                    <p:cond delay="0"/>
+                                  </p:stCondLst>
+                                  <p:childTnLst>
+                                    <p:set>
+                                      <p:cBhvr>
+                                        <p:cTn id="25" dur="1" fill="hold">
+                                          <p:stCondLst>
+                                            <p:cond delay="0"/>
+                                          </p:stCondLst>
+                                        </p:cTn>
+                                        <p:tgtEl>
+                                          <p:spTgt spid="7"/>
+                                        </p:tgtEl>
+                                        <p:attrNameLst>
+                                          <p:attrName>style.visibility</p:attrName>
+                                        </p:attrNameLst>
+                                      </p:cBhvr>
+                                      <p:to>
+                                        <p:strVal val="visible"/>
+                                      </p:to>
+                                    </p:set>
+                                    <p:anim calcmode="lin" valueType="num">
+                                      <p:cBhvr>
+                                        <p:cTn id="26" dur="500" fill="hold"/>
+                                        <p:tgtEl>
+                                          <p:spTgt spid="7"/>
+                                        </p:tgtEl>
+                                        <p:attrNameLst>
+                                          <p:attrName>ppt_w</p:attrName>
+                                        </p:attrNameLst>
+                                      </p:cBhvr>
+                                      <p:tavLst>
+                                        <p:tav tm="0">
+                                          <p:val>
+                                            <p:fltVal val="0"/>
+                                          </p:val>
+                                        </p:tav>
+                                        <p:tav tm="100000">
+                                          <p:val>
+                                            <p:strVal val="#ppt_w"/>
+                                          </p:val>
+                                        </p:tav>
+                                      </p:tavLst>
+                                    </p:anim>
+                                    <p:anim calcmode="lin" valueType="num">
+                                      <p:cBhvr>
+                                        <p:cTn id="27" dur="500" fill="hold"/>
+                                        <p:tgtEl>
+                                          <p:spTgt spid="7"/>
+                                        </p:tgtEl>
+                                        <p:attrNameLst>
+                                          <p:attrName>ppt_h</p:attrName>
+                                        </p:attrNameLst>
+                                      </p:cBhvr>
+                                      <p:tavLst>
+                                        <p:tav tm="0">
+                                          <p:val>
+                                            <p:fltVal val="0"/>
+                                          </p:val>
+                                        </p:tav>
+                                        <p:tav tm="100000">
+                                          <p:val>
+                                            <p:strVal val="#ppt_h"/>
+                                          </p:val>
+                                        </p:tav>
+                                      </p:tavLst>
+                                    </p:anim>
+                                    <p:animEffect transition="in" filter="fade">
+                                      <p:cBhvr>
+                                        <p:cTn id="28" dur="500"/>
+                                        <p:tgtEl>
+                                          <p:spTgt spid="7"/>
+                                        </p:tgtEl>
+                                      </p:cBhvr>
+                                    </p:animEffect>
+                                  </p:childTnLst>
+                                </p:cTn>
+                              </p:par>
+                            </p:childTnLst>
+                          </p:cTn>
+                        </p:par>
+                        <p:par>
+                          <p:cTn id="29" fill="hold">
+                            <p:stCondLst>
+                              <p:cond delay="3000"/>
+                            </p:stCondLst>
+                            <p:childTnLst>
+                              <p:par>
+                                <p:cTn id="30" presetID="13" presetClass="entr" presetSubtype="16" fill="hold" nodeType="afterEffect">
+                                  <p:stCondLst>
+                                    <p:cond delay="0"/>
+                                  </p:stCondLst>
+                                  <p:childTnLst>
+                                    <p:set>
+                                      <p:cBhvr>
+                                        <p:cTn id="31" dur="1" fill="hold">
+                                          <p:stCondLst>
+                                            <p:cond delay="0"/>
+                                          </p:stCondLst>
+                                        </p:cTn>
+                                        <p:tgtEl>
+                                          <p:spTgt spid="5"/>
+                                        </p:tgtEl>
+                                        <p:attrNameLst>
+                                          <p:attrName>style.visibility</p:attrName>
+                                        </p:attrNameLst>
+                                      </p:cBhvr>
+                                      <p:to>
+                                        <p:strVal val="visible"/>
+                                      </p:to>
+                                    </p:set>
+                                    <p:animEffect transition="in" filter="plus(in)">
+                                      <p:cBhvr>
+                                        <p:cTn id="32" dur="1000"/>
+                                        <p:tgtEl>
+                                          <p:spTgt spid="5"/>
+                                        </p:tgtEl>
+                                      </p:cBhvr>
+                                    </p:animEffect>
+                                  </p:childTnLst>
+                                </p:cTn>
+                              </p:par>
+                            </p:childTnLst>
+                          </p:cTn>
+                        </p:par>
+                        <p:par>
+                          <p:cTn id="33" fill="hold">
+                            <p:stCondLst>
+                              <p:cond delay="4000"/>
+                            </p:stCondLst>
+                            <p:childTnLst>
+                              <p:par>
+                                <p:cTn id="34" presetID="18" presetClass="entr" presetSubtype="12" fill="hold" nodeType="afterEffect">
+                                  <p:stCondLst>
+                                    <p:cond delay="0"/>
+                                  </p:stCondLst>
+                                  <p:childTnLst>
+                                    <p:set>
+                                      <p:cBhvr>
+                                        <p:cTn id="35" dur="1" fill="hold">
+                                          <p:stCondLst>
+                                            <p:cond delay="0"/>
+                                          </p:stCondLst>
+                                        </p:cTn>
+                                        <p:tgtEl>
+                                          <p:spTgt spid="6"/>
+                                        </p:tgtEl>
+                                        <p:attrNameLst>
+                                          <p:attrName>style.visibility</p:attrName>
+                                        </p:attrNameLst>
+                                      </p:cBhvr>
+                                      <p:to>
+                                        <p:strVal val="visible"/>
+                                      </p:to>
+                                    </p:set>
+                                    <p:animEffect transition="in" filter="strips(downLeft)">
+                                      <p:cBhvr>
+                                        <p:cTn id="36" dur="500"/>
+                                        <p:tgtEl>
+                                          <p:spTgt spid="6"/>
+                                        </p:tgtEl>
+                                      </p:cBhvr>
+                                    </p:animEffect>
+                                  </p:childTnLst>
+                                </p:cTn>
+                              </p:par>
+                            </p:childTnLst>
+                          </p:cTn>
+                        </p:par>
+                      </p:childTnLst>
+                    </p:cTn>
+                  </p:par>
+                </p:childTnLst>
+              </p:cTn>
+              <p:prevCondLst>
+                <p:cond evt="onPrev" delay="0">
+                  <p:tgtEl>
+                    <p:sldTgt/>
+                  </p:tgtEl>
+                </p:cond>
+              </p:prevCondLst>
+              <p:nextCondLst>
+                <p:cond evt="onNext" delay="0">
+                  <p:tgtEl>
+                    <p:sldTgt/>
+                  </p:tgtEl>
+                </p:cond>
+              </p:nextCondLst>
+            </p:seq>
+          </p:childTnLst>
+        </p:cTn>
       </p:par>
     </p:tnLst>
   </p:timing>
@@ -14213,9 +20638,444 @@
   <p:timing>
     <p:tnLst>
       <p:par>
-        <p:cTn id="1" dur="indefinite" restart="never" nodeType="tmRoot"/>
+        <p:cTn id="1" dur="indefinite" restart="never" nodeType="tmRoot">
+          <p:childTnLst>
+            <p:seq concurrent="1" nextAc="seek">
+              <p:cTn id="2" dur="indefinite" nodeType="mainSeq">
+                <p:childTnLst>
+                  <p:par>
+                    <p:cTn id="3" fill="hold">
+                      <p:stCondLst>
+                        <p:cond delay="indefinite"/>
+                      </p:stCondLst>
+                      <p:childTnLst>
+                        <p:par>
+                          <p:cTn id="4" fill="hold">
+                            <p:stCondLst>
+                              <p:cond delay="0"/>
+                            </p:stCondLst>
+                            <p:childTnLst>
+                              <p:par>
+                                <p:cTn id="5" presetID="12" presetClass="entr" presetSubtype="4" fill="hold" grpId="0" nodeType="clickEffect">
+                                  <p:stCondLst>
+                                    <p:cond delay="0"/>
+                                  </p:stCondLst>
+                                  <p:childTnLst>
+                                    <p:set>
+                                      <p:cBhvr>
+                                        <p:cTn id="6" dur="1" fill="hold">
+                                          <p:stCondLst>
+                                            <p:cond delay="0"/>
+                                          </p:stCondLst>
+                                        </p:cTn>
+                                        <p:tgtEl>
+                                          <p:spTgt spid="3">
+                                            <p:bg/>
+                                          </p:spTgt>
+                                        </p:tgtEl>
+                                        <p:attrNameLst>
+                                          <p:attrName>style.visibility</p:attrName>
+                                        </p:attrNameLst>
+                                      </p:cBhvr>
+                                      <p:to>
+                                        <p:strVal val="visible"/>
+                                      </p:to>
+                                    </p:set>
+                                    <p:animEffect transition="in" filter="slide(fromBottom)">
+                                      <p:cBhvr>
+                                        <p:cTn id="7" dur="500"/>
+                                        <p:tgtEl>
+                                          <p:spTgt spid="3">
+                                            <p:bg/>
+                                          </p:spTgt>
+                                        </p:tgtEl>
+                                      </p:cBhvr>
+                                    </p:animEffect>
+                                  </p:childTnLst>
+                                </p:cTn>
+                              </p:par>
+                            </p:childTnLst>
+                          </p:cTn>
+                        </p:par>
+                        <p:par>
+                          <p:cTn id="8" fill="hold">
+                            <p:stCondLst>
+                              <p:cond delay="500"/>
+                            </p:stCondLst>
+                            <p:childTnLst>
+                              <p:par>
+                                <p:cTn id="9" presetID="12" presetClass="entr" presetSubtype="4" fill="hold" grpId="0" nodeType="afterEffect">
+                                  <p:stCondLst>
+                                    <p:cond delay="0"/>
+                                  </p:stCondLst>
+                                  <p:childTnLst>
+                                    <p:set>
+                                      <p:cBhvr>
+                                        <p:cTn id="10" dur="1" fill="hold">
+                                          <p:stCondLst>
+                                            <p:cond delay="0"/>
+                                          </p:stCondLst>
+                                        </p:cTn>
+                                        <p:tgtEl>
+                                          <p:spTgt spid="3">
+                                            <p:txEl>
+                                              <p:pRg st="0" end="0"/>
+                                            </p:txEl>
+                                          </p:spTgt>
+                                        </p:tgtEl>
+                                        <p:attrNameLst>
+                                          <p:attrName>style.visibility</p:attrName>
+                                        </p:attrNameLst>
+                                      </p:cBhvr>
+                                      <p:to>
+                                        <p:strVal val="visible"/>
+                                      </p:to>
+                                    </p:set>
+                                    <p:animEffect transition="in" filter="slide(fromBottom)">
+                                      <p:cBhvr>
+                                        <p:cTn id="11" dur="500"/>
+                                        <p:tgtEl>
+                                          <p:spTgt spid="3">
+                                            <p:txEl>
+                                              <p:pRg st="0" end="0"/>
+                                            </p:txEl>
+                                          </p:spTgt>
+                                        </p:tgtEl>
+                                      </p:cBhvr>
+                                    </p:animEffect>
+                                  </p:childTnLst>
+                                </p:cTn>
+                              </p:par>
+                            </p:childTnLst>
+                          </p:cTn>
+                        </p:par>
+                      </p:childTnLst>
+                    </p:cTn>
+                  </p:par>
+                  <p:par>
+                    <p:cTn id="12" fill="hold">
+                      <p:stCondLst>
+                        <p:cond delay="indefinite"/>
+                      </p:stCondLst>
+                      <p:childTnLst>
+                        <p:par>
+                          <p:cTn id="13" fill="hold">
+                            <p:stCondLst>
+                              <p:cond delay="0"/>
+                            </p:stCondLst>
+                            <p:childTnLst>
+                              <p:par>
+                                <p:cTn id="14" presetID="42" presetClass="entr" presetSubtype="0" fill="hold" grpId="0" nodeType="clickEffect">
+                                  <p:stCondLst>
+                                    <p:cond delay="0"/>
+                                  </p:stCondLst>
+                                  <p:childTnLst>
+                                    <p:set>
+                                      <p:cBhvr>
+                                        <p:cTn id="15" dur="1" fill="hold">
+                                          <p:stCondLst>
+                                            <p:cond delay="0"/>
+                                          </p:stCondLst>
+                                        </p:cTn>
+                                        <p:tgtEl>
+                                          <p:spTgt spid="7"/>
+                                        </p:tgtEl>
+                                        <p:attrNameLst>
+                                          <p:attrName>style.visibility</p:attrName>
+                                        </p:attrNameLst>
+                                      </p:cBhvr>
+                                      <p:to>
+                                        <p:strVal val="visible"/>
+                                      </p:to>
+                                    </p:set>
+                                    <p:animEffect transition="in" filter="fade">
+                                      <p:cBhvr>
+                                        <p:cTn id="16" dur="1000"/>
+                                        <p:tgtEl>
+                                          <p:spTgt spid="7"/>
+                                        </p:tgtEl>
+                                      </p:cBhvr>
+                                    </p:animEffect>
+                                    <p:anim calcmode="lin" valueType="num">
+                                      <p:cBhvr>
+                                        <p:cTn id="17" dur="1000" fill="hold"/>
+                                        <p:tgtEl>
+                                          <p:spTgt spid="7"/>
+                                        </p:tgtEl>
+                                        <p:attrNameLst>
+                                          <p:attrName>ppt_x</p:attrName>
+                                        </p:attrNameLst>
+                                      </p:cBhvr>
+                                      <p:tavLst>
+                                        <p:tav tm="0">
+                                          <p:val>
+                                            <p:strVal val="#ppt_x"/>
+                                          </p:val>
+                                        </p:tav>
+                                        <p:tav tm="100000">
+                                          <p:val>
+                                            <p:strVal val="#ppt_x"/>
+                                          </p:val>
+                                        </p:tav>
+                                      </p:tavLst>
+                                    </p:anim>
+                                    <p:anim calcmode="lin" valueType="num">
+                                      <p:cBhvr>
+                                        <p:cTn id="18" dur="1000" fill="hold"/>
+                                        <p:tgtEl>
+                                          <p:spTgt spid="7"/>
+                                        </p:tgtEl>
+                                        <p:attrNameLst>
+                                          <p:attrName>ppt_y</p:attrName>
+                                        </p:attrNameLst>
+                                      </p:cBhvr>
+                                      <p:tavLst>
+                                        <p:tav tm="0">
+                                          <p:val>
+                                            <p:strVal val="#ppt_y+.1"/>
+                                          </p:val>
+                                        </p:tav>
+                                        <p:tav tm="100000">
+                                          <p:val>
+                                            <p:strVal val="#ppt_y"/>
+                                          </p:val>
+                                        </p:tav>
+                                      </p:tavLst>
+                                    </p:anim>
+                                  </p:childTnLst>
+                                </p:cTn>
+                              </p:par>
+                            </p:childTnLst>
+                          </p:cTn>
+                        </p:par>
+                      </p:childTnLst>
+                    </p:cTn>
+                  </p:par>
+                  <p:par>
+                    <p:cTn id="19" fill="hold">
+                      <p:stCondLst>
+                        <p:cond delay="indefinite"/>
+                      </p:stCondLst>
+                      <p:childTnLst>
+                        <p:par>
+                          <p:cTn id="20" fill="hold">
+                            <p:stCondLst>
+                              <p:cond delay="0"/>
+                            </p:stCondLst>
+                            <p:childTnLst>
+                              <p:par>
+                                <p:cTn id="21" presetID="42" presetClass="entr" presetSubtype="0" fill="hold" grpId="0" nodeType="clickEffect">
+                                  <p:stCondLst>
+                                    <p:cond delay="0"/>
+                                  </p:stCondLst>
+                                  <p:childTnLst>
+                                    <p:set>
+                                      <p:cBhvr>
+                                        <p:cTn id="22" dur="1" fill="hold">
+                                          <p:stCondLst>
+                                            <p:cond delay="0"/>
+                                          </p:stCondLst>
+                                        </p:cTn>
+                                        <p:tgtEl>
+                                          <p:spTgt spid="8"/>
+                                        </p:tgtEl>
+                                        <p:attrNameLst>
+                                          <p:attrName>style.visibility</p:attrName>
+                                        </p:attrNameLst>
+                                      </p:cBhvr>
+                                      <p:to>
+                                        <p:strVal val="visible"/>
+                                      </p:to>
+                                    </p:set>
+                                    <p:animEffect transition="in" filter="fade">
+                                      <p:cBhvr>
+                                        <p:cTn id="23" dur="1000"/>
+                                        <p:tgtEl>
+                                          <p:spTgt spid="8"/>
+                                        </p:tgtEl>
+                                      </p:cBhvr>
+                                    </p:animEffect>
+                                    <p:anim calcmode="lin" valueType="num">
+                                      <p:cBhvr>
+                                        <p:cTn id="24" dur="1000" fill="hold"/>
+                                        <p:tgtEl>
+                                          <p:spTgt spid="8"/>
+                                        </p:tgtEl>
+                                        <p:attrNameLst>
+                                          <p:attrName>ppt_x</p:attrName>
+                                        </p:attrNameLst>
+                                      </p:cBhvr>
+                                      <p:tavLst>
+                                        <p:tav tm="0">
+                                          <p:val>
+                                            <p:strVal val="#ppt_x"/>
+                                          </p:val>
+                                        </p:tav>
+                                        <p:tav tm="100000">
+                                          <p:val>
+                                            <p:strVal val="#ppt_x"/>
+                                          </p:val>
+                                        </p:tav>
+                                      </p:tavLst>
+                                    </p:anim>
+                                    <p:anim calcmode="lin" valueType="num">
+                                      <p:cBhvr>
+                                        <p:cTn id="25" dur="1000" fill="hold"/>
+                                        <p:tgtEl>
+                                          <p:spTgt spid="8"/>
+                                        </p:tgtEl>
+                                        <p:attrNameLst>
+                                          <p:attrName>ppt_y</p:attrName>
+                                        </p:attrNameLst>
+                                      </p:cBhvr>
+                                      <p:tavLst>
+                                        <p:tav tm="0">
+                                          <p:val>
+                                            <p:strVal val="#ppt_y+.1"/>
+                                          </p:val>
+                                        </p:tav>
+                                        <p:tav tm="100000">
+                                          <p:val>
+                                            <p:strVal val="#ppt_y"/>
+                                          </p:val>
+                                        </p:tav>
+                                      </p:tavLst>
+                                    </p:anim>
+                                  </p:childTnLst>
+                                </p:cTn>
+                              </p:par>
+                            </p:childTnLst>
+                          </p:cTn>
+                        </p:par>
+                      </p:childTnLst>
+                    </p:cTn>
+                  </p:par>
+                  <p:par>
+                    <p:cTn id="26" fill="hold">
+                      <p:stCondLst>
+                        <p:cond delay="indefinite"/>
+                      </p:stCondLst>
+                      <p:childTnLst>
+                        <p:par>
+                          <p:cTn id="27" fill="hold">
+                            <p:stCondLst>
+                              <p:cond delay="0"/>
+                            </p:stCondLst>
+                            <p:childTnLst>
+                              <p:par>
+                                <p:cTn id="28" presetID="42" presetClass="entr" presetSubtype="0" fill="hold" grpId="0" nodeType="clickEffect">
+                                  <p:stCondLst>
+                                    <p:cond delay="0"/>
+                                  </p:stCondLst>
+                                  <p:childTnLst>
+                                    <p:set>
+                                      <p:cBhvr>
+                                        <p:cTn id="29" dur="1" fill="hold">
+                                          <p:stCondLst>
+                                            <p:cond delay="0"/>
+                                          </p:stCondLst>
+                                        </p:cTn>
+                                        <p:tgtEl>
+                                          <p:spTgt spid="9"/>
+                                        </p:tgtEl>
+                                        <p:attrNameLst>
+                                          <p:attrName>style.visibility</p:attrName>
+                                        </p:attrNameLst>
+                                      </p:cBhvr>
+                                      <p:to>
+                                        <p:strVal val="visible"/>
+                                      </p:to>
+                                    </p:set>
+                                    <p:animEffect transition="in" filter="fade">
+                                      <p:cBhvr>
+                                        <p:cTn id="30" dur="1000"/>
+                                        <p:tgtEl>
+                                          <p:spTgt spid="9"/>
+                                        </p:tgtEl>
+                                      </p:cBhvr>
+                                    </p:animEffect>
+                                    <p:anim calcmode="lin" valueType="num">
+                                      <p:cBhvr>
+                                        <p:cTn id="31" dur="1000" fill="hold"/>
+                                        <p:tgtEl>
+                                          <p:spTgt spid="9"/>
+                                        </p:tgtEl>
+                                        <p:attrNameLst>
+                                          <p:attrName>ppt_x</p:attrName>
+                                        </p:attrNameLst>
+                                      </p:cBhvr>
+                                      <p:tavLst>
+                                        <p:tav tm="0">
+                                          <p:val>
+                                            <p:strVal val="#ppt_x"/>
+                                          </p:val>
+                                        </p:tav>
+                                        <p:tav tm="100000">
+                                          <p:val>
+                                            <p:strVal val="#ppt_x"/>
+                                          </p:val>
+                                        </p:tav>
+                                      </p:tavLst>
+                                    </p:anim>
+                                    <p:anim calcmode="lin" valueType="num">
+                                      <p:cBhvr>
+                                        <p:cTn id="32" dur="1000" fill="hold"/>
+                                        <p:tgtEl>
+                                          <p:spTgt spid="9"/>
+                                        </p:tgtEl>
+                                        <p:attrNameLst>
+                                          <p:attrName>ppt_y</p:attrName>
+                                        </p:attrNameLst>
+                                      </p:cBhvr>
+                                      <p:tavLst>
+                                        <p:tav tm="0">
+                                          <p:val>
+                                            <p:strVal val="#ppt_y+.1"/>
+                                          </p:val>
+                                        </p:tav>
+                                        <p:tav tm="100000">
+                                          <p:val>
+                                            <p:strVal val="#ppt_y"/>
+                                          </p:val>
+                                        </p:tav>
+                                      </p:tavLst>
+                                    </p:anim>
+                                  </p:childTnLst>
+                                </p:cTn>
+                              </p:par>
+                            </p:childTnLst>
+                          </p:cTn>
+                        </p:par>
+                      </p:childTnLst>
+                    </p:cTn>
+                  </p:par>
+                </p:childTnLst>
+              </p:cTn>
+              <p:prevCondLst>
+                <p:cond evt="onPrev" delay="0">
+                  <p:tgtEl>
+                    <p:sldTgt/>
+                  </p:tgtEl>
+                </p:cond>
+              </p:prevCondLst>
+              <p:nextCondLst>
+                <p:cond evt="onNext" delay="0">
+                  <p:tgtEl>
+                    <p:sldTgt/>
+                  </p:tgtEl>
+                </p:cond>
+              </p:nextCondLst>
+            </p:seq>
+          </p:childTnLst>
+        </p:cTn>
       </p:par>
     </p:tnLst>
+    <p:bldLst>
+      <p:bldP spid="3" grpId="0" uiExpand="1" build="p" animBg="1"/>
+      <p:bldP spid="7" grpId="0" animBg="1"/>
+      <p:bldP spid="8" grpId="0" animBg="1"/>
+      <p:bldP spid="9" grpId="0" animBg="1"/>
+    </p:bldLst>
   </p:timing>
 </p:sld>
 </file>
@@ -14641,7 +21501,7 @@
                             </p:stCondLst>
                             <p:childTnLst>
                               <p:par>
-                                <p:cTn id="5" presetID="10" presetClass="entr" presetSubtype="0" fill="hold" nodeType="clickEffect">
+                                <p:cTn id="5" presetID="12" presetClass="entr" presetSubtype="4" fill="hold" grpId="0" nodeType="clickEffect">
                                   <p:stCondLst>
                                     <p:cond delay="0"/>
                                   </p:stCondLst>
@@ -14654,7 +21514,9 @@
                                           </p:stCondLst>
                                         </p:cTn>
                                         <p:tgtEl>
-                                          <p:spTgt spid="1026"/>
+                                          <p:spTgt spid="3">
+                                            <p:bg/>
+                                          </p:spTgt>
                                         </p:tgtEl>
                                         <p:attrNameLst>
                                           <p:attrName>style.visibility</p:attrName>
@@ -14664,11 +21526,65 @@
                                         <p:strVal val="visible"/>
                                       </p:to>
                                     </p:set>
-                                    <p:animEffect transition="in" filter="fade">
-                                      <p:cBhvr>
-                                        <p:cTn id="7" dur="2000"/>
-                                        <p:tgtEl>
-                                          <p:spTgt spid="1026"/>
+                                    <p:animEffect transition="in" filter="slide(fromBottom)">
+                                      <p:cBhvr>
+                                        <p:cTn id="7" dur="500"/>
+                                        <p:tgtEl>
+                                          <p:spTgt spid="3">
+                                            <p:bg/>
+                                          </p:spTgt>
+                                        </p:tgtEl>
+                                      </p:cBhvr>
+                                    </p:animEffect>
+                                  </p:childTnLst>
+                                </p:cTn>
+                              </p:par>
+                            </p:childTnLst>
+                          </p:cTn>
+                        </p:par>
+                        <p:par>
+                          <p:cTn id="8" fill="hold">
+                            <p:stCondLst>
+                              <p:cond delay="500"/>
+                            </p:stCondLst>
+                            <p:childTnLst>
+                              <p:par>
+                                <p:cTn id="9" presetID="12" presetClass="entr" presetSubtype="4" fill="hold" grpId="0" nodeType="afterEffect">
+                                  <p:stCondLst>
+                                    <p:cond delay="0"/>
+                                  </p:stCondLst>
+                                  <p:childTnLst>
+                                    <p:set>
+                                      <p:cBhvr>
+                                        <p:cTn id="10" dur="1" fill="hold">
+                                          <p:stCondLst>
+                                            <p:cond delay="0"/>
+                                          </p:stCondLst>
+                                        </p:cTn>
+                                        <p:tgtEl>
+                                          <p:spTgt spid="3">
+                                            <p:txEl>
+                                              <p:pRg st="0" end="0"/>
+                                            </p:txEl>
+                                          </p:spTgt>
+                                        </p:tgtEl>
+                                        <p:attrNameLst>
+                                          <p:attrName>style.visibility</p:attrName>
+                                        </p:attrNameLst>
+                                      </p:cBhvr>
+                                      <p:to>
+                                        <p:strVal val="visible"/>
+                                      </p:to>
+                                    </p:set>
+                                    <p:animEffect transition="in" filter="slide(fromBottom)">
+                                      <p:cBhvr>
+                                        <p:cTn id="11" dur="500"/>
+                                        <p:tgtEl>
+                                          <p:spTgt spid="3">
+                                            <p:txEl>
+                                              <p:pRg st="0" end="0"/>
+                                            </p:txEl>
+                                          </p:spTgt>
                                         </p:tgtEl>
                                       </p:cBhvr>
                                     </p:animEffect>
@@ -14682,32 +21598,32 @@
                     </p:cTn>
                   </p:par>
                   <p:par>
-                    <p:cTn id="8" fill="hold">
+                    <p:cTn id="12" fill="hold">
                       <p:stCondLst>
                         <p:cond delay="indefinite"/>
                       </p:stCondLst>
                       <p:childTnLst>
                         <p:par>
-                          <p:cTn id="9" fill="hold">
+                          <p:cTn id="13" fill="hold">
                             <p:stCondLst>
                               <p:cond delay="0"/>
                             </p:stCondLst>
                             <p:childTnLst>
                               <p:par>
-                                <p:cTn id="10" presetID="1" presetClass="entr" presetSubtype="0" fill="hold" nodeType="clickEffect">
+                                <p:cTn id="14" presetID="42" presetClass="entr" presetSubtype="0" fill="hold" grpId="0" nodeType="clickEffect">
                                   <p:stCondLst>
                                     <p:cond delay="0"/>
                                   </p:stCondLst>
                                   <p:childTnLst>
                                     <p:set>
                                       <p:cBhvr>
-                                        <p:cTn id="11" dur="1" fill="hold">
+                                        <p:cTn id="15" dur="1" fill="hold">
                                           <p:stCondLst>
                                             <p:cond delay="0"/>
                                           </p:stCondLst>
                                         </p:cTn>
                                         <p:tgtEl>
-                                          <p:spTgt spid="1027"/>
+                                          <p:spTgt spid="7"/>
                                         </p:tgtEl>
                                         <p:attrNameLst>
                                           <p:attrName>style.visibility</p:attrName>
@@ -14717,6 +21633,257 @@
                                         <p:strVal val="visible"/>
                                       </p:to>
                                     </p:set>
+                                    <p:animEffect transition="in" filter="fade">
+                                      <p:cBhvr>
+                                        <p:cTn id="16" dur="1000"/>
+                                        <p:tgtEl>
+                                          <p:spTgt spid="7"/>
+                                        </p:tgtEl>
+                                      </p:cBhvr>
+                                    </p:animEffect>
+                                    <p:anim calcmode="lin" valueType="num">
+                                      <p:cBhvr>
+                                        <p:cTn id="17" dur="1000" fill="hold"/>
+                                        <p:tgtEl>
+                                          <p:spTgt spid="7"/>
+                                        </p:tgtEl>
+                                        <p:attrNameLst>
+                                          <p:attrName>ppt_x</p:attrName>
+                                        </p:attrNameLst>
+                                      </p:cBhvr>
+                                      <p:tavLst>
+                                        <p:tav tm="0">
+                                          <p:val>
+                                            <p:strVal val="#ppt_x"/>
+                                          </p:val>
+                                        </p:tav>
+                                        <p:tav tm="100000">
+                                          <p:val>
+                                            <p:strVal val="#ppt_x"/>
+                                          </p:val>
+                                        </p:tav>
+                                      </p:tavLst>
+                                    </p:anim>
+                                    <p:anim calcmode="lin" valueType="num">
+                                      <p:cBhvr>
+                                        <p:cTn id="18" dur="1000" fill="hold"/>
+                                        <p:tgtEl>
+                                          <p:spTgt spid="7"/>
+                                        </p:tgtEl>
+                                        <p:attrNameLst>
+                                          <p:attrName>ppt_y</p:attrName>
+                                        </p:attrNameLst>
+                                      </p:cBhvr>
+                                      <p:tavLst>
+                                        <p:tav tm="0">
+                                          <p:val>
+                                            <p:strVal val="#ppt_y+.1"/>
+                                          </p:val>
+                                        </p:tav>
+                                        <p:tav tm="100000">
+                                          <p:val>
+                                            <p:strVal val="#ppt_y"/>
+                                          </p:val>
+                                        </p:tav>
+                                      </p:tavLst>
+                                    </p:anim>
+                                  </p:childTnLst>
+                                </p:cTn>
+                              </p:par>
+                            </p:childTnLst>
+                          </p:cTn>
+                        </p:par>
+                      </p:childTnLst>
+                    </p:cTn>
+                  </p:par>
+                  <p:par>
+                    <p:cTn id="19" fill="hold">
+                      <p:stCondLst>
+                        <p:cond delay="indefinite"/>
+                      </p:stCondLst>
+                      <p:childTnLst>
+                        <p:par>
+                          <p:cTn id="20" fill="hold">
+                            <p:stCondLst>
+                              <p:cond delay="0"/>
+                            </p:stCondLst>
+                            <p:childTnLst>
+                              <p:par>
+                                <p:cTn id="21" presetID="10" presetClass="entr" presetSubtype="0" fill="hold" nodeType="clickEffect">
+                                  <p:stCondLst>
+                                    <p:cond delay="0"/>
+                                  </p:stCondLst>
+                                  <p:childTnLst>
+                                    <p:set>
+                                      <p:cBhvr>
+                                        <p:cTn id="22" dur="1" fill="hold">
+                                          <p:stCondLst>
+                                            <p:cond delay="0"/>
+                                          </p:stCondLst>
+                                        </p:cTn>
+                                        <p:tgtEl>
+                                          <p:spTgt spid="1026"/>
+                                        </p:tgtEl>
+                                        <p:attrNameLst>
+                                          <p:attrName>style.visibility</p:attrName>
+                                        </p:attrNameLst>
+                                      </p:cBhvr>
+                                      <p:to>
+                                        <p:strVal val="visible"/>
+                                      </p:to>
+                                    </p:set>
+                                    <p:animEffect transition="in" filter="fade">
+                                      <p:cBhvr>
+                                        <p:cTn id="23" dur="1000"/>
+                                        <p:tgtEl>
+                                          <p:spTgt spid="1026"/>
+                                        </p:tgtEl>
+                                      </p:cBhvr>
+                                    </p:animEffect>
+                                  </p:childTnLst>
+                                </p:cTn>
+                              </p:par>
+                            </p:childTnLst>
+                          </p:cTn>
+                        </p:par>
+                      </p:childTnLst>
+                    </p:cTn>
+                  </p:par>
+                  <p:par>
+                    <p:cTn id="24" fill="hold">
+                      <p:stCondLst>
+                        <p:cond delay="indefinite"/>
+                      </p:stCondLst>
+                      <p:childTnLst>
+                        <p:par>
+                          <p:cTn id="25" fill="hold">
+                            <p:stCondLst>
+                              <p:cond delay="0"/>
+                            </p:stCondLst>
+                            <p:childTnLst>
+                              <p:par>
+                                <p:cTn id="26" presetID="1" presetClass="entr" presetSubtype="0" fill="hold" nodeType="clickEffect">
+                                  <p:stCondLst>
+                                    <p:cond delay="0"/>
+                                  </p:stCondLst>
+                                  <p:childTnLst>
+                                    <p:set>
+                                      <p:cBhvr>
+                                        <p:cTn id="27" dur="1" fill="hold">
+                                          <p:stCondLst>
+                                            <p:cond delay="0"/>
+                                          </p:stCondLst>
+                                        </p:cTn>
+                                        <p:tgtEl>
+                                          <p:spTgt spid="1027"/>
+                                        </p:tgtEl>
+                                        <p:attrNameLst>
+                                          <p:attrName>style.visibility</p:attrName>
+                                        </p:attrNameLst>
+                                      </p:cBhvr>
+                                      <p:to>
+                                        <p:strVal val="visible"/>
+                                      </p:to>
+                                    </p:set>
+                                  </p:childTnLst>
+                                </p:cTn>
+                              </p:par>
+                            </p:childTnLst>
+                          </p:cTn>
+                        </p:par>
+                      </p:childTnLst>
+                    </p:cTn>
+                  </p:par>
+                  <p:par>
+                    <p:cTn id="28" fill="hold">
+                      <p:stCondLst>
+                        <p:cond delay="indefinite"/>
+                      </p:stCondLst>
+                      <p:childTnLst>
+                        <p:par>
+                          <p:cTn id="29" fill="hold">
+                            <p:stCondLst>
+                              <p:cond delay="0"/>
+                            </p:stCondLst>
+                            <p:childTnLst>
+                              <p:par>
+                                <p:cTn id="30" presetID="42" presetClass="entr" presetSubtype="0" fill="hold" grpId="0" nodeType="clickEffect">
+                                  <p:stCondLst>
+                                    <p:cond delay="0"/>
+                                  </p:stCondLst>
+                                  <p:childTnLst>
+                                    <p:set>
+                                      <p:cBhvr>
+                                        <p:cTn id="31" dur="1" fill="hold">
+                                          <p:stCondLst>
+                                            <p:cond delay="0"/>
+                                          </p:stCondLst>
+                                        </p:cTn>
+                                        <p:tgtEl>
+                                          <p:spTgt spid="11"/>
+                                        </p:tgtEl>
+                                        <p:attrNameLst>
+                                          <p:attrName>style.visibility</p:attrName>
+                                        </p:attrNameLst>
+                                      </p:cBhvr>
+                                      <p:to>
+                                        <p:strVal val="visible"/>
+                                      </p:to>
+                                    </p:set>
+                                    <p:animEffect transition="in" filter="fade">
+                                      <p:cBhvr>
+                                        <p:cTn id="32" dur="1000"/>
+                                        <p:tgtEl>
+                                          <p:spTgt spid="11"/>
+                                        </p:tgtEl>
+                                      </p:cBhvr>
+                                    </p:animEffect>
+                                    <p:anim calcmode="lin" valueType="num">
+                                      <p:cBhvr>
+                                        <p:cTn id="33" dur="1000" fill="hold"/>
+                                        <p:tgtEl>
+                                          <p:spTgt spid="11"/>
+                                        </p:tgtEl>
+                                        <p:attrNameLst>
+                                          <p:attrName>ppt_x</p:attrName>
+                                        </p:attrNameLst>
+                                      </p:cBhvr>
+                                      <p:tavLst>
+                                        <p:tav tm="0">
+                                          <p:val>
+                                            <p:strVal val="#ppt_x"/>
+                                          </p:val>
+                                        </p:tav>
+                                        <p:tav tm="100000">
+                                          <p:val>
+                                            <p:strVal val="#ppt_x"/>
+                                          </p:val>
+                                        </p:tav>
+                                      </p:tavLst>
+                                    </p:anim>
+                                    <p:anim calcmode="lin" valueType="num">
+                                      <p:cBhvr>
+                                        <p:cTn id="34" dur="1000" fill="hold"/>
+                                        <p:tgtEl>
+                                          <p:spTgt spid="11"/>
+                                        </p:tgtEl>
+                                        <p:attrNameLst>
+                                          <p:attrName>ppt_y</p:attrName>
+                                        </p:attrNameLst>
+                                      </p:cBhvr>
+                                      <p:tavLst>
+                                        <p:tav tm="0">
+                                          <p:val>
+                                            <p:strVal val="#ppt_y+.1"/>
+                                          </p:val>
+                                        </p:tav>
+                                        <p:tav tm="100000">
+                                          <p:val>
+                                            <p:strVal val="#ppt_y"/>
+                                          </p:val>
+                                        </p:tav>
+                                      </p:tavLst>
+                                    </p:anim>
                                   </p:childTnLst>
                                 </p:cTn>
                               </p:par>
@@ -14747,6 +21914,11 @@
         </p:cTn>
       </p:par>
     </p:tnLst>
+    <p:bldLst>
+      <p:bldP spid="3" grpId="0" uiExpand="1" build="p" animBg="1"/>
+      <p:bldP spid="7" grpId="0" animBg="1"/>
+      <p:bldP spid="11" grpId="0" animBg="1"/>
+    </p:bldLst>
   </p:timing>
 </p:sld>
 </file>
